--- a/images/layout.pptx
+++ b/images/layout.pptx
@@ -6,8 +6,10 @@
   </p:sldMasterIdLst>
   <p:sldIdLst>
     <p:sldId id="256" r:id="rId2"/>
-    <p:sldId id="257" r:id="rId3"/>
-    <p:sldId id="258" r:id="rId4"/>
+    <p:sldId id="259" r:id="rId3"/>
+    <p:sldId id="260" r:id="rId4"/>
+    <p:sldId id="257" r:id="rId5"/>
+    <p:sldId id="258" r:id="rId6"/>
   </p:sldIdLst>
   <p:sldSz cx="14712950" cy="6858000"/>
   <p:notesSz cx="6858000" cy="9144000"/>
@@ -245,7 +247,7 @@
           <a:p>
             <a:fld id="{2AE8E997-DF11-D842-B5B0-C4E0CC91EF9B}" type="datetimeFigureOut">
               <a:rPr lang="en-GB" smtClean="0"/>
-              <a:t>20/11/2020</a:t>
+              <a:t>07/12/2020</a:t>
             </a:fld>
             <a:endParaRPr lang="en-GB"/>
           </a:p>
@@ -415,7 +417,7 @@
           <a:p>
             <a:fld id="{2AE8E997-DF11-D842-B5B0-C4E0CC91EF9B}" type="datetimeFigureOut">
               <a:rPr lang="en-GB" smtClean="0"/>
-              <a:t>20/11/2020</a:t>
+              <a:t>07/12/2020</a:t>
             </a:fld>
             <a:endParaRPr lang="en-GB"/>
           </a:p>
@@ -595,7 +597,7 @@
           <a:p>
             <a:fld id="{2AE8E997-DF11-D842-B5B0-C4E0CC91EF9B}" type="datetimeFigureOut">
               <a:rPr lang="en-GB" smtClean="0"/>
-              <a:t>20/11/2020</a:t>
+              <a:t>07/12/2020</a:t>
             </a:fld>
             <a:endParaRPr lang="en-GB"/>
           </a:p>
@@ -765,7 +767,7 @@
           <a:p>
             <a:fld id="{2AE8E997-DF11-D842-B5B0-C4E0CC91EF9B}" type="datetimeFigureOut">
               <a:rPr lang="en-GB" smtClean="0"/>
-              <a:t>20/11/2020</a:t>
+              <a:t>07/12/2020</a:t>
             </a:fld>
             <a:endParaRPr lang="en-GB"/>
           </a:p>
@@ -1011,7 +1013,7 @@
           <a:p>
             <a:fld id="{2AE8E997-DF11-D842-B5B0-C4E0CC91EF9B}" type="datetimeFigureOut">
               <a:rPr lang="en-GB" smtClean="0"/>
-              <a:t>20/11/2020</a:t>
+              <a:t>07/12/2020</a:t>
             </a:fld>
             <a:endParaRPr lang="en-GB"/>
           </a:p>
@@ -1243,7 +1245,7 @@
           <a:p>
             <a:fld id="{2AE8E997-DF11-D842-B5B0-C4E0CC91EF9B}" type="datetimeFigureOut">
               <a:rPr lang="en-GB" smtClean="0"/>
-              <a:t>20/11/2020</a:t>
+              <a:t>07/12/2020</a:t>
             </a:fld>
             <a:endParaRPr lang="en-GB"/>
           </a:p>
@@ -1610,7 +1612,7 @@
           <a:p>
             <a:fld id="{2AE8E997-DF11-D842-B5B0-C4E0CC91EF9B}" type="datetimeFigureOut">
               <a:rPr lang="en-GB" smtClean="0"/>
-              <a:t>20/11/2020</a:t>
+              <a:t>07/12/2020</a:t>
             </a:fld>
             <a:endParaRPr lang="en-GB"/>
           </a:p>
@@ -1728,7 +1730,7 @@
           <a:p>
             <a:fld id="{2AE8E997-DF11-D842-B5B0-C4E0CC91EF9B}" type="datetimeFigureOut">
               <a:rPr lang="en-GB" smtClean="0"/>
-              <a:t>20/11/2020</a:t>
+              <a:t>07/12/2020</a:t>
             </a:fld>
             <a:endParaRPr lang="en-GB"/>
           </a:p>
@@ -1823,7 +1825,7 @@
           <a:p>
             <a:fld id="{2AE8E997-DF11-D842-B5B0-C4E0CC91EF9B}" type="datetimeFigureOut">
               <a:rPr lang="en-GB" smtClean="0"/>
-              <a:t>20/11/2020</a:t>
+              <a:t>07/12/2020</a:t>
             </a:fld>
             <a:endParaRPr lang="en-GB"/>
           </a:p>
@@ -2100,7 +2102,7 @@
           <a:p>
             <a:fld id="{2AE8E997-DF11-D842-B5B0-C4E0CC91EF9B}" type="datetimeFigureOut">
               <a:rPr lang="en-GB" smtClean="0"/>
-              <a:t>20/11/2020</a:t>
+              <a:t>07/12/2020</a:t>
             </a:fld>
             <a:endParaRPr lang="en-GB"/>
           </a:p>
@@ -2357,7 +2359,7 @@
           <a:p>
             <a:fld id="{2AE8E997-DF11-D842-B5B0-C4E0CC91EF9B}" type="datetimeFigureOut">
               <a:rPr lang="en-GB" smtClean="0"/>
-              <a:t>20/11/2020</a:t>
+              <a:t>07/12/2020</a:t>
             </a:fld>
             <a:endParaRPr lang="en-GB"/>
           </a:p>
@@ -2570,7 +2572,7 @@
           <a:p>
             <a:fld id="{2AE8E997-DF11-D842-B5B0-C4E0CC91EF9B}" type="datetimeFigureOut">
               <a:rPr lang="en-GB" smtClean="0"/>
-              <a:t>20/11/2020</a:t>
+              <a:t>07/12/2020</a:t>
             </a:fld>
             <a:endParaRPr lang="en-GB"/>
           </a:p>
@@ -5815,6 +5817,252 @@
           </a:p>
         </p:txBody>
       </p:sp>
+      <p:sp>
+        <p:nvSpPr>
+          <p:cNvPr id="2" name="TextBox 1">
+            <a:extLst>
+              <a:ext uri="{FF2B5EF4-FFF2-40B4-BE49-F238E27FC236}">
+                <a16:creationId xmlns:a16="http://schemas.microsoft.com/office/drawing/2014/main" id="{9885997D-859A-7D4B-BEF4-573F685F24F2}"/>
+              </a:ext>
+            </a:extLst>
+          </p:cNvPr>
+          <p:cNvSpPr txBox="1"/>
+          <p:nvPr/>
+        </p:nvSpPr>
+        <p:spPr>
+          <a:xfrm>
+            <a:off x="2579983" y="1138517"/>
+            <a:ext cx="1862584" cy="369332"/>
+          </a:xfrm>
+          <a:prstGeom prst="rect">
+            <a:avLst/>
+          </a:prstGeom>
+          <a:noFill/>
+          <a:ln>
+            <a:noFill/>
+          </a:ln>
+        </p:spPr>
+        <p:txBody>
+          <a:bodyPr wrap="square" rtlCol="0">
+            <a:spAutoFit/>
+          </a:bodyPr>
+          <a:lstStyle/>
+          <a:p>
+            <a:pPr algn="ctr"/>
+            <a:r>
+              <a:rPr lang="en-GB" i="1" dirty="0">
+                <a:latin typeface="Trebuchet MS" panose="020B0703020202090204" pitchFamily="34" charset="0"/>
+              </a:rPr>
+              <a:t>Restaurant 1</a:t>
+            </a:r>
+          </a:p>
+        </p:txBody>
+      </p:sp>
+      <p:sp>
+        <p:nvSpPr>
+          <p:cNvPr id="56" name="TextBox 55">
+            <a:extLst>
+              <a:ext uri="{FF2B5EF4-FFF2-40B4-BE49-F238E27FC236}">
+                <a16:creationId xmlns:a16="http://schemas.microsoft.com/office/drawing/2014/main" id="{9F736B5A-952D-CF49-8F90-B27C600BB387}"/>
+              </a:ext>
+            </a:extLst>
+          </p:cNvPr>
+          <p:cNvSpPr txBox="1"/>
+          <p:nvPr/>
+        </p:nvSpPr>
+        <p:spPr>
+          <a:xfrm>
+            <a:off x="2635401" y="5322589"/>
+            <a:ext cx="1862584" cy="369332"/>
+          </a:xfrm>
+          <a:prstGeom prst="rect">
+            <a:avLst/>
+          </a:prstGeom>
+          <a:noFill/>
+          <a:ln>
+            <a:noFill/>
+          </a:ln>
+        </p:spPr>
+        <p:txBody>
+          <a:bodyPr wrap="square" rtlCol="0">
+            <a:spAutoFit/>
+          </a:bodyPr>
+          <a:lstStyle/>
+          <a:p>
+            <a:pPr algn="ctr"/>
+            <a:r>
+              <a:rPr lang="en-GB" i="1" dirty="0">
+                <a:latin typeface="Trebuchet MS" panose="020B0703020202090204" pitchFamily="34" charset="0"/>
+              </a:rPr>
+              <a:t>Restaurant 2</a:t>
+            </a:r>
+          </a:p>
+        </p:txBody>
+      </p:sp>
+      <p:sp>
+        <p:nvSpPr>
+          <p:cNvPr id="57" name="TextBox 56">
+            <a:extLst>
+              <a:ext uri="{FF2B5EF4-FFF2-40B4-BE49-F238E27FC236}">
+                <a16:creationId xmlns:a16="http://schemas.microsoft.com/office/drawing/2014/main" id="{C7519244-B993-FC4A-A6AA-76E46009044A}"/>
+              </a:ext>
+            </a:extLst>
+          </p:cNvPr>
+          <p:cNvSpPr txBox="1"/>
+          <p:nvPr/>
+        </p:nvSpPr>
+        <p:spPr>
+          <a:xfrm>
+            <a:off x="5711110" y="1180080"/>
+            <a:ext cx="1862584" cy="369332"/>
+          </a:xfrm>
+          <a:prstGeom prst="rect">
+            <a:avLst/>
+          </a:prstGeom>
+          <a:noFill/>
+          <a:ln>
+            <a:noFill/>
+          </a:ln>
+        </p:spPr>
+        <p:txBody>
+          <a:bodyPr wrap="square" rtlCol="0">
+            <a:spAutoFit/>
+          </a:bodyPr>
+          <a:lstStyle/>
+          <a:p>
+            <a:pPr algn="ctr"/>
+            <a:r>
+              <a:rPr lang="en-GB" i="1" dirty="0">
+                <a:latin typeface="Trebuchet MS" panose="020B0703020202090204" pitchFamily="34" charset="0"/>
+              </a:rPr>
+              <a:t>Shop 1</a:t>
+            </a:r>
+          </a:p>
+        </p:txBody>
+      </p:sp>
+      <p:sp>
+        <p:nvSpPr>
+          <p:cNvPr id="58" name="TextBox 57">
+            <a:extLst>
+              <a:ext uri="{FF2B5EF4-FFF2-40B4-BE49-F238E27FC236}">
+                <a16:creationId xmlns:a16="http://schemas.microsoft.com/office/drawing/2014/main" id="{89A83790-257A-CC43-A015-DB06CE9107A6}"/>
+              </a:ext>
+            </a:extLst>
+          </p:cNvPr>
+          <p:cNvSpPr txBox="1"/>
+          <p:nvPr/>
+        </p:nvSpPr>
+        <p:spPr>
+          <a:xfrm>
+            <a:off x="7512201" y="1526444"/>
+            <a:ext cx="1862584" cy="369332"/>
+          </a:xfrm>
+          <a:prstGeom prst="rect">
+            <a:avLst/>
+          </a:prstGeom>
+          <a:noFill/>
+          <a:ln>
+            <a:noFill/>
+          </a:ln>
+        </p:spPr>
+        <p:txBody>
+          <a:bodyPr wrap="square" rtlCol="0">
+            <a:spAutoFit/>
+          </a:bodyPr>
+          <a:lstStyle/>
+          <a:p>
+            <a:pPr algn="ctr"/>
+            <a:r>
+              <a:rPr lang="en-GB" i="1" dirty="0">
+                <a:latin typeface="Trebuchet MS" panose="020B0703020202090204" pitchFamily="34" charset="0"/>
+              </a:rPr>
+              <a:t>Shop 2</a:t>
+            </a:r>
+          </a:p>
+        </p:txBody>
+      </p:sp>
+      <p:sp>
+        <p:nvSpPr>
+          <p:cNvPr id="59" name="TextBox 58">
+            <a:extLst>
+              <a:ext uri="{FF2B5EF4-FFF2-40B4-BE49-F238E27FC236}">
+                <a16:creationId xmlns:a16="http://schemas.microsoft.com/office/drawing/2014/main" id="{882F204A-D126-BD45-9CD0-5110CF76585C}"/>
+              </a:ext>
+            </a:extLst>
+          </p:cNvPr>
+          <p:cNvSpPr txBox="1"/>
+          <p:nvPr/>
+        </p:nvSpPr>
+        <p:spPr>
+          <a:xfrm>
+            <a:off x="11654710" y="2233026"/>
+            <a:ext cx="1862584" cy="369332"/>
+          </a:xfrm>
+          <a:prstGeom prst="rect">
+            <a:avLst/>
+          </a:prstGeom>
+          <a:noFill/>
+          <a:ln>
+            <a:noFill/>
+          </a:ln>
+        </p:spPr>
+        <p:txBody>
+          <a:bodyPr wrap="square" rtlCol="0">
+            <a:spAutoFit/>
+          </a:bodyPr>
+          <a:lstStyle/>
+          <a:p>
+            <a:pPr algn="ctr"/>
+            <a:r>
+              <a:rPr lang="en-GB" i="1" dirty="0">
+                <a:latin typeface="Trebuchet MS" panose="020B0703020202090204" pitchFamily="34" charset="0"/>
+              </a:rPr>
+              <a:t>Shop 3</a:t>
+            </a:r>
+          </a:p>
+        </p:txBody>
+      </p:sp>
+      <p:sp>
+        <p:nvSpPr>
+          <p:cNvPr id="60" name="TextBox 59">
+            <a:extLst>
+              <a:ext uri="{FF2B5EF4-FFF2-40B4-BE49-F238E27FC236}">
+                <a16:creationId xmlns:a16="http://schemas.microsoft.com/office/drawing/2014/main" id="{BE3D5AE3-53DA-1D4E-A4D9-22A70C900B9E}"/>
+              </a:ext>
+            </a:extLst>
+          </p:cNvPr>
+          <p:cNvSpPr txBox="1"/>
+          <p:nvPr/>
+        </p:nvSpPr>
+        <p:spPr>
+          <a:xfrm>
+            <a:off x="6847183" y="4934662"/>
+            <a:ext cx="1862584" cy="369332"/>
+          </a:xfrm>
+          <a:prstGeom prst="rect">
+            <a:avLst/>
+          </a:prstGeom>
+          <a:noFill/>
+          <a:ln>
+            <a:noFill/>
+          </a:ln>
+        </p:spPr>
+        <p:txBody>
+          <a:bodyPr wrap="square" rtlCol="0">
+            <a:spAutoFit/>
+          </a:bodyPr>
+          <a:lstStyle/>
+          <a:p>
+            <a:pPr algn="ctr"/>
+            <a:r>
+              <a:rPr lang="en-GB" i="1" dirty="0">
+                <a:latin typeface="Trebuchet MS" panose="020B0703020202090204" pitchFamily="34" charset="0"/>
+              </a:rPr>
+              <a:t>Shop 4</a:t>
+            </a:r>
+          </a:p>
+        </p:txBody>
+      </p:sp>
     </p:spTree>
     <p:extLst>
       <p:ext uri="{BB962C8B-B14F-4D97-AF65-F5344CB8AC3E}">
@@ -6775,6 +7023,61 @@
         <p:spPr>
           <a:xfrm rot="16200000">
             <a:off x="6962489" y="4537225"/>
+            <a:ext cx="406400" cy="79021"/>
+          </a:xfrm>
+          <a:prstGeom prst="round2SameRect">
+            <a:avLst>
+              <a:gd name="adj1" fmla="val 50000"/>
+              <a:gd name="adj2" fmla="val 0"/>
+            </a:avLst>
+          </a:prstGeom>
+          <a:solidFill>
+            <a:schemeClr val="tx1"/>
+          </a:solidFill>
+          <a:ln>
+            <a:noFill/>
+          </a:ln>
+        </p:spPr>
+        <p:style>
+          <a:lnRef idx="2">
+            <a:schemeClr val="accent1">
+              <a:shade val="50000"/>
+            </a:schemeClr>
+          </a:lnRef>
+          <a:fillRef idx="1">
+            <a:schemeClr val="accent1"/>
+          </a:fillRef>
+          <a:effectRef idx="0">
+            <a:schemeClr val="accent1"/>
+          </a:effectRef>
+          <a:fontRef idx="minor">
+            <a:schemeClr val="lt1"/>
+          </a:fontRef>
+        </p:style>
+        <p:txBody>
+          <a:bodyPr rtlCol="0" anchor="ctr"/>
+          <a:lstStyle/>
+          <a:p>
+            <a:pPr algn="ctr"/>
+            <a:endParaRPr lang="en-GB" sz="5953"/>
+          </a:p>
+        </p:txBody>
+      </p:sp>
+      <p:sp>
+        <p:nvSpPr>
+          <p:cNvPr id="43" name="Round Same-side Corner of Rectangle 42">
+            <a:extLst>
+              <a:ext uri="{FF2B5EF4-FFF2-40B4-BE49-F238E27FC236}">
+                <a16:creationId xmlns:a16="http://schemas.microsoft.com/office/drawing/2014/main" id="{A030A340-EFCA-4047-9E2B-41015460D580}"/>
+              </a:ext>
+            </a:extLst>
+          </p:cNvPr>
+          <p:cNvSpPr/>
+          <p:nvPr/>
+        </p:nvSpPr>
+        <p:spPr>
+          <a:xfrm rot="5400000">
+            <a:off x="11851259" y="2090045"/>
             <a:ext cx="406400" cy="79021"/>
           </a:xfrm>
           <a:prstGeom prst="round2SameRect">
@@ -8630,6 +8933,5943 @@
           </a:p>
         </p:txBody>
       </p:sp>
+      <p:pic>
+        <p:nvPicPr>
+          <p:cNvPr id="3" name="Picture 2" descr="A picture containing toy, necklace, knot&#10;&#10;Description automatically generated">
+            <a:extLst>
+              <a:ext uri="{FF2B5EF4-FFF2-40B4-BE49-F238E27FC236}">
+                <a16:creationId xmlns:a16="http://schemas.microsoft.com/office/drawing/2014/main" id="{1C2306D9-8612-694C-A30A-B35D1885F4B1}"/>
+              </a:ext>
+            </a:extLst>
+          </p:cNvPr>
+          <p:cNvPicPr>
+            <a:picLocks noChangeAspect="1"/>
+          </p:cNvPicPr>
+          <p:nvPr/>
+        </p:nvPicPr>
+        <p:blipFill>
+          <a:blip r:embed="rId2"/>
+          <a:stretch>
+            <a:fillRect/>
+          </a:stretch>
+        </p:blipFill>
+        <p:spPr>
+          <a:xfrm rot="16200000">
+            <a:off x="802937" y="3175959"/>
+            <a:ext cx="1367395" cy="636150"/>
+          </a:xfrm>
+          <a:prstGeom prst="rect">
+            <a:avLst/>
+          </a:prstGeom>
+        </p:spPr>
+      </p:pic>
+      <p:pic>
+        <p:nvPicPr>
+          <p:cNvPr id="58" name="Picture 57" descr="A picture containing toy, necklace, knot&#10;&#10;Description automatically generated">
+            <a:extLst>
+              <a:ext uri="{FF2B5EF4-FFF2-40B4-BE49-F238E27FC236}">
+                <a16:creationId xmlns:a16="http://schemas.microsoft.com/office/drawing/2014/main" id="{97C8F87B-907F-E145-A63F-05491FA7F1AD}"/>
+              </a:ext>
+            </a:extLst>
+          </p:cNvPr>
+          <p:cNvPicPr>
+            <a:picLocks noChangeAspect="1"/>
+          </p:cNvPicPr>
+          <p:nvPr/>
+        </p:nvPicPr>
+        <p:blipFill>
+          <a:blip r:embed="rId2"/>
+          <a:stretch>
+            <a:fillRect/>
+          </a:stretch>
+        </p:blipFill>
+        <p:spPr>
+          <a:xfrm rot="16200000">
+            <a:off x="11290829" y="1735087"/>
+            <a:ext cx="1367395" cy="636150"/>
+          </a:xfrm>
+          <a:prstGeom prst="rect">
+            <a:avLst/>
+          </a:prstGeom>
+        </p:spPr>
+      </p:pic>
+      <p:pic>
+        <p:nvPicPr>
+          <p:cNvPr id="59" name="Picture 58" descr="A picture containing toy, necklace, knot&#10;&#10;Description automatically generated">
+            <a:extLst>
+              <a:ext uri="{FF2B5EF4-FFF2-40B4-BE49-F238E27FC236}">
+                <a16:creationId xmlns:a16="http://schemas.microsoft.com/office/drawing/2014/main" id="{7A54305C-0109-BD4F-8073-556CF9D19C05}"/>
+              </a:ext>
+            </a:extLst>
+          </p:cNvPr>
+          <p:cNvPicPr>
+            <a:picLocks noChangeAspect="1"/>
+          </p:cNvPicPr>
+          <p:nvPr/>
+        </p:nvPicPr>
+        <p:blipFill>
+          <a:blip r:embed="rId2"/>
+          <a:stretch>
+            <a:fillRect/>
+          </a:stretch>
+        </p:blipFill>
+        <p:spPr>
+          <a:xfrm rot="16200000">
+            <a:off x="6400174" y="4339741"/>
+            <a:ext cx="1367395" cy="636150"/>
+          </a:xfrm>
+          <a:prstGeom prst="rect">
+            <a:avLst/>
+          </a:prstGeom>
+        </p:spPr>
+      </p:pic>
+      <p:cxnSp>
+        <p:nvCxnSpPr>
+          <p:cNvPr id="9" name="Curved Connector 8">
+            <a:extLst>
+              <a:ext uri="{FF2B5EF4-FFF2-40B4-BE49-F238E27FC236}">
+                <a16:creationId xmlns:a16="http://schemas.microsoft.com/office/drawing/2014/main" id="{1C60179B-E25E-1F41-B9D5-003BEF3B5522}"/>
+              </a:ext>
+            </a:extLst>
+          </p:cNvPr>
+          <p:cNvCxnSpPr/>
+          <p:nvPr/>
+        </p:nvCxnSpPr>
+        <p:spPr>
+          <a:xfrm>
+            <a:off x="3680410" y="706582"/>
+            <a:ext cx="7541772" cy="1301167"/>
+          </a:xfrm>
+          <a:prstGeom prst="curvedConnector3">
+            <a:avLst/>
+          </a:prstGeom>
+          <a:ln w="38100">
+            <a:tailEnd type="triangle"/>
+          </a:ln>
+        </p:spPr>
+        <p:style>
+          <a:lnRef idx="1">
+            <a:schemeClr val="dk1"/>
+          </a:lnRef>
+          <a:fillRef idx="0">
+            <a:schemeClr val="dk1"/>
+          </a:fillRef>
+          <a:effectRef idx="0">
+            <a:schemeClr val="dk1"/>
+          </a:effectRef>
+          <a:fontRef idx="minor">
+            <a:schemeClr val="tx1"/>
+          </a:fontRef>
+        </p:style>
+      </p:cxnSp>
+      <p:cxnSp>
+        <p:nvCxnSpPr>
+          <p:cNvPr id="64" name="Curved Connector 63">
+            <a:extLst>
+              <a:ext uri="{FF2B5EF4-FFF2-40B4-BE49-F238E27FC236}">
+                <a16:creationId xmlns:a16="http://schemas.microsoft.com/office/drawing/2014/main" id="{98878B52-D0A1-434B-AB82-D19BC8748D3F}"/>
+              </a:ext>
+            </a:extLst>
+          </p:cNvPr>
+          <p:cNvCxnSpPr>
+            <a:cxnSpLocks/>
+          </p:cNvCxnSpPr>
+          <p:nvPr/>
+        </p:nvCxnSpPr>
+        <p:spPr>
+          <a:xfrm>
+            <a:off x="3333668" y="1136073"/>
+            <a:ext cx="3166293" cy="3144766"/>
+          </a:xfrm>
+          <a:prstGeom prst="curvedConnector3">
+            <a:avLst/>
+          </a:prstGeom>
+          <a:ln w="38100">
+            <a:tailEnd type="triangle"/>
+          </a:ln>
+        </p:spPr>
+        <p:style>
+          <a:lnRef idx="1">
+            <a:schemeClr val="dk1"/>
+          </a:lnRef>
+          <a:fillRef idx="0">
+            <a:schemeClr val="dk1"/>
+          </a:fillRef>
+          <a:effectRef idx="0">
+            <a:schemeClr val="dk1"/>
+          </a:effectRef>
+          <a:fontRef idx="minor">
+            <a:schemeClr val="tx1"/>
+          </a:fontRef>
+        </p:style>
+      </p:cxnSp>
+      <p:cxnSp>
+        <p:nvCxnSpPr>
+          <p:cNvPr id="70" name="Curved Connector 69">
+            <a:extLst>
+              <a:ext uri="{FF2B5EF4-FFF2-40B4-BE49-F238E27FC236}">
+                <a16:creationId xmlns:a16="http://schemas.microsoft.com/office/drawing/2014/main" id="{636DBF17-8DCD-B241-B7D3-3571B632CBD8}"/>
+              </a:ext>
+            </a:extLst>
+          </p:cNvPr>
+          <p:cNvCxnSpPr>
+            <a:cxnSpLocks/>
+          </p:cNvCxnSpPr>
+          <p:nvPr/>
+        </p:nvCxnSpPr>
+        <p:spPr>
+          <a:xfrm rot="5400000">
+            <a:off x="1076184" y="1693205"/>
+            <a:ext cx="1456871" cy="481152"/>
+          </a:xfrm>
+          <a:prstGeom prst="curvedConnector3">
+            <a:avLst/>
+          </a:prstGeom>
+          <a:ln w="38100">
+            <a:tailEnd type="triangle"/>
+          </a:ln>
+        </p:spPr>
+        <p:style>
+          <a:lnRef idx="1">
+            <a:schemeClr val="dk1"/>
+          </a:lnRef>
+          <a:fillRef idx="0">
+            <a:schemeClr val="dk1"/>
+          </a:fillRef>
+          <a:effectRef idx="0">
+            <a:schemeClr val="dk1"/>
+          </a:effectRef>
+          <a:fontRef idx="minor">
+            <a:schemeClr val="tx1"/>
+          </a:fontRef>
+        </p:style>
+      </p:cxnSp>
+      <p:sp>
+        <p:nvSpPr>
+          <p:cNvPr id="71" name="TextBox 70">
+            <a:extLst>
+              <a:ext uri="{FF2B5EF4-FFF2-40B4-BE49-F238E27FC236}">
+                <a16:creationId xmlns:a16="http://schemas.microsoft.com/office/drawing/2014/main" id="{3E5B8344-F275-CF46-B5E4-9604362F1237}"/>
+              </a:ext>
+            </a:extLst>
+          </p:cNvPr>
+          <p:cNvSpPr txBox="1"/>
+          <p:nvPr/>
+        </p:nvSpPr>
+        <p:spPr>
+          <a:xfrm>
+            <a:off x="989563" y="558291"/>
+            <a:ext cx="2428312" cy="369332"/>
+          </a:xfrm>
+          <a:prstGeom prst="rect">
+            <a:avLst/>
+          </a:prstGeom>
+          <a:noFill/>
+          <a:ln>
+            <a:noFill/>
+          </a:ln>
+        </p:spPr>
+        <p:txBody>
+          <a:bodyPr wrap="square" rtlCol="0">
+            <a:spAutoFit/>
+          </a:bodyPr>
+          <a:lstStyle/>
+          <a:p>
+            <a:pPr algn="ctr"/>
+            <a:r>
+              <a:rPr lang="en-GB" i="1" dirty="0">
+                <a:latin typeface="Trebuchet MS" panose="020B0703020202090204" pitchFamily="34" charset="0"/>
+              </a:rPr>
+              <a:t>Entrances / Exits</a:t>
+            </a:r>
+          </a:p>
+        </p:txBody>
+      </p:sp>
+    </p:spTree>
+    <p:extLst>
+      <p:ext uri="{BB962C8B-B14F-4D97-AF65-F5344CB8AC3E}">
+        <p14:creationId xmlns:p14="http://schemas.microsoft.com/office/powerpoint/2010/main" val="3781860827"/>
+      </p:ext>
+    </p:extLst>
+  </p:cSld>
+  <p:clrMapOvr>
+    <a:masterClrMapping/>
+  </p:clrMapOvr>
+</p:sld>
+</file>
+
+<file path=ppt/slides/slide3.xml><?xml version="1.0" encoding="utf-8"?>
+<p:sld xmlns:a="http://schemas.openxmlformats.org/drawingml/2006/main" xmlns:r="http://schemas.openxmlformats.org/officeDocument/2006/relationships" xmlns:p="http://schemas.openxmlformats.org/presentationml/2006/main">
+  <p:cSld>
+    <p:spTree>
+      <p:nvGrpSpPr>
+        <p:cNvPr id="1" name=""/>
+        <p:cNvGrpSpPr/>
+        <p:nvPr/>
+      </p:nvGrpSpPr>
+      <p:grpSpPr>
+        <a:xfrm>
+          <a:off x="0" y="0"/>
+          <a:ext cx="0" cy="0"/>
+          <a:chOff x="0" y="0"/>
+          <a:chExt cx="0" cy="0"/>
+        </a:xfrm>
+      </p:grpSpPr>
+      <p:sp>
+        <p:nvSpPr>
+          <p:cNvPr id="4" name="Rectangle 3">
+            <a:extLst>
+              <a:ext uri="{FF2B5EF4-FFF2-40B4-BE49-F238E27FC236}">
+                <a16:creationId xmlns:a16="http://schemas.microsoft.com/office/drawing/2014/main" id="{09D82166-DC02-A44B-9977-363DB8DB67D3}"/>
+              </a:ext>
+            </a:extLst>
+          </p:cNvPr>
+          <p:cNvSpPr/>
+          <p:nvPr/>
+        </p:nvSpPr>
+        <p:spPr>
+          <a:xfrm>
+            <a:off x="1507926" y="2976579"/>
+            <a:ext cx="6732899" cy="904843"/>
+          </a:xfrm>
+          <a:prstGeom prst="rect">
+            <a:avLst/>
+          </a:prstGeom>
+          <a:solidFill>
+            <a:schemeClr val="bg2">
+              <a:lumMod val="90000"/>
+            </a:schemeClr>
+          </a:solidFill>
+          <a:ln>
+            <a:solidFill>
+              <a:schemeClr val="tx1"/>
+            </a:solidFill>
+          </a:ln>
+        </p:spPr>
+        <p:style>
+          <a:lnRef idx="2">
+            <a:schemeClr val="accent1">
+              <a:shade val="50000"/>
+            </a:schemeClr>
+          </a:lnRef>
+          <a:fillRef idx="1">
+            <a:schemeClr val="accent1"/>
+          </a:fillRef>
+          <a:effectRef idx="0">
+            <a:schemeClr val="accent1"/>
+          </a:effectRef>
+          <a:fontRef idx="minor">
+            <a:schemeClr val="lt1"/>
+          </a:fontRef>
+        </p:style>
+        <p:txBody>
+          <a:bodyPr rtlCol="0" anchor="ctr"/>
+          <a:lstStyle/>
+          <a:p>
+            <a:pPr algn="ctr"/>
+            <a:endParaRPr lang="en-GB" sz="5953"/>
+          </a:p>
+        </p:txBody>
+      </p:sp>
+      <p:sp>
+        <p:nvSpPr>
+          <p:cNvPr id="5" name="Rectangle 4">
+            <a:extLst>
+              <a:ext uri="{FF2B5EF4-FFF2-40B4-BE49-F238E27FC236}">
+                <a16:creationId xmlns:a16="http://schemas.microsoft.com/office/drawing/2014/main" id="{FDA5EC09-2C19-7147-B1D5-647143FCF7E4}"/>
+              </a:ext>
+            </a:extLst>
+          </p:cNvPr>
+          <p:cNvSpPr/>
+          <p:nvPr/>
+        </p:nvSpPr>
+        <p:spPr>
+          <a:xfrm>
+            <a:off x="7205200" y="1548685"/>
+            <a:ext cx="4809748" cy="3760631"/>
+          </a:xfrm>
+          <a:prstGeom prst="rect">
+            <a:avLst/>
+          </a:prstGeom>
+          <a:solidFill>
+            <a:schemeClr val="bg2">
+              <a:lumMod val="90000"/>
+            </a:schemeClr>
+          </a:solidFill>
+          <a:ln w="19050">
+            <a:solidFill>
+              <a:schemeClr val="tx1"/>
+            </a:solidFill>
+          </a:ln>
+        </p:spPr>
+        <p:style>
+          <a:lnRef idx="2">
+            <a:schemeClr val="accent1">
+              <a:shade val="50000"/>
+            </a:schemeClr>
+          </a:lnRef>
+          <a:fillRef idx="1">
+            <a:schemeClr val="accent1"/>
+          </a:fillRef>
+          <a:effectRef idx="0">
+            <a:schemeClr val="accent1"/>
+          </a:effectRef>
+          <a:fontRef idx="minor">
+            <a:schemeClr val="lt1"/>
+          </a:fontRef>
+        </p:style>
+        <p:txBody>
+          <a:bodyPr rtlCol="0" anchor="ctr"/>
+          <a:lstStyle/>
+          <a:p>
+            <a:pPr algn="ctr"/>
+            <a:endParaRPr lang="en-GB" sz="5953"/>
+          </a:p>
+        </p:txBody>
+      </p:sp>
+      <p:sp>
+        <p:nvSpPr>
+          <p:cNvPr id="10" name="Round Same-side Corner of Rectangle 9">
+            <a:extLst>
+              <a:ext uri="{FF2B5EF4-FFF2-40B4-BE49-F238E27FC236}">
+                <a16:creationId xmlns:a16="http://schemas.microsoft.com/office/drawing/2014/main" id="{BD5DA999-337C-6A4B-8AC9-278A9380A6EF}"/>
+              </a:ext>
+            </a:extLst>
+          </p:cNvPr>
+          <p:cNvSpPr/>
+          <p:nvPr/>
+        </p:nvSpPr>
+        <p:spPr>
+          <a:xfrm>
+            <a:off x="2522257" y="1548686"/>
+            <a:ext cx="2146852" cy="1427893"/>
+          </a:xfrm>
+          <a:prstGeom prst="round2SameRect">
+            <a:avLst/>
+          </a:prstGeom>
+          <a:solidFill>
+            <a:schemeClr val="accent1">
+              <a:lumMod val="60000"/>
+              <a:lumOff val="40000"/>
+            </a:schemeClr>
+          </a:solidFill>
+          <a:ln w="19050">
+            <a:solidFill>
+              <a:schemeClr val="tx1"/>
+            </a:solidFill>
+          </a:ln>
+        </p:spPr>
+        <p:style>
+          <a:lnRef idx="2">
+            <a:schemeClr val="accent1">
+              <a:shade val="50000"/>
+            </a:schemeClr>
+          </a:lnRef>
+          <a:fillRef idx="1">
+            <a:schemeClr val="accent1"/>
+          </a:fillRef>
+          <a:effectRef idx="0">
+            <a:schemeClr val="accent1"/>
+          </a:effectRef>
+          <a:fontRef idx="minor">
+            <a:schemeClr val="lt1"/>
+          </a:fontRef>
+        </p:style>
+        <p:txBody>
+          <a:bodyPr rtlCol="0" anchor="ctr"/>
+          <a:lstStyle/>
+          <a:p>
+            <a:pPr algn="ctr"/>
+            <a:endParaRPr lang="en-GB" sz="5953"/>
+          </a:p>
+        </p:txBody>
+      </p:sp>
+      <p:sp>
+        <p:nvSpPr>
+          <p:cNvPr id="11" name="Round Same-side Corner of Rectangle 10">
+            <a:extLst>
+              <a:ext uri="{FF2B5EF4-FFF2-40B4-BE49-F238E27FC236}">
+                <a16:creationId xmlns:a16="http://schemas.microsoft.com/office/drawing/2014/main" id="{879FECEE-6BE6-D345-9D43-92271BD6080A}"/>
+              </a:ext>
+            </a:extLst>
+          </p:cNvPr>
+          <p:cNvSpPr/>
+          <p:nvPr/>
+        </p:nvSpPr>
+        <p:spPr>
+          <a:xfrm rot="10800000">
+            <a:off x="2522257" y="3881422"/>
+            <a:ext cx="2146852" cy="1427893"/>
+          </a:xfrm>
+          <a:prstGeom prst="round2SameRect">
+            <a:avLst/>
+          </a:prstGeom>
+          <a:solidFill>
+            <a:schemeClr val="accent1">
+              <a:lumMod val="60000"/>
+              <a:lumOff val="40000"/>
+            </a:schemeClr>
+          </a:solidFill>
+          <a:ln w="19050">
+            <a:solidFill>
+              <a:schemeClr val="tx1"/>
+            </a:solidFill>
+          </a:ln>
+        </p:spPr>
+        <p:style>
+          <a:lnRef idx="2">
+            <a:schemeClr val="accent1">
+              <a:shade val="50000"/>
+            </a:schemeClr>
+          </a:lnRef>
+          <a:fillRef idx="1">
+            <a:schemeClr val="accent1"/>
+          </a:fillRef>
+          <a:effectRef idx="0">
+            <a:schemeClr val="accent1"/>
+          </a:effectRef>
+          <a:fontRef idx="minor">
+            <a:schemeClr val="lt1"/>
+          </a:fontRef>
+        </p:style>
+        <p:txBody>
+          <a:bodyPr rtlCol="0" anchor="ctr"/>
+          <a:lstStyle/>
+          <a:p>
+            <a:pPr algn="ctr"/>
+            <a:endParaRPr lang="en-GB" sz="5953"/>
+          </a:p>
+        </p:txBody>
+      </p:sp>
+      <p:sp>
+        <p:nvSpPr>
+          <p:cNvPr id="12" name="Round Single Corner of Rectangle 11">
+            <a:extLst>
+              <a:ext uri="{FF2B5EF4-FFF2-40B4-BE49-F238E27FC236}">
+                <a16:creationId xmlns:a16="http://schemas.microsoft.com/office/drawing/2014/main" id="{65282325-3419-084B-8A61-83F3C3BCEBEC}"/>
+              </a:ext>
+            </a:extLst>
+          </p:cNvPr>
+          <p:cNvSpPr/>
+          <p:nvPr/>
+        </p:nvSpPr>
+        <p:spPr>
+          <a:xfrm rot="16200000">
+            <a:off x="5922322" y="1693698"/>
+            <a:ext cx="1427893" cy="1137867"/>
+          </a:xfrm>
+          <a:prstGeom prst="round1Rect">
+            <a:avLst/>
+          </a:prstGeom>
+          <a:solidFill>
+            <a:schemeClr val="accent1">
+              <a:lumMod val="60000"/>
+              <a:lumOff val="40000"/>
+            </a:schemeClr>
+          </a:solidFill>
+          <a:ln w="19050">
+            <a:solidFill>
+              <a:schemeClr val="tx1"/>
+            </a:solidFill>
+          </a:ln>
+        </p:spPr>
+        <p:style>
+          <a:lnRef idx="2">
+            <a:schemeClr val="accent1">
+              <a:shade val="50000"/>
+            </a:schemeClr>
+          </a:lnRef>
+          <a:fillRef idx="1">
+            <a:schemeClr val="accent1"/>
+          </a:fillRef>
+          <a:effectRef idx="0">
+            <a:schemeClr val="accent1"/>
+          </a:effectRef>
+          <a:fontRef idx="minor">
+            <a:schemeClr val="lt1"/>
+          </a:fontRef>
+        </p:style>
+        <p:txBody>
+          <a:bodyPr rtlCol="0" anchor="ctr"/>
+          <a:lstStyle/>
+          <a:p>
+            <a:pPr algn="ctr"/>
+            <a:endParaRPr lang="en-GB" sz="5953"/>
+          </a:p>
+        </p:txBody>
+      </p:sp>
+      <p:sp>
+        <p:nvSpPr>
+          <p:cNvPr id="13" name="Round Same-side Corner of Rectangle 12">
+            <a:extLst>
+              <a:ext uri="{FF2B5EF4-FFF2-40B4-BE49-F238E27FC236}">
+                <a16:creationId xmlns:a16="http://schemas.microsoft.com/office/drawing/2014/main" id="{184CCEAD-EF81-9A40-B397-C0C3BEDB8751}"/>
+              </a:ext>
+            </a:extLst>
+          </p:cNvPr>
+          <p:cNvSpPr/>
+          <p:nvPr/>
+        </p:nvSpPr>
+        <p:spPr>
+          <a:xfrm>
+            <a:off x="7205200" y="71250"/>
+            <a:ext cx="4809748" cy="1476000"/>
+          </a:xfrm>
+          <a:prstGeom prst="round2SameRect">
+            <a:avLst/>
+          </a:prstGeom>
+          <a:solidFill>
+            <a:schemeClr val="accent1">
+              <a:lumMod val="60000"/>
+              <a:lumOff val="40000"/>
+            </a:schemeClr>
+          </a:solidFill>
+          <a:ln w="19050">
+            <a:solidFill>
+              <a:schemeClr val="tx1"/>
+            </a:solidFill>
+          </a:ln>
+        </p:spPr>
+        <p:style>
+          <a:lnRef idx="2">
+            <a:schemeClr val="accent1">
+              <a:shade val="50000"/>
+            </a:schemeClr>
+          </a:lnRef>
+          <a:fillRef idx="1">
+            <a:schemeClr val="accent1"/>
+          </a:fillRef>
+          <a:effectRef idx="0">
+            <a:schemeClr val="accent1"/>
+          </a:effectRef>
+          <a:fontRef idx="minor">
+            <a:schemeClr val="lt1"/>
+          </a:fontRef>
+        </p:style>
+        <p:txBody>
+          <a:bodyPr rtlCol="0" anchor="ctr"/>
+          <a:lstStyle/>
+          <a:p>
+            <a:pPr algn="ctr"/>
+            <a:endParaRPr lang="en-GB" sz="5953"/>
+          </a:p>
+        </p:txBody>
+      </p:sp>
+      <p:sp>
+        <p:nvSpPr>
+          <p:cNvPr id="14" name="Round Same-side Corner of Rectangle 13">
+            <a:extLst>
+              <a:ext uri="{FF2B5EF4-FFF2-40B4-BE49-F238E27FC236}">
+                <a16:creationId xmlns:a16="http://schemas.microsoft.com/office/drawing/2014/main" id="{349ED258-9DCC-7243-B9AA-A981F811D6F7}"/>
+              </a:ext>
+            </a:extLst>
+          </p:cNvPr>
+          <p:cNvSpPr/>
+          <p:nvPr/>
+        </p:nvSpPr>
+        <p:spPr>
+          <a:xfrm rot="5400000">
+            <a:off x="11326441" y="3286825"/>
+            <a:ext cx="2710800" cy="1332000"/>
+          </a:xfrm>
+          <a:prstGeom prst="round2SameRect">
+            <a:avLst/>
+          </a:prstGeom>
+          <a:solidFill>
+            <a:schemeClr val="accent1">
+              <a:lumMod val="60000"/>
+              <a:lumOff val="40000"/>
+            </a:schemeClr>
+          </a:solidFill>
+          <a:ln w="19050">
+            <a:solidFill>
+              <a:schemeClr val="tx1"/>
+            </a:solidFill>
+          </a:ln>
+        </p:spPr>
+        <p:style>
+          <a:lnRef idx="2">
+            <a:schemeClr val="accent1">
+              <a:shade val="50000"/>
+            </a:schemeClr>
+          </a:lnRef>
+          <a:fillRef idx="1">
+            <a:schemeClr val="accent1"/>
+          </a:fillRef>
+          <a:effectRef idx="0">
+            <a:schemeClr val="accent1"/>
+          </a:effectRef>
+          <a:fontRef idx="minor">
+            <a:schemeClr val="lt1"/>
+          </a:fontRef>
+        </p:style>
+        <p:txBody>
+          <a:bodyPr rtlCol="0" anchor="ctr"/>
+          <a:lstStyle/>
+          <a:p>
+            <a:pPr algn="ctr"/>
+            <a:endParaRPr lang="en-GB" sz="5953"/>
+          </a:p>
+        </p:txBody>
+      </p:sp>
+      <p:sp>
+        <p:nvSpPr>
+          <p:cNvPr id="15" name="Round Same-side Corner of Rectangle 14">
+            <a:extLst>
+              <a:ext uri="{FF2B5EF4-FFF2-40B4-BE49-F238E27FC236}">
+                <a16:creationId xmlns:a16="http://schemas.microsoft.com/office/drawing/2014/main" id="{41B74938-826F-DB4B-8DCD-336CFD4B558E}"/>
+              </a:ext>
+            </a:extLst>
+          </p:cNvPr>
+          <p:cNvSpPr/>
+          <p:nvPr/>
+        </p:nvSpPr>
+        <p:spPr>
+          <a:xfrm rot="10800000">
+            <a:off x="7205198" y="5310748"/>
+            <a:ext cx="4809747" cy="1476000"/>
+          </a:xfrm>
+          <a:prstGeom prst="round2SameRect">
+            <a:avLst/>
+          </a:prstGeom>
+          <a:solidFill>
+            <a:schemeClr val="accent1">
+              <a:lumMod val="60000"/>
+              <a:lumOff val="40000"/>
+            </a:schemeClr>
+          </a:solidFill>
+          <a:ln w="19050">
+            <a:solidFill>
+              <a:schemeClr val="tx1"/>
+            </a:solidFill>
+          </a:ln>
+        </p:spPr>
+        <p:style>
+          <a:lnRef idx="2">
+            <a:schemeClr val="accent1">
+              <a:shade val="50000"/>
+            </a:schemeClr>
+          </a:lnRef>
+          <a:fillRef idx="1">
+            <a:schemeClr val="accent1"/>
+          </a:fillRef>
+          <a:effectRef idx="0">
+            <a:schemeClr val="accent1"/>
+          </a:effectRef>
+          <a:fontRef idx="minor">
+            <a:schemeClr val="lt1"/>
+          </a:fontRef>
+        </p:style>
+        <p:txBody>
+          <a:bodyPr rtlCol="0" anchor="ctr"/>
+          <a:lstStyle/>
+          <a:p>
+            <a:pPr algn="ctr"/>
+            <a:endParaRPr lang="en-GB" sz="5953"/>
+          </a:p>
+        </p:txBody>
+      </p:sp>
+      <p:sp>
+        <p:nvSpPr>
+          <p:cNvPr id="34" name="Round Same-side Corner of Rectangle 33">
+            <a:extLst>
+              <a:ext uri="{FF2B5EF4-FFF2-40B4-BE49-F238E27FC236}">
+                <a16:creationId xmlns:a16="http://schemas.microsoft.com/office/drawing/2014/main" id="{403161E5-8BC9-6148-9452-4F8203E4BD3F}"/>
+              </a:ext>
+            </a:extLst>
+          </p:cNvPr>
+          <p:cNvSpPr/>
+          <p:nvPr/>
+        </p:nvSpPr>
+        <p:spPr>
+          <a:xfrm rot="16200000">
+            <a:off x="1272268" y="3389489"/>
+            <a:ext cx="406400" cy="79021"/>
+          </a:xfrm>
+          <a:prstGeom prst="round2SameRect">
+            <a:avLst>
+              <a:gd name="adj1" fmla="val 50000"/>
+              <a:gd name="adj2" fmla="val 0"/>
+            </a:avLst>
+          </a:prstGeom>
+          <a:solidFill>
+            <a:schemeClr val="tx1"/>
+          </a:solidFill>
+          <a:ln>
+            <a:noFill/>
+          </a:ln>
+        </p:spPr>
+        <p:style>
+          <a:lnRef idx="2">
+            <a:schemeClr val="accent1">
+              <a:shade val="50000"/>
+            </a:schemeClr>
+          </a:lnRef>
+          <a:fillRef idx="1">
+            <a:schemeClr val="accent1"/>
+          </a:fillRef>
+          <a:effectRef idx="0">
+            <a:schemeClr val="accent1"/>
+          </a:effectRef>
+          <a:fontRef idx="minor">
+            <a:schemeClr val="lt1"/>
+          </a:fontRef>
+        </p:style>
+        <p:txBody>
+          <a:bodyPr rtlCol="0" anchor="ctr"/>
+          <a:lstStyle/>
+          <a:p>
+            <a:pPr algn="ctr"/>
+            <a:endParaRPr lang="en-GB" sz="5953"/>
+          </a:p>
+        </p:txBody>
+      </p:sp>
+      <p:sp>
+        <p:nvSpPr>
+          <p:cNvPr id="35" name="Round Same-side Corner of Rectangle 34">
+            <a:extLst>
+              <a:ext uri="{FF2B5EF4-FFF2-40B4-BE49-F238E27FC236}">
+                <a16:creationId xmlns:a16="http://schemas.microsoft.com/office/drawing/2014/main" id="{C5B579BB-BE3A-F94B-BD80-93695D8496E3}"/>
+              </a:ext>
+            </a:extLst>
+          </p:cNvPr>
+          <p:cNvSpPr/>
+          <p:nvPr/>
+        </p:nvSpPr>
+        <p:spPr>
+          <a:xfrm rot="10800000">
+            <a:off x="3392482" y="2976578"/>
+            <a:ext cx="406400" cy="79021"/>
+          </a:xfrm>
+          <a:prstGeom prst="round2SameRect">
+            <a:avLst>
+              <a:gd name="adj1" fmla="val 50000"/>
+              <a:gd name="adj2" fmla="val 0"/>
+            </a:avLst>
+          </a:prstGeom>
+          <a:solidFill>
+            <a:schemeClr val="tx1">
+              <a:lumMod val="65000"/>
+              <a:lumOff val="35000"/>
+            </a:schemeClr>
+          </a:solidFill>
+          <a:ln>
+            <a:noFill/>
+          </a:ln>
+        </p:spPr>
+        <p:style>
+          <a:lnRef idx="2">
+            <a:schemeClr val="accent1">
+              <a:shade val="50000"/>
+            </a:schemeClr>
+          </a:lnRef>
+          <a:fillRef idx="1">
+            <a:schemeClr val="accent1"/>
+          </a:fillRef>
+          <a:effectRef idx="0">
+            <a:schemeClr val="accent1"/>
+          </a:effectRef>
+          <a:fontRef idx="minor">
+            <a:schemeClr val="lt1"/>
+          </a:fontRef>
+        </p:style>
+        <p:txBody>
+          <a:bodyPr rtlCol="0" anchor="ctr"/>
+          <a:lstStyle/>
+          <a:p>
+            <a:pPr algn="ctr"/>
+            <a:endParaRPr lang="en-GB" sz="5953"/>
+          </a:p>
+        </p:txBody>
+      </p:sp>
+      <p:sp>
+        <p:nvSpPr>
+          <p:cNvPr id="36" name="Round Same-side Corner of Rectangle 35">
+            <a:extLst>
+              <a:ext uri="{FF2B5EF4-FFF2-40B4-BE49-F238E27FC236}">
+                <a16:creationId xmlns:a16="http://schemas.microsoft.com/office/drawing/2014/main" id="{9420DDCB-F257-6949-B58E-5E91FFBEDE71}"/>
+              </a:ext>
+            </a:extLst>
+          </p:cNvPr>
+          <p:cNvSpPr/>
+          <p:nvPr/>
+        </p:nvSpPr>
+        <p:spPr>
+          <a:xfrm>
+            <a:off x="3392482" y="3802401"/>
+            <a:ext cx="406400" cy="79021"/>
+          </a:xfrm>
+          <a:prstGeom prst="round2SameRect">
+            <a:avLst>
+              <a:gd name="adj1" fmla="val 50000"/>
+              <a:gd name="adj2" fmla="val 0"/>
+            </a:avLst>
+          </a:prstGeom>
+          <a:solidFill>
+            <a:schemeClr val="tx1">
+              <a:lumMod val="65000"/>
+              <a:lumOff val="35000"/>
+            </a:schemeClr>
+          </a:solidFill>
+          <a:ln>
+            <a:noFill/>
+          </a:ln>
+        </p:spPr>
+        <p:style>
+          <a:lnRef idx="2">
+            <a:schemeClr val="accent1">
+              <a:shade val="50000"/>
+            </a:schemeClr>
+          </a:lnRef>
+          <a:fillRef idx="1">
+            <a:schemeClr val="accent1"/>
+          </a:fillRef>
+          <a:effectRef idx="0">
+            <a:schemeClr val="accent1"/>
+          </a:effectRef>
+          <a:fontRef idx="minor">
+            <a:schemeClr val="lt1"/>
+          </a:fontRef>
+        </p:style>
+        <p:txBody>
+          <a:bodyPr rtlCol="0" anchor="ctr"/>
+          <a:lstStyle/>
+          <a:p>
+            <a:pPr algn="ctr"/>
+            <a:endParaRPr lang="en-GB" sz="5953"/>
+          </a:p>
+        </p:txBody>
+      </p:sp>
+      <p:sp>
+        <p:nvSpPr>
+          <p:cNvPr id="37" name="Round Same-side Corner of Rectangle 36">
+            <a:extLst>
+              <a:ext uri="{FF2B5EF4-FFF2-40B4-BE49-F238E27FC236}">
+                <a16:creationId xmlns:a16="http://schemas.microsoft.com/office/drawing/2014/main" id="{B4D2E83C-7E4E-DB4D-9232-F5290A58F407}"/>
+              </a:ext>
+            </a:extLst>
+          </p:cNvPr>
+          <p:cNvSpPr/>
+          <p:nvPr/>
+        </p:nvSpPr>
+        <p:spPr>
+          <a:xfrm rot="5400000">
+            <a:off x="7041510" y="2223120"/>
+            <a:ext cx="406400" cy="79021"/>
+          </a:xfrm>
+          <a:prstGeom prst="round2SameRect">
+            <a:avLst>
+              <a:gd name="adj1" fmla="val 50000"/>
+              <a:gd name="adj2" fmla="val 0"/>
+            </a:avLst>
+          </a:prstGeom>
+          <a:solidFill>
+            <a:schemeClr val="tx1">
+              <a:lumMod val="65000"/>
+              <a:lumOff val="35000"/>
+            </a:schemeClr>
+          </a:solidFill>
+          <a:ln>
+            <a:noFill/>
+          </a:ln>
+        </p:spPr>
+        <p:style>
+          <a:lnRef idx="2">
+            <a:schemeClr val="accent1">
+              <a:shade val="50000"/>
+            </a:schemeClr>
+          </a:lnRef>
+          <a:fillRef idx="1">
+            <a:schemeClr val="accent1"/>
+          </a:fillRef>
+          <a:effectRef idx="0">
+            <a:schemeClr val="accent1"/>
+          </a:effectRef>
+          <a:fontRef idx="minor">
+            <a:schemeClr val="lt1"/>
+          </a:fontRef>
+        </p:style>
+        <p:txBody>
+          <a:bodyPr rtlCol="0" anchor="ctr"/>
+          <a:lstStyle/>
+          <a:p>
+            <a:pPr algn="ctr"/>
+            <a:endParaRPr lang="en-GB" sz="5953"/>
+          </a:p>
+        </p:txBody>
+      </p:sp>
+      <p:sp>
+        <p:nvSpPr>
+          <p:cNvPr id="38" name="Round Same-side Corner of Rectangle 37">
+            <a:extLst>
+              <a:ext uri="{FF2B5EF4-FFF2-40B4-BE49-F238E27FC236}">
+                <a16:creationId xmlns:a16="http://schemas.microsoft.com/office/drawing/2014/main" id="{607CE0F3-B5D0-704B-A120-DA55E9EF8BDD}"/>
+              </a:ext>
+            </a:extLst>
+          </p:cNvPr>
+          <p:cNvSpPr/>
+          <p:nvPr/>
+        </p:nvSpPr>
+        <p:spPr>
+          <a:xfrm rot="10800000">
+            <a:off x="9406872" y="1548684"/>
+            <a:ext cx="406400" cy="79021"/>
+          </a:xfrm>
+          <a:prstGeom prst="round2SameRect">
+            <a:avLst>
+              <a:gd name="adj1" fmla="val 50000"/>
+              <a:gd name="adj2" fmla="val 0"/>
+            </a:avLst>
+          </a:prstGeom>
+          <a:solidFill>
+            <a:schemeClr val="tx1">
+              <a:lumMod val="65000"/>
+              <a:lumOff val="35000"/>
+            </a:schemeClr>
+          </a:solidFill>
+          <a:ln>
+            <a:noFill/>
+          </a:ln>
+        </p:spPr>
+        <p:style>
+          <a:lnRef idx="2">
+            <a:schemeClr val="accent1">
+              <a:shade val="50000"/>
+            </a:schemeClr>
+          </a:lnRef>
+          <a:fillRef idx="1">
+            <a:schemeClr val="accent1"/>
+          </a:fillRef>
+          <a:effectRef idx="0">
+            <a:schemeClr val="accent1"/>
+          </a:effectRef>
+          <a:fontRef idx="minor">
+            <a:schemeClr val="lt1"/>
+          </a:fontRef>
+        </p:style>
+        <p:txBody>
+          <a:bodyPr rtlCol="0" anchor="ctr"/>
+          <a:lstStyle/>
+          <a:p>
+            <a:pPr algn="ctr"/>
+            <a:endParaRPr lang="en-GB" sz="5953"/>
+          </a:p>
+        </p:txBody>
+      </p:sp>
+      <p:sp>
+        <p:nvSpPr>
+          <p:cNvPr id="39" name="Round Same-side Corner of Rectangle 38">
+            <a:extLst>
+              <a:ext uri="{FF2B5EF4-FFF2-40B4-BE49-F238E27FC236}">
+                <a16:creationId xmlns:a16="http://schemas.microsoft.com/office/drawing/2014/main" id="{4B8F9B0A-B02F-9B43-85A9-0A8DDC898CC0}"/>
+              </a:ext>
+            </a:extLst>
+          </p:cNvPr>
+          <p:cNvSpPr/>
+          <p:nvPr/>
+        </p:nvSpPr>
+        <p:spPr>
+          <a:xfrm rot="16200000">
+            <a:off x="11772238" y="3913858"/>
+            <a:ext cx="406400" cy="79021"/>
+          </a:xfrm>
+          <a:prstGeom prst="round2SameRect">
+            <a:avLst>
+              <a:gd name="adj1" fmla="val 50000"/>
+              <a:gd name="adj2" fmla="val 0"/>
+            </a:avLst>
+          </a:prstGeom>
+          <a:solidFill>
+            <a:schemeClr val="tx1">
+              <a:lumMod val="65000"/>
+              <a:lumOff val="35000"/>
+            </a:schemeClr>
+          </a:solidFill>
+          <a:ln>
+            <a:noFill/>
+          </a:ln>
+        </p:spPr>
+        <p:style>
+          <a:lnRef idx="2">
+            <a:schemeClr val="accent1">
+              <a:shade val="50000"/>
+            </a:schemeClr>
+          </a:lnRef>
+          <a:fillRef idx="1">
+            <a:schemeClr val="accent1"/>
+          </a:fillRef>
+          <a:effectRef idx="0">
+            <a:schemeClr val="accent1"/>
+          </a:effectRef>
+          <a:fontRef idx="minor">
+            <a:schemeClr val="lt1"/>
+          </a:fontRef>
+        </p:style>
+        <p:txBody>
+          <a:bodyPr rtlCol="0" anchor="ctr"/>
+          <a:lstStyle/>
+          <a:p>
+            <a:pPr algn="ctr"/>
+            <a:endParaRPr lang="en-GB" sz="5953"/>
+          </a:p>
+        </p:txBody>
+      </p:sp>
+      <p:sp>
+        <p:nvSpPr>
+          <p:cNvPr id="40" name="Round Same-side Corner of Rectangle 39">
+            <a:extLst>
+              <a:ext uri="{FF2B5EF4-FFF2-40B4-BE49-F238E27FC236}">
+                <a16:creationId xmlns:a16="http://schemas.microsoft.com/office/drawing/2014/main" id="{68F89FF6-5D9F-F446-9B0D-BDC26C0FD8BE}"/>
+              </a:ext>
+            </a:extLst>
+          </p:cNvPr>
+          <p:cNvSpPr/>
+          <p:nvPr/>
+        </p:nvSpPr>
+        <p:spPr>
+          <a:xfrm>
+            <a:off x="9406872" y="5230292"/>
+            <a:ext cx="406400" cy="79021"/>
+          </a:xfrm>
+          <a:prstGeom prst="round2SameRect">
+            <a:avLst>
+              <a:gd name="adj1" fmla="val 50000"/>
+              <a:gd name="adj2" fmla="val 0"/>
+            </a:avLst>
+          </a:prstGeom>
+          <a:solidFill>
+            <a:schemeClr val="tx1">
+              <a:lumMod val="65000"/>
+              <a:lumOff val="35000"/>
+            </a:schemeClr>
+          </a:solidFill>
+          <a:ln>
+            <a:noFill/>
+          </a:ln>
+        </p:spPr>
+        <p:style>
+          <a:lnRef idx="2">
+            <a:schemeClr val="accent1">
+              <a:shade val="50000"/>
+            </a:schemeClr>
+          </a:lnRef>
+          <a:fillRef idx="1">
+            <a:schemeClr val="accent1"/>
+          </a:fillRef>
+          <a:effectRef idx="0">
+            <a:schemeClr val="accent1"/>
+          </a:effectRef>
+          <a:fontRef idx="minor">
+            <a:schemeClr val="lt1"/>
+          </a:fontRef>
+        </p:style>
+        <p:txBody>
+          <a:bodyPr rtlCol="0" anchor="ctr"/>
+          <a:lstStyle/>
+          <a:p>
+            <a:pPr algn="ctr"/>
+            <a:endParaRPr lang="en-GB" sz="5953"/>
+          </a:p>
+        </p:txBody>
+      </p:sp>
+      <p:sp>
+        <p:nvSpPr>
+          <p:cNvPr id="41" name="Rectangle 40">
+            <a:extLst>
+              <a:ext uri="{FF2B5EF4-FFF2-40B4-BE49-F238E27FC236}">
+                <a16:creationId xmlns:a16="http://schemas.microsoft.com/office/drawing/2014/main" id="{00CBAB00-45E3-084C-BEC1-3FEC4B05869B}"/>
+              </a:ext>
+            </a:extLst>
+          </p:cNvPr>
+          <p:cNvSpPr/>
+          <p:nvPr/>
+        </p:nvSpPr>
+        <p:spPr>
+          <a:xfrm>
+            <a:off x="7046001" y="2997200"/>
+            <a:ext cx="273147" cy="863600"/>
+          </a:xfrm>
+          <a:prstGeom prst="rect">
+            <a:avLst/>
+          </a:prstGeom>
+          <a:solidFill>
+            <a:schemeClr val="bg2">
+              <a:lumMod val="90000"/>
+            </a:schemeClr>
+          </a:solidFill>
+          <a:ln w="19050">
+            <a:solidFill>
+              <a:schemeClr val="bg2">
+                <a:lumMod val="90000"/>
+              </a:schemeClr>
+            </a:solidFill>
+          </a:ln>
+        </p:spPr>
+        <p:style>
+          <a:lnRef idx="2">
+            <a:schemeClr val="accent1">
+              <a:shade val="50000"/>
+            </a:schemeClr>
+          </a:lnRef>
+          <a:fillRef idx="1">
+            <a:schemeClr val="accent1"/>
+          </a:fillRef>
+          <a:effectRef idx="0">
+            <a:schemeClr val="accent1"/>
+          </a:effectRef>
+          <a:fontRef idx="minor">
+            <a:schemeClr val="lt1"/>
+          </a:fontRef>
+        </p:style>
+        <p:txBody>
+          <a:bodyPr rtlCol="0" anchor="ctr"/>
+          <a:lstStyle/>
+          <a:p>
+            <a:pPr algn="ctr"/>
+            <a:endParaRPr lang="en-GB" sz="5953"/>
+          </a:p>
+        </p:txBody>
+      </p:sp>
+      <p:sp>
+        <p:nvSpPr>
+          <p:cNvPr id="42" name="Round Same-side Corner of Rectangle 41">
+            <a:extLst>
+              <a:ext uri="{FF2B5EF4-FFF2-40B4-BE49-F238E27FC236}">
+                <a16:creationId xmlns:a16="http://schemas.microsoft.com/office/drawing/2014/main" id="{0ABC7E02-8054-2B42-87E3-E0666B8D2174}"/>
+              </a:ext>
+            </a:extLst>
+          </p:cNvPr>
+          <p:cNvSpPr/>
+          <p:nvPr/>
+        </p:nvSpPr>
+        <p:spPr>
+          <a:xfrm rot="16200000">
+            <a:off x="6962489" y="4537225"/>
+            <a:ext cx="406400" cy="79021"/>
+          </a:xfrm>
+          <a:prstGeom prst="round2SameRect">
+            <a:avLst>
+              <a:gd name="adj1" fmla="val 50000"/>
+              <a:gd name="adj2" fmla="val 0"/>
+            </a:avLst>
+          </a:prstGeom>
+          <a:solidFill>
+            <a:schemeClr val="tx1"/>
+          </a:solidFill>
+          <a:ln>
+            <a:noFill/>
+          </a:ln>
+        </p:spPr>
+        <p:style>
+          <a:lnRef idx="2">
+            <a:schemeClr val="accent1">
+              <a:shade val="50000"/>
+            </a:schemeClr>
+          </a:lnRef>
+          <a:fillRef idx="1">
+            <a:schemeClr val="accent1"/>
+          </a:fillRef>
+          <a:effectRef idx="0">
+            <a:schemeClr val="accent1"/>
+          </a:effectRef>
+          <a:fontRef idx="minor">
+            <a:schemeClr val="lt1"/>
+          </a:fontRef>
+        </p:style>
+        <p:txBody>
+          <a:bodyPr rtlCol="0" anchor="ctr"/>
+          <a:lstStyle/>
+          <a:p>
+            <a:pPr algn="ctr"/>
+            <a:endParaRPr lang="en-GB" sz="5953"/>
+          </a:p>
+        </p:txBody>
+      </p:sp>
+      <p:sp>
+        <p:nvSpPr>
+          <p:cNvPr id="43" name="Round Same-side Corner of Rectangle 42">
+            <a:extLst>
+              <a:ext uri="{FF2B5EF4-FFF2-40B4-BE49-F238E27FC236}">
+                <a16:creationId xmlns:a16="http://schemas.microsoft.com/office/drawing/2014/main" id="{A030A340-EFCA-4047-9E2B-41015460D580}"/>
+              </a:ext>
+            </a:extLst>
+          </p:cNvPr>
+          <p:cNvSpPr/>
+          <p:nvPr/>
+        </p:nvSpPr>
+        <p:spPr>
+          <a:xfrm rot="5400000">
+            <a:off x="11851259" y="2090045"/>
+            <a:ext cx="406400" cy="79021"/>
+          </a:xfrm>
+          <a:prstGeom prst="round2SameRect">
+            <a:avLst>
+              <a:gd name="adj1" fmla="val 50000"/>
+              <a:gd name="adj2" fmla="val 0"/>
+            </a:avLst>
+          </a:prstGeom>
+          <a:solidFill>
+            <a:schemeClr val="tx1"/>
+          </a:solidFill>
+          <a:ln>
+            <a:noFill/>
+          </a:ln>
+        </p:spPr>
+        <p:style>
+          <a:lnRef idx="2">
+            <a:schemeClr val="accent1">
+              <a:shade val="50000"/>
+            </a:schemeClr>
+          </a:lnRef>
+          <a:fillRef idx="1">
+            <a:schemeClr val="accent1"/>
+          </a:fillRef>
+          <a:effectRef idx="0">
+            <a:schemeClr val="accent1"/>
+          </a:effectRef>
+          <a:fontRef idx="minor">
+            <a:schemeClr val="lt1"/>
+          </a:fontRef>
+        </p:style>
+        <p:txBody>
+          <a:bodyPr rtlCol="0" anchor="ctr"/>
+          <a:lstStyle/>
+          <a:p>
+            <a:pPr algn="ctr"/>
+            <a:endParaRPr lang="en-GB" sz="5953"/>
+          </a:p>
+        </p:txBody>
+      </p:sp>
+      <p:grpSp>
+        <p:nvGrpSpPr>
+          <p:cNvPr id="74" name="Group 73">
+            <a:extLst>
+              <a:ext uri="{FF2B5EF4-FFF2-40B4-BE49-F238E27FC236}">
+                <a16:creationId xmlns:a16="http://schemas.microsoft.com/office/drawing/2014/main" id="{8C1962F6-ACEE-E645-9486-11F664BE8051}"/>
+              </a:ext>
+            </a:extLst>
+          </p:cNvPr>
+          <p:cNvGrpSpPr/>
+          <p:nvPr/>
+        </p:nvGrpSpPr>
+        <p:grpSpPr>
+          <a:xfrm>
+            <a:off x="3110944" y="1560741"/>
+            <a:ext cx="970060" cy="447008"/>
+            <a:chOff x="3069203" y="1560741"/>
+            <a:chExt cx="970060" cy="447008"/>
+          </a:xfrm>
+        </p:grpSpPr>
+        <p:sp>
+          <p:nvSpPr>
+            <p:cNvPr id="66" name="Rectangle 65">
+              <a:extLst>
+                <a:ext uri="{FF2B5EF4-FFF2-40B4-BE49-F238E27FC236}">
+                  <a16:creationId xmlns:a16="http://schemas.microsoft.com/office/drawing/2014/main" id="{0BDBBFB8-0A77-AC44-9015-A2E15B98C979}"/>
+                </a:ext>
+              </a:extLst>
+            </p:cNvPr>
+            <p:cNvSpPr/>
+            <p:nvPr/>
+          </p:nvSpPr>
+          <p:spPr>
+            <a:xfrm>
+              <a:off x="3069203" y="1560741"/>
+              <a:ext cx="970060" cy="220497"/>
+            </a:xfrm>
+            <a:prstGeom prst="rect">
+              <a:avLst/>
+            </a:prstGeom>
+            <a:solidFill>
+              <a:schemeClr val="accent6">
+                <a:lumMod val="60000"/>
+                <a:lumOff val="40000"/>
+              </a:schemeClr>
+            </a:solidFill>
+            <a:ln w="3175">
+              <a:solidFill>
+                <a:schemeClr val="tx1"/>
+              </a:solidFill>
+            </a:ln>
+          </p:spPr>
+          <p:style>
+            <a:lnRef idx="2">
+              <a:schemeClr val="accent1">
+                <a:shade val="50000"/>
+              </a:schemeClr>
+            </a:lnRef>
+            <a:fillRef idx="1">
+              <a:schemeClr val="accent1"/>
+            </a:fillRef>
+            <a:effectRef idx="0">
+              <a:schemeClr val="accent1"/>
+            </a:effectRef>
+            <a:fontRef idx="minor">
+              <a:schemeClr val="lt1"/>
+            </a:fontRef>
+          </p:style>
+          <p:txBody>
+            <a:bodyPr rtlCol="0" anchor="ctr"/>
+            <a:lstStyle/>
+            <a:p>
+              <a:pPr algn="ctr"/>
+              <a:endParaRPr lang="en-GB" dirty="0"/>
+            </a:p>
+          </p:txBody>
+        </p:sp>
+        <p:sp>
+          <p:nvSpPr>
+            <p:cNvPr id="67" name="Oval 66">
+              <a:extLst>
+                <a:ext uri="{FF2B5EF4-FFF2-40B4-BE49-F238E27FC236}">
+                  <a16:creationId xmlns:a16="http://schemas.microsoft.com/office/drawing/2014/main" id="{2F0DCFFE-267A-4349-B6B1-90130FEEE100}"/>
+                </a:ext>
+              </a:extLst>
+            </p:cNvPr>
+            <p:cNvSpPr/>
+            <p:nvPr/>
+          </p:nvSpPr>
+          <p:spPr>
+            <a:xfrm>
+              <a:off x="3143531" y="1838614"/>
+              <a:ext cx="169135" cy="169135"/>
+            </a:xfrm>
+            <a:prstGeom prst="ellipse">
+              <a:avLst/>
+            </a:prstGeom>
+            <a:solidFill>
+              <a:schemeClr val="accent6">
+                <a:lumMod val="60000"/>
+                <a:lumOff val="40000"/>
+              </a:schemeClr>
+            </a:solidFill>
+            <a:ln w="6350">
+              <a:solidFill>
+                <a:schemeClr val="tx1"/>
+              </a:solidFill>
+            </a:ln>
+          </p:spPr>
+          <p:style>
+            <a:lnRef idx="2">
+              <a:schemeClr val="accent1">
+                <a:shade val="50000"/>
+              </a:schemeClr>
+            </a:lnRef>
+            <a:fillRef idx="1">
+              <a:schemeClr val="accent1"/>
+            </a:fillRef>
+            <a:effectRef idx="0">
+              <a:schemeClr val="accent1"/>
+            </a:effectRef>
+            <a:fontRef idx="minor">
+              <a:schemeClr val="lt1"/>
+            </a:fontRef>
+          </p:style>
+          <p:txBody>
+            <a:bodyPr rtlCol="0" anchor="ctr" anchorCtr="0"/>
+            <a:lstStyle/>
+            <a:p>
+              <a:pPr algn="ctr"/>
+              <a:endParaRPr lang="en-GB" dirty="0"/>
+            </a:p>
+          </p:txBody>
+        </p:sp>
+        <p:sp>
+          <p:nvSpPr>
+            <p:cNvPr id="68" name="Oval 67">
+              <a:extLst>
+                <a:ext uri="{FF2B5EF4-FFF2-40B4-BE49-F238E27FC236}">
+                  <a16:creationId xmlns:a16="http://schemas.microsoft.com/office/drawing/2014/main" id="{D570056B-BAB1-034D-84D4-389450FC0F04}"/>
+                </a:ext>
+              </a:extLst>
+            </p:cNvPr>
+            <p:cNvSpPr/>
+            <p:nvPr/>
+          </p:nvSpPr>
+          <p:spPr>
+            <a:xfrm>
+              <a:off x="3469534" y="1838614"/>
+              <a:ext cx="169135" cy="169135"/>
+            </a:xfrm>
+            <a:prstGeom prst="ellipse">
+              <a:avLst/>
+            </a:prstGeom>
+            <a:solidFill>
+              <a:schemeClr val="accent6">
+                <a:lumMod val="60000"/>
+                <a:lumOff val="40000"/>
+              </a:schemeClr>
+            </a:solidFill>
+            <a:ln w="6350">
+              <a:solidFill>
+                <a:schemeClr val="tx1"/>
+              </a:solidFill>
+            </a:ln>
+          </p:spPr>
+          <p:style>
+            <a:lnRef idx="2">
+              <a:schemeClr val="accent1">
+                <a:shade val="50000"/>
+              </a:schemeClr>
+            </a:lnRef>
+            <a:fillRef idx="1">
+              <a:schemeClr val="accent1"/>
+            </a:fillRef>
+            <a:effectRef idx="0">
+              <a:schemeClr val="accent1"/>
+            </a:effectRef>
+            <a:fontRef idx="minor">
+              <a:schemeClr val="lt1"/>
+            </a:fontRef>
+          </p:style>
+          <p:txBody>
+            <a:bodyPr rtlCol="0" anchor="ctr" anchorCtr="0"/>
+            <a:lstStyle/>
+            <a:p>
+              <a:pPr algn="ctr"/>
+              <a:endParaRPr lang="en-GB" dirty="0"/>
+            </a:p>
+          </p:txBody>
+        </p:sp>
+        <p:sp>
+          <p:nvSpPr>
+            <p:cNvPr id="69" name="Oval 68">
+              <a:extLst>
+                <a:ext uri="{FF2B5EF4-FFF2-40B4-BE49-F238E27FC236}">
+                  <a16:creationId xmlns:a16="http://schemas.microsoft.com/office/drawing/2014/main" id="{BDB8316E-9F96-DB41-B54F-6B127D9C00F2}"/>
+                </a:ext>
+              </a:extLst>
+            </p:cNvPr>
+            <p:cNvSpPr/>
+            <p:nvPr/>
+          </p:nvSpPr>
+          <p:spPr>
+            <a:xfrm>
+              <a:off x="3795537" y="1838614"/>
+              <a:ext cx="169135" cy="169135"/>
+            </a:xfrm>
+            <a:prstGeom prst="ellipse">
+              <a:avLst/>
+            </a:prstGeom>
+            <a:solidFill>
+              <a:schemeClr val="accent6">
+                <a:lumMod val="60000"/>
+                <a:lumOff val="40000"/>
+              </a:schemeClr>
+            </a:solidFill>
+            <a:ln w="6350">
+              <a:solidFill>
+                <a:schemeClr val="tx1"/>
+              </a:solidFill>
+            </a:ln>
+          </p:spPr>
+          <p:style>
+            <a:lnRef idx="2">
+              <a:schemeClr val="accent1">
+                <a:shade val="50000"/>
+              </a:schemeClr>
+            </a:lnRef>
+            <a:fillRef idx="1">
+              <a:schemeClr val="accent1"/>
+            </a:fillRef>
+            <a:effectRef idx="0">
+              <a:schemeClr val="accent1"/>
+            </a:effectRef>
+            <a:fontRef idx="minor">
+              <a:schemeClr val="lt1"/>
+            </a:fontRef>
+          </p:style>
+          <p:txBody>
+            <a:bodyPr rtlCol="0" anchor="ctr" anchorCtr="0"/>
+            <a:lstStyle/>
+            <a:p>
+              <a:pPr algn="ctr"/>
+              <a:endParaRPr lang="en-GB" dirty="0"/>
+            </a:p>
+          </p:txBody>
+        </p:sp>
+      </p:grpSp>
+      <p:grpSp>
+        <p:nvGrpSpPr>
+          <p:cNvPr id="75" name="Group 74">
+            <a:extLst>
+              <a:ext uri="{FF2B5EF4-FFF2-40B4-BE49-F238E27FC236}">
+                <a16:creationId xmlns:a16="http://schemas.microsoft.com/office/drawing/2014/main" id="{502D5129-0E34-D945-B31B-BFE016E2EE48}"/>
+              </a:ext>
+            </a:extLst>
+          </p:cNvPr>
+          <p:cNvGrpSpPr/>
+          <p:nvPr/>
+        </p:nvGrpSpPr>
+        <p:grpSpPr>
+          <a:xfrm rot="16200000">
+            <a:off x="2266637" y="2260962"/>
+            <a:ext cx="970060" cy="447008"/>
+            <a:chOff x="3069203" y="1560741"/>
+            <a:chExt cx="970060" cy="447008"/>
+          </a:xfrm>
+        </p:grpSpPr>
+        <p:sp>
+          <p:nvSpPr>
+            <p:cNvPr id="76" name="Rectangle 75">
+              <a:extLst>
+                <a:ext uri="{FF2B5EF4-FFF2-40B4-BE49-F238E27FC236}">
+                  <a16:creationId xmlns:a16="http://schemas.microsoft.com/office/drawing/2014/main" id="{949F3D42-6C1C-2A49-9CCE-71CEEBE4598D}"/>
+                </a:ext>
+              </a:extLst>
+            </p:cNvPr>
+            <p:cNvSpPr/>
+            <p:nvPr/>
+          </p:nvSpPr>
+          <p:spPr>
+            <a:xfrm>
+              <a:off x="3069203" y="1560741"/>
+              <a:ext cx="970060" cy="220497"/>
+            </a:xfrm>
+            <a:prstGeom prst="rect">
+              <a:avLst/>
+            </a:prstGeom>
+            <a:solidFill>
+              <a:schemeClr val="accent6">
+                <a:lumMod val="60000"/>
+                <a:lumOff val="40000"/>
+              </a:schemeClr>
+            </a:solidFill>
+            <a:ln w="3175">
+              <a:solidFill>
+                <a:schemeClr val="tx1"/>
+              </a:solidFill>
+            </a:ln>
+          </p:spPr>
+          <p:style>
+            <a:lnRef idx="2">
+              <a:schemeClr val="accent1">
+                <a:shade val="50000"/>
+              </a:schemeClr>
+            </a:lnRef>
+            <a:fillRef idx="1">
+              <a:schemeClr val="accent1"/>
+            </a:fillRef>
+            <a:effectRef idx="0">
+              <a:schemeClr val="accent1"/>
+            </a:effectRef>
+            <a:fontRef idx="minor">
+              <a:schemeClr val="lt1"/>
+            </a:fontRef>
+          </p:style>
+          <p:txBody>
+            <a:bodyPr rtlCol="0" anchor="ctr"/>
+            <a:lstStyle/>
+            <a:p>
+              <a:pPr algn="ctr"/>
+              <a:endParaRPr lang="en-GB" dirty="0"/>
+            </a:p>
+          </p:txBody>
+        </p:sp>
+        <p:sp>
+          <p:nvSpPr>
+            <p:cNvPr id="77" name="Oval 76">
+              <a:extLst>
+                <a:ext uri="{FF2B5EF4-FFF2-40B4-BE49-F238E27FC236}">
+                  <a16:creationId xmlns:a16="http://schemas.microsoft.com/office/drawing/2014/main" id="{41938EAC-85F8-A144-BCEC-6C27E065CAD6}"/>
+                </a:ext>
+              </a:extLst>
+            </p:cNvPr>
+            <p:cNvSpPr/>
+            <p:nvPr/>
+          </p:nvSpPr>
+          <p:spPr>
+            <a:xfrm>
+              <a:off x="3143531" y="1838614"/>
+              <a:ext cx="169135" cy="169135"/>
+            </a:xfrm>
+            <a:prstGeom prst="ellipse">
+              <a:avLst/>
+            </a:prstGeom>
+            <a:solidFill>
+              <a:schemeClr val="accent6">
+                <a:lumMod val="60000"/>
+                <a:lumOff val="40000"/>
+              </a:schemeClr>
+            </a:solidFill>
+            <a:ln w="6350">
+              <a:solidFill>
+                <a:schemeClr val="tx1"/>
+              </a:solidFill>
+            </a:ln>
+          </p:spPr>
+          <p:style>
+            <a:lnRef idx="2">
+              <a:schemeClr val="accent1">
+                <a:shade val="50000"/>
+              </a:schemeClr>
+            </a:lnRef>
+            <a:fillRef idx="1">
+              <a:schemeClr val="accent1"/>
+            </a:fillRef>
+            <a:effectRef idx="0">
+              <a:schemeClr val="accent1"/>
+            </a:effectRef>
+            <a:fontRef idx="minor">
+              <a:schemeClr val="lt1"/>
+            </a:fontRef>
+          </p:style>
+          <p:txBody>
+            <a:bodyPr rtlCol="0" anchor="ctr" anchorCtr="0"/>
+            <a:lstStyle/>
+            <a:p>
+              <a:pPr algn="ctr"/>
+              <a:endParaRPr lang="en-GB" dirty="0"/>
+            </a:p>
+          </p:txBody>
+        </p:sp>
+        <p:sp>
+          <p:nvSpPr>
+            <p:cNvPr id="78" name="Oval 77">
+              <a:extLst>
+                <a:ext uri="{FF2B5EF4-FFF2-40B4-BE49-F238E27FC236}">
+                  <a16:creationId xmlns:a16="http://schemas.microsoft.com/office/drawing/2014/main" id="{AE9F53D6-EC3F-8A44-B273-55E56C25A2F8}"/>
+                </a:ext>
+              </a:extLst>
+            </p:cNvPr>
+            <p:cNvSpPr/>
+            <p:nvPr/>
+          </p:nvSpPr>
+          <p:spPr>
+            <a:xfrm>
+              <a:off x="3469534" y="1838614"/>
+              <a:ext cx="169135" cy="169135"/>
+            </a:xfrm>
+            <a:prstGeom prst="ellipse">
+              <a:avLst/>
+            </a:prstGeom>
+            <a:solidFill>
+              <a:schemeClr val="accent6">
+                <a:lumMod val="60000"/>
+                <a:lumOff val="40000"/>
+              </a:schemeClr>
+            </a:solidFill>
+            <a:ln w="6350">
+              <a:solidFill>
+                <a:schemeClr val="tx1"/>
+              </a:solidFill>
+            </a:ln>
+          </p:spPr>
+          <p:style>
+            <a:lnRef idx="2">
+              <a:schemeClr val="accent1">
+                <a:shade val="50000"/>
+              </a:schemeClr>
+            </a:lnRef>
+            <a:fillRef idx="1">
+              <a:schemeClr val="accent1"/>
+            </a:fillRef>
+            <a:effectRef idx="0">
+              <a:schemeClr val="accent1"/>
+            </a:effectRef>
+            <a:fontRef idx="minor">
+              <a:schemeClr val="lt1"/>
+            </a:fontRef>
+          </p:style>
+          <p:txBody>
+            <a:bodyPr rtlCol="0" anchor="ctr" anchorCtr="0"/>
+            <a:lstStyle/>
+            <a:p>
+              <a:pPr algn="ctr"/>
+              <a:endParaRPr lang="en-GB" dirty="0"/>
+            </a:p>
+          </p:txBody>
+        </p:sp>
+        <p:sp>
+          <p:nvSpPr>
+            <p:cNvPr id="79" name="Oval 78">
+              <a:extLst>
+                <a:ext uri="{FF2B5EF4-FFF2-40B4-BE49-F238E27FC236}">
+                  <a16:creationId xmlns:a16="http://schemas.microsoft.com/office/drawing/2014/main" id="{22BAF5B7-25D5-1A47-91D3-7A4AC0B43F07}"/>
+                </a:ext>
+              </a:extLst>
+            </p:cNvPr>
+            <p:cNvSpPr/>
+            <p:nvPr/>
+          </p:nvSpPr>
+          <p:spPr>
+            <a:xfrm>
+              <a:off x="3795537" y="1838614"/>
+              <a:ext cx="169135" cy="169135"/>
+            </a:xfrm>
+            <a:prstGeom prst="ellipse">
+              <a:avLst/>
+            </a:prstGeom>
+            <a:solidFill>
+              <a:schemeClr val="accent6">
+                <a:lumMod val="60000"/>
+                <a:lumOff val="40000"/>
+              </a:schemeClr>
+            </a:solidFill>
+            <a:ln w="6350">
+              <a:solidFill>
+                <a:schemeClr val="tx1"/>
+              </a:solidFill>
+            </a:ln>
+          </p:spPr>
+          <p:style>
+            <a:lnRef idx="2">
+              <a:schemeClr val="accent1">
+                <a:shade val="50000"/>
+              </a:schemeClr>
+            </a:lnRef>
+            <a:fillRef idx="1">
+              <a:schemeClr val="accent1"/>
+            </a:fillRef>
+            <a:effectRef idx="0">
+              <a:schemeClr val="accent1"/>
+            </a:effectRef>
+            <a:fontRef idx="minor">
+              <a:schemeClr val="lt1"/>
+            </a:fontRef>
+          </p:style>
+          <p:txBody>
+            <a:bodyPr rtlCol="0" anchor="ctr" anchorCtr="0"/>
+            <a:lstStyle/>
+            <a:p>
+              <a:pPr algn="ctr"/>
+              <a:endParaRPr lang="en-GB" dirty="0"/>
+            </a:p>
+          </p:txBody>
+        </p:sp>
+      </p:grpSp>
+      <p:grpSp>
+        <p:nvGrpSpPr>
+          <p:cNvPr id="80" name="Group 79">
+            <a:extLst>
+              <a:ext uri="{FF2B5EF4-FFF2-40B4-BE49-F238E27FC236}">
+                <a16:creationId xmlns:a16="http://schemas.microsoft.com/office/drawing/2014/main" id="{F3289B85-E22F-FC49-8D9E-89F92866805F}"/>
+              </a:ext>
+            </a:extLst>
+          </p:cNvPr>
+          <p:cNvGrpSpPr/>
+          <p:nvPr/>
+        </p:nvGrpSpPr>
+        <p:grpSpPr>
+          <a:xfrm rot="5400000">
+            <a:off x="3955251" y="2260962"/>
+            <a:ext cx="970060" cy="447008"/>
+            <a:chOff x="3069203" y="1560741"/>
+            <a:chExt cx="970060" cy="447008"/>
+          </a:xfrm>
+        </p:grpSpPr>
+        <p:sp>
+          <p:nvSpPr>
+            <p:cNvPr id="81" name="Rectangle 80">
+              <a:extLst>
+                <a:ext uri="{FF2B5EF4-FFF2-40B4-BE49-F238E27FC236}">
+                  <a16:creationId xmlns:a16="http://schemas.microsoft.com/office/drawing/2014/main" id="{496223FD-17FE-7445-8D92-06CE6F6BD282}"/>
+                </a:ext>
+              </a:extLst>
+            </p:cNvPr>
+            <p:cNvSpPr/>
+            <p:nvPr/>
+          </p:nvSpPr>
+          <p:spPr>
+            <a:xfrm>
+              <a:off x="3069203" y="1560741"/>
+              <a:ext cx="970060" cy="220497"/>
+            </a:xfrm>
+            <a:prstGeom prst="rect">
+              <a:avLst/>
+            </a:prstGeom>
+            <a:solidFill>
+              <a:schemeClr val="accent6">
+                <a:lumMod val="60000"/>
+                <a:lumOff val="40000"/>
+              </a:schemeClr>
+            </a:solidFill>
+            <a:ln w="3175">
+              <a:solidFill>
+                <a:schemeClr val="tx1"/>
+              </a:solidFill>
+            </a:ln>
+          </p:spPr>
+          <p:style>
+            <a:lnRef idx="2">
+              <a:schemeClr val="accent1">
+                <a:shade val="50000"/>
+              </a:schemeClr>
+            </a:lnRef>
+            <a:fillRef idx="1">
+              <a:schemeClr val="accent1"/>
+            </a:fillRef>
+            <a:effectRef idx="0">
+              <a:schemeClr val="accent1"/>
+            </a:effectRef>
+            <a:fontRef idx="minor">
+              <a:schemeClr val="lt1"/>
+            </a:fontRef>
+          </p:style>
+          <p:txBody>
+            <a:bodyPr rtlCol="0" anchor="ctr"/>
+            <a:lstStyle/>
+            <a:p>
+              <a:pPr algn="ctr"/>
+              <a:endParaRPr lang="en-GB" dirty="0"/>
+            </a:p>
+          </p:txBody>
+        </p:sp>
+        <p:sp>
+          <p:nvSpPr>
+            <p:cNvPr id="82" name="Oval 81">
+              <a:extLst>
+                <a:ext uri="{FF2B5EF4-FFF2-40B4-BE49-F238E27FC236}">
+                  <a16:creationId xmlns:a16="http://schemas.microsoft.com/office/drawing/2014/main" id="{5189BA35-183C-D04C-83FA-9E90622BA4CA}"/>
+                </a:ext>
+              </a:extLst>
+            </p:cNvPr>
+            <p:cNvSpPr/>
+            <p:nvPr/>
+          </p:nvSpPr>
+          <p:spPr>
+            <a:xfrm>
+              <a:off x="3143531" y="1838614"/>
+              <a:ext cx="169135" cy="169135"/>
+            </a:xfrm>
+            <a:prstGeom prst="ellipse">
+              <a:avLst/>
+            </a:prstGeom>
+            <a:solidFill>
+              <a:schemeClr val="accent6">
+                <a:lumMod val="60000"/>
+                <a:lumOff val="40000"/>
+              </a:schemeClr>
+            </a:solidFill>
+            <a:ln w="6350">
+              <a:solidFill>
+                <a:schemeClr val="tx1"/>
+              </a:solidFill>
+            </a:ln>
+          </p:spPr>
+          <p:style>
+            <a:lnRef idx="2">
+              <a:schemeClr val="accent1">
+                <a:shade val="50000"/>
+              </a:schemeClr>
+            </a:lnRef>
+            <a:fillRef idx="1">
+              <a:schemeClr val="accent1"/>
+            </a:fillRef>
+            <a:effectRef idx="0">
+              <a:schemeClr val="accent1"/>
+            </a:effectRef>
+            <a:fontRef idx="minor">
+              <a:schemeClr val="lt1"/>
+            </a:fontRef>
+          </p:style>
+          <p:txBody>
+            <a:bodyPr rtlCol="0" anchor="ctr" anchorCtr="0"/>
+            <a:lstStyle/>
+            <a:p>
+              <a:pPr algn="ctr"/>
+              <a:endParaRPr lang="en-GB" dirty="0"/>
+            </a:p>
+          </p:txBody>
+        </p:sp>
+        <p:sp>
+          <p:nvSpPr>
+            <p:cNvPr id="83" name="Oval 82">
+              <a:extLst>
+                <a:ext uri="{FF2B5EF4-FFF2-40B4-BE49-F238E27FC236}">
+                  <a16:creationId xmlns:a16="http://schemas.microsoft.com/office/drawing/2014/main" id="{F9E7022E-27D2-F145-B1F6-0E61FEEC09BE}"/>
+                </a:ext>
+              </a:extLst>
+            </p:cNvPr>
+            <p:cNvSpPr/>
+            <p:nvPr/>
+          </p:nvSpPr>
+          <p:spPr>
+            <a:xfrm>
+              <a:off x="3469534" y="1838614"/>
+              <a:ext cx="169135" cy="169135"/>
+            </a:xfrm>
+            <a:prstGeom prst="ellipse">
+              <a:avLst/>
+            </a:prstGeom>
+            <a:solidFill>
+              <a:schemeClr val="accent6">
+                <a:lumMod val="60000"/>
+                <a:lumOff val="40000"/>
+              </a:schemeClr>
+            </a:solidFill>
+            <a:ln w="6350">
+              <a:solidFill>
+                <a:schemeClr val="tx1"/>
+              </a:solidFill>
+            </a:ln>
+          </p:spPr>
+          <p:style>
+            <a:lnRef idx="2">
+              <a:schemeClr val="accent1">
+                <a:shade val="50000"/>
+              </a:schemeClr>
+            </a:lnRef>
+            <a:fillRef idx="1">
+              <a:schemeClr val="accent1"/>
+            </a:fillRef>
+            <a:effectRef idx="0">
+              <a:schemeClr val="accent1"/>
+            </a:effectRef>
+            <a:fontRef idx="minor">
+              <a:schemeClr val="lt1"/>
+            </a:fontRef>
+          </p:style>
+          <p:txBody>
+            <a:bodyPr rtlCol="0" anchor="ctr" anchorCtr="0"/>
+            <a:lstStyle/>
+            <a:p>
+              <a:pPr algn="ctr"/>
+              <a:endParaRPr lang="en-GB" dirty="0"/>
+            </a:p>
+          </p:txBody>
+        </p:sp>
+        <p:sp>
+          <p:nvSpPr>
+            <p:cNvPr id="84" name="Oval 83">
+              <a:extLst>
+                <a:ext uri="{FF2B5EF4-FFF2-40B4-BE49-F238E27FC236}">
+                  <a16:creationId xmlns:a16="http://schemas.microsoft.com/office/drawing/2014/main" id="{745FD0C1-0FE0-2943-AACB-20FF5DE149BA}"/>
+                </a:ext>
+              </a:extLst>
+            </p:cNvPr>
+            <p:cNvSpPr/>
+            <p:nvPr/>
+          </p:nvSpPr>
+          <p:spPr>
+            <a:xfrm>
+              <a:off x="3795537" y="1838614"/>
+              <a:ext cx="169135" cy="169135"/>
+            </a:xfrm>
+            <a:prstGeom prst="ellipse">
+              <a:avLst/>
+            </a:prstGeom>
+            <a:solidFill>
+              <a:schemeClr val="accent6">
+                <a:lumMod val="60000"/>
+                <a:lumOff val="40000"/>
+              </a:schemeClr>
+            </a:solidFill>
+            <a:ln w="6350">
+              <a:solidFill>
+                <a:schemeClr val="tx1"/>
+              </a:solidFill>
+            </a:ln>
+          </p:spPr>
+          <p:style>
+            <a:lnRef idx="2">
+              <a:schemeClr val="accent1">
+                <a:shade val="50000"/>
+              </a:schemeClr>
+            </a:lnRef>
+            <a:fillRef idx="1">
+              <a:schemeClr val="accent1"/>
+            </a:fillRef>
+            <a:effectRef idx="0">
+              <a:schemeClr val="accent1"/>
+            </a:effectRef>
+            <a:fontRef idx="minor">
+              <a:schemeClr val="lt1"/>
+            </a:fontRef>
+          </p:style>
+          <p:txBody>
+            <a:bodyPr rtlCol="0" anchor="ctr" anchorCtr="0"/>
+            <a:lstStyle/>
+            <a:p>
+              <a:pPr algn="ctr"/>
+              <a:endParaRPr lang="en-GB" dirty="0"/>
+            </a:p>
+          </p:txBody>
+        </p:sp>
+      </p:grpSp>
+      <p:grpSp>
+        <p:nvGrpSpPr>
+          <p:cNvPr id="110" name="Group 109">
+            <a:extLst>
+              <a:ext uri="{FF2B5EF4-FFF2-40B4-BE49-F238E27FC236}">
+                <a16:creationId xmlns:a16="http://schemas.microsoft.com/office/drawing/2014/main" id="{6D5FA05F-86CA-7E40-A6A8-7FC6F4A6931D}"/>
+              </a:ext>
+            </a:extLst>
+          </p:cNvPr>
+          <p:cNvGrpSpPr/>
+          <p:nvPr/>
+        </p:nvGrpSpPr>
+        <p:grpSpPr>
+          <a:xfrm>
+            <a:off x="2698169" y="4261732"/>
+            <a:ext cx="656238" cy="667272"/>
+            <a:chOff x="2809630" y="4246449"/>
+            <a:chExt cx="656238" cy="667272"/>
+          </a:xfrm>
+        </p:grpSpPr>
+        <p:sp>
+          <p:nvSpPr>
+            <p:cNvPr id="100" name="Rectangle 99">
+              <a:extLst>
+                <a:ext uri="{FF2B5EF4-FFF2-40B4-BE49-F238E27FC236}">
+                  <a16:creationId xmlns:a16="http://schemas.microsoft.com/office/drawing/2014/main" id="{ECDCA315-6700-AC47-BA36-5005C730EBDD}"/>
+                </a:ext>
+              </a:extLst>
+            </p:cNvPr>
+            <p:cNvSpPr/>
+            <p:nvPr/>
+          </p:nvSpPr>
+          <p:spPr>
+            <a:xfrm>
+              <a:off x="2809630" y="4469849"/>
+              <a:ext cx="656238" cy="220497"/>
+            </a:xfrm>
+            <a:prstGeom prst="rect">
+              <a:avLst/>
+            </a:prstGeom>
+            <a:solidFill>
+              <a:schemeClr val="accent6">
+                <a:lumMod val="60000"/>
+                <a:lumOff val="40000"/>
+              </a:schemeClr>
+            </a:solidFill>
+            <a:ln w="3175">
+              <a:solidFill>
+                <a:schemeClr val="tx1"/>
+              </a:solidFill>
+            </a:ln>
+          </p:spPr>
+          <p:style>
+            <a:lnRef idx="2">
+              <a:schemeClr val="accent1">
+                <a:shade val="50000"/>
+              </a:schemeClr>
+            </a:lnRef>
+            <a:fillRef idx="1">
+              <a:schemeClr val="accent1"/>
+            </a:fillRef>
+            <a:effectRef idx="0">
+              <a:schemeClr val="accent1"/>
+            </a:effectRef>
+            <a:fontRef idx="minor">
+              <a:schemeClr val="lt1"/>
+            </a:fontRef>
+          </p:style>
+          <p:txBody>
+            <a:bodyPr rtlCol="0" anchor="ctr"/>
+            <a:lstStyle/>
+            <a:p>
+              <a:pPr algn="ctr"/>
+              <a:endParaRPr lang="en-GB" dirty="0"/>
+            </a:p>
+          </p:txBody>
+        </p:sp>
+        <p:sp>
+          <p:nvSpPr>
+            <p:cNvPr id="101" name="Oval 100">
+              <a:extLst>
+                <a:ext uri="{FF2B5EF4-FFF2-40B4-BE49-F238E27FC236}">
+                  <a16:creationId xmlns:a16="http://schemas.microsoft.com/office/drawing/2014/main" id="{2760AB84-BD6C-1F49-9B1A-AB435A350102}"/>
+                </a:ext>
+              </a:extLst>
+            </p:cNvPr>
+            <p:cNvSpPr/>
+            <p:nvPr/>
+          </p:nvSpPr>
+          <p:spPr>
+            <a:xfrm>
+              <a:off x="2903037" y="4246449"/>
+              <a:ext cx="169135" cy="169135"/>
+            </a:xfrm>
+            <a:prstGeom prst="ellipse">
+              <a:avLst/>
+            </a:prstGeom>
+            <a:solidFill>
+              <a:schemeClr val="accent6">
+                <a:lumMod val="60000"/>
+                <a:lumOff val="40000"/>
+              </a:schemeClr>
+            </a:solidFill>
+            <a:ln w="6350">
+              <a:solidFill>
+                <a:schemeClr val="tx1"/>
+              </a:solidFill>
+            </a:ln>
+          </p:spPr>
+          <p:style>
+            <a:lnRef idx="2">
+              <a:schemeClr val="accent1">
+                <a:shade val="50000"/>
+              </a:schemeClr>
+            </a:lnRef>
+            <a:fillRef idx="1">
+              <a:schemeClr val="accent1"/>
+            </a:fillRef>
+            <a:effectRef idx="0">
+              <a:schemeClr val="accent1"/>
+            </a:effectRef>
+            <a:fontRef idx="minor">
+              <a:schemeClr val="lt1"/>
+            </a:fontRef>
+          </p:style>
+          <p:txBody>
+            <a:bodyPr rtlCol="0" anchor="ctr"/>
+            <a:lstStyle/>
+            <a:p>
+              <a:pPr algn="ctr"/>
+              <a:endParaRPr lang="en-GB"/>
+            </a:p>
+          </p:txBody>
+        </p:sp>
+        <p:sp>
+          <p:nvSpPr>
+            <p:cNvPr id="102" name="Oval 101">
+              <a:extLst>
+                <a:ext uri="{FF2B5EF4-FFF2-40B4-BE49-F238E27FC236}">
+                  <a16:creationId xmlns:a16="http://schemas.microsoft.com/office/drawing/2014/main" id="{21A82474-3B87-9941-A308-8BF8BADBBFC1}"/>
+                </a:ext>
+              </a:extLst>
+            </p:cNvPr>
+            <p:cNvSpPr/>
+            <p:nvPr/>
+          </p:nvSpPr>
+          <p:spPr>
+            <a:xfrm>
+              <a:off x="3209306" y="4246449"/>
+              <a:ext cx="169135" cy="169135"/>
+            </a:xfrm>
+            <a:prstGeom prst="ellipse">
+              <a:avLst/>
+            </a:prstGeom>
+            <a:solidFill>
+              <a:schemeClr val="accent6">
+                <a:lumMod val="60000"/>
+                <a:lumOff val="40000"/>
+              </a:schemeClr>
+            </a:solidFill>
+            <a:ln w="6350">
+              <a:solidFill>
+                <a:schemeClr val="tx1"/>
+              </a:solidFill>
+            </a:ln>
+          </p:spPr>
+          <p:style>
+            <a:lnRef idx="2">
+              <a:schemeClr val="accent1">
+                <a:shade val="50000"/>
+              </a:schemeClr>
+            </a:lnRef>
+            <a:fillRef idx="1">
+              <a:schemeClr val="accent1"/>
+            </a:fillRef>
+            <a:effectRef idx="0">
+              <a:schemeClr val="accent1"/>
+            </a:effectRef>
+            <a:fontRef idx="minor">
+              <a:schemeClr val="lt1"/>
+            </a:fontRef>
+          </p:style>
+          <p:txBody>
+            <a:bodyPr rtlCol="0" anchor="ctr"/>
+            <a:lstStyle/>
+            <a:p>
+              <a:pPr algn="ctr"/>
+              <a:endParaRPr lang="en-GB"/>
+            </a:p>
+          </p:txBody>
+        </p:sp>
+        <p:sp>
+          <p:nvSpPr>
+            <p:cNvPr id="103" name="Oval 102">
+              <a:extLst>
+                <a:ext uri="{FF2B5EF4-FFF2-40B4-BE49-F238E27FC236}">
+                  <a16:creationId xmlns:a16="http://schemas.microsoft.com/office/drawing/2014/main" id="{F38158A7-E67E-BF43-BF75-095DFB2A7E32}"/>
+                </a:ext>
+              </a:extLst>
+            </p:cNvPr>
+            <p:cNvSpPr/>
+            <p:nvPr/>
+          </p:nvSpPr>
+          <p:spPr>
+            <a:xfrm>
+              <a:off x="3209305" y="4744586"/>
+              <a:ext cx="169135" cy="169135"/>
+            </a:xfrm>
+            <a:prstGeom prst="ellipse">
+              <a:avLst/>
+            </a:prstGeom>
+            <a:solidFill>
+              <a:schemeClr val="accent6">
+                <a:lumMod val="60000"/>
+                <a:lumOff val="40000"/>
+              </a:schemeClr>
+            </a:solidFill>
+            <a:ln w="6350">
+              <a:solidFill>
+                <a:schemeClr val="tx1"/>
+              </a:solidFill>
+            </a:ln>
+          </p:spPr>
+          <p:style>
+            <a:lnRef idx="2">
+              <a:schemeClr val="accent1">
+                <a:shade val="50000"/>
+              </a:schemeClr>
+            </a:lnRef>
+            <a:fillRef idx="1">
+              <a:schemeClr val="accent1"/>
+            </a:fillRef>
+            <a:effectRef idx="0">
+              <a:schemeClr val="accent1"/>
+            </a:effectRef>
+            <a:fontRef idx="minor">
+              <a:schemeClr val="lt1"/>
+            </a:fontRef>
+          </p:style>
+          <p:txBody>
+            <a:bodyPr rtlCol="0" anchor="ctr"/>
+            <a:lstStyle/>
+            <a:p>
+              <a:pPr algn="ctr"/>
+              <a:endParaRPr lang="en-GB" dirty="0"/>
+            </a:p>
+          </p:txBody>
+        </p:sp>
+        <p:sp>
+          <p:nvSpPr>
+            <p:cNvPr id="104" name="Oval 103">
+              <a:extLst>
+                <a:ext uri="{FF2B5EF4-FFF2-40B4-BE49-F238E27FC236}">
+                  <a16:creationId xmlns:a16="http://schemas.microsoft.com/office/drawing/2014/main" id="{024E6049-2612-D24F-91AB-CDDCAC39D72F}"/>
+                </a:ext>
+              </a:extLst>
+            </p:cNvPr>
+            <p:cNvSpPr/>
+            <p:nvPr/>
+          </p:nvSpPr>
+          <p:spPr>
+            <a:xfrm>
+              <a:off x="2908943" y="4737417"/>
+              <a:ext cx="169135" cy="169135"/>
+            </a:xfrm>
+            <a:prstGeom prst="ellipse">
+              <a:avLst/>
+            </a:prstGeom>
+            <a:solidFill>
+              <a:schemeClr val="accent6">
+                <a:lumMod val="60000"/>
+                <a:lumOff val="40000"/>
+              </a:schemeClr>
+            </a:solidFill>
+            <a:ln w="6350">
+              <a:solidFill>
+                <a:schemeClr val="tx1"/>
+              </a:solidFill>
+            </a:ln>
+          </p:spPr>
+          <p:style>
+            <a:lnRef idx="2">
+              <a:schemeClr val="accent1">
+                <a:shade val="50000"/>
+              </a:schemeClr>
+            </a:lnRef>
+            <a:fillRef idx="1">
+              <a:schemeClr val="accent1"/>
+            </a:fillRef>
+            <a:effectRef idx="0">
+              <a:schemeClr val="accent1"/>
+            </a:effectRef>
+            <a:fontRef idx="minor">
+              <a:schemeClr val="lt1"/>
+            </a:fontRef>
+          </p:style>
+          <p:txBody>
+            <a:bodyPr rtlCol="0" anchor="ctr"/>
+            <a:lstStyle/>
+            <a:p>
+              <a:pPr algn="ctr"/>
+              <a:endParaRPr lang="en-GB"/>
+            </a:p>
+          </p:txBody>
+        </p:sp>
+      </p:grpSp>
+      <p:grpSp>
+        <p:nvGrpSpPr>
+          <p:cNvPr id="111" name="Group 110">
+            <a:extLst>
+              <a:ext uri="{FF2B5EF4-FFF2-40B4-BE49-F238E27FC236}">
+                <a16:creationId xmlns:a16="http://schemas.microsoft.com/office/drawing/2014/main" id="{B380D72E-9E71-3643-A1AB-A405495DB30C}"/>
+              </a:ext>
+            </a:extLst>
+          </p:cNvPr>
+          <p:cNvGrpSpPr/>
+          <p:nvPr/>
+        </p:nvGrpSpPr>
+        <p:grpSpPr>
+          <a:xfrm>
+            <a:off x="3770457" y="4261732"/>
+            <a:ext cx="656238" cy="667272"/>
+            <a:chOff x="3708127" y="4246449"/>
+            <a:chExt cx="656238" cy="667272"/>
+          </a:xfrm>
+        </p:grpSpPr>
+        <p:sp>
+          <p:nvSpPr>
+            <p:cNvPr id="105" name="Rectangle 104">
+              <a:extLst>
+                <a:ext uri="{FF2B5EF4-FFF2-40B4-BE49-F238E27FC236}">
+                  <a16:creationId xmlns:a16="http://schemas.microsoft.com/office/drawing/2014/main" id="{A827C44B-A394-6642-955B-3D00ECE09F11}"/>
+                </a:ext>
+              </a:extLst>
+            </p:cNvPr>
+            <p:cNvSpPr/>
+            <p:nvPr/>
+          </p:nvSpPr>
+          <p:spPr>
+            <a:xfrm>
+              <a:off x="3708127" y="4469849"/>
+              <a:ext cx="656238" cy="220497"/>
+            </a:xfrm>
+            <a:prstGeom prst="rect">
+              <a:avLst/>
+            </a:prstGeom>
+            <a:solidFill>
+              <a:schemeClr val="accent6">
+                <a:lumMod val="60000"/>
+                <a:lumOff val="40000"/>
+              </a:schemeClr>
+            </a:solidFill>
+            <a:ln w="3175">
+              <a:solidFill>
+                <a:schemeClr val="tx1"/>
+              </a:solidFill>
+            </a:ln>
+          </p:spPr>
+          <p:style>
+            <a:lnRef idx="2">
+              <a:schemeClr val="accent1">
+                <a:shade val="50000"/>
+              </a:schemeClr>
+            </a:lnRef>
+            <a:fillRef idx="1">
+              <a:schemeClr val="accent1"/>
+            </a:fillRef>
+            <a:effectRef idx="0">
+              <a:schemeClr val="accent1"/>
+            </a:effectRef>
+            <a:fontRef idx="minor">
+              <a:schemeClr val="lt1"/>
+            </a:fontRef>
+          </p:style>
+          <p:txBody>
+            <a:bodyPr rtlCol="0" anchor="ctr"/>
+            <a:lstStyle/>
+            <a:p>
+              <a:pPr algn="ctr"/>
+              <a:endParaRPr lang="en-GB" dirty="0"/>
+            </a:p>
+          </p:txBody>
+        </p:sp>
+        <p:sp>
+          <p:nvSpPr>
+            <p:cNvPr id="106" name="Oval 105">
+              <a:extLst>
+                <a:ext uri="{FF2B5EF4-FFF2-40B4-BE49-F238E27FC236}">
+                  <a16:creationId xmlns:a16="http://schemas.microsoft.com/office/drawing/2014/main" id="{3B834945-8E09-2F46-BA35-E2454A16F76C}"/>
+                </a:ext>
+              </a:extLst>
+            </p:cNvPr>
+            <p:cNvSpPr/>
+            <p:nvPr/>
+          </p:nvSpPr>
+          <p:spPr>
+            <a:xfrm>
+              <a:off x="3801534" y="4246449"/>
+              <a:ext cx="169135" cy="169135"/>
+            </a:xfrm>
+            <a:prstGeom prst="ellipse">
+              <a:avLst/>
+            </a:prstGeom>
+            <a:solidFill>
+              <a:schemeClr val="accent6">
+                <a:lumMod val="60000"/>
+                <a:lumOff val="40000"/>
+              </a:schemeClr>
+            </a:solidFill>
+            <a:ln w="6350">
+              <a:solidFill>
+                <a:schemeClr val="tx1"/>
+              </a:solidFill>
+            </a:ln>
+          </p:spPr>
+          <p:style>
+            <a:lnRef idx="2">
+              <a:schemeClr val="accent1">
+                <a:shade val="50000"/>
+              </a:schemeClr>
+            </a:lnRef>
+            <a:fillRef idx="1">
+              <a:schemeClr val="accent1"/>
+            </a:fillRef>
+            <a:effectRef idx="0">
+              <a:schemeClr val="accent1"/>
+            </a:effectRef>
+            <a:fontRef idx="minor">
+              <a:schemeClr val="lt1"/>
+            </a:fontRef>
+          </p:style>
+          <p:txBody>
+            <a:bodyPr rtlCol="0" anchor="ctr"/>
+            <a:lstStyle/>
+            <a:p>
+              <a:pPr algn="ctr"/>
+              <a:endParaRPr lang="en-GB"/>
+            </a:p>
+          </p:txBody>
+        </p:sp>
+        <p:sp>
+          <p:nvSpPr>
+            <p:cNvPr id="107" name="Oval 106">
+              <a:extLst>
+                <a:ext uri="{FF2B5EF4-FFF2-40B4-BE49-F238E27FC236}">
+                  <a16:creationId xmlns:a16="http://schemas.microsoft.com/office/drawing/2014/main" id="{6330EBC8-332E-FF48-BED5-8313F6C5A3CC}"/>
+                </a:ext>
+              </a:extLst>
+            </p:cNvPr>
+            <p:cNvSpPr/>
+            <p:nvPr/>
+          </p:nvSpPr>
+          <p:spPr>
+            <a:xfrm>
+              <a:off x="4107803" y="4246449"/>
+              <a:ext cx="169135" cy="169135"/>
+            </a:xfrm>
+            <a:prstGeom prst="ellipse">
+              <a:avLst/>
+            </a:prstGeom>
+            <a:solidFill>
+              <a:schemeClr val="accent6">
+                <a:lumMod val="60000"/>
+                <a:lumOff val="40000"/>
+              </a:schemeClr>
+            </a:solidFill>
+            <a:ln w="6350">
+              <a:solidFill>
+                <a:schemeClr val="tx1"/>
+              </a:solidFill>
+            </a:ln>
+          </p:spPr>
+          <p:style>
+            <a:lnRef idx="2">
+              <a:schemeClr val="accent1">
+                <a:shade val="50000"/>
+              </a:schemeClr>
+            </a:lnRef>
+            <a:fillRef idx="1">
+              <a:schemeClr val="accent1"/>
+            </a:fillRef>
+            <a:effectRef idx="0">
+              <a:schemeClr val="accent1"/>
+            </a:effectRef>
+            <a:fontRef idx="minor">
+              <a:schemeClr val="lt1"/>
+            </a:fontRef>
+          </p:style>
+          <p:txBody>
+            <a:bodyPr rtlCol="0" anchor="ctr"/>
+            <a:lstStyle/>
+            <a:p>
+              <a:pPr algn="ctr"/>
+              <a:endParaRPr lang="en-GB"/>
+            </a:p>
+          </p:txBody>
+        </p:sp>
+        <p:sp>
+          <p:nvSpPr>
+            <p:cNvPr id="108" name="Oval 107">
+              <a:extLst>
+                <a:ext uri="{FF2B5EF4-FFF2-40B4-BE49-F238E27FC236}">
+                  <a16:creationId xmlns:a16="http://schemas.microsoft.com/office/drawing/2014/main" id="{7A656AB9-5EDF-7345-B806-05261F48E11A}"/>
+                </a:ext>
+              </a:extLst>
+            </p:cNvPr>
+            <p:cNvSpPr/>
+            <p:nvPr/>
+          </p:nvSpPr>
+          <p:spPr>
+            <a:xfrm>
+              <a:off x="4107802" y="4744586"/>
+              <a:ext cx="169135" cy="169135"/>
+            </a:xfrm>
+            <a:prstGeom prst="ellipse">
+              <a:avLst/>
+            </a:prstGeom>
+            <a:solidFill>
+              <a:schemeClr val="accent6">
+                <a:lumMod val="60000"/>
+                <a:lumOff val="40000"/>
+              </a:schemeClr>
+            </a:solidFill>
+            <a:ln w="6350">
+              <a:solidFill>
+                <a:schemeClr val="tx1"/>
+              </a:solidFill>
+            </a:ln>
+          </p:spPr>
+          <p:style>
+            <a:lnRef idx="2">
+              <a:schemeClr val="accent1">
+                <a:shade val="50000"/>
+              </a:schemeClr>
+            </a:lnRef>
+            <a:fillRef idx="1">
+              <a:schemeClr val="accent1"/>
+            </a:fillRef>
+            <a:effectRef idx="0">
+              <a:schemeClr val="accent1"/>
+            </a:effectRef>
+            <a:fontRef idx="minor">
+              <a:schemeClr val="lt1"/>
+            </a:fontRef>
+          </p:style>
+          <p:txBody>
+            <a:bodyPr rtlCol="0" anchor="ctr"/>
+            <a:lstStyle/>
+            <a:p>
+              <a:pPr algn="ctr"/>
+              <a:endParaRPr lang="en-GB" dirty="0"/>
+            </a:p>
+          </p:txBody>
+        </p:sp>
+        <p:sp>
+          <p:nvSpPr>
+            <p:cNvPr id="109" name="Oval 108">
+              <a:extLst>
+                <a:ext uri="{FF2B5EF4-FFF2-40B4-BE49-F238E27FC236}">
+                  <a16:creationId xmlns:a16="http://schemas.microsoft.com/office/drawing/2014/main" id="{63D46340-7B34-D241-89EC-78CA36E0207C}"/>
+                </a:ext>
+              </a:extLst>
+            </p:cNvPr>
+            <p:cNvSpPr/>
+            <p:nvPr/>
+          </p:nvSpPr>
+          <p:spPr>
+            <a:xfrm>
+              <a:off x="3807440" y="4737417"/>
+              <a:ext cx="169135" cy="169135"/>
+            </a:xfrm>
+            <a:prstGeom prst="ellipse">
+              <a:avLst/>
+            </a:prstGeom>
+            <a:solidFill>
+              <a:schemeClr val="accent6">
+                <a:lumMod val="60000"/>
+                <a:lumOff val="40000"/>
+              </a:schemeClr>
+            </a:solidFill>
+            <a:ln w="6350">
+              <a:solidFill>
+                <a:schemeClr val="tx1"/>
+              </a:solidFill>
+            </a:ln>
+          </p:spPr>
+          <p:style>
+            <a:lnRef idx="2">
+              <a:schemeClr val="accent1">
+                <a:shade val="50000"/>
+              </a:schemeClr>
+            </a:lnRef>
+            <a:fillRef idx="1">
+              <a:schemeClr val="accent1"/>
+            </a:fillRef>
+            <a:effectRef idx="0">
+              <a:schemeClr val="accent1"/>
+            </a:effectRef>
+            <a:fontRef idx="minor">
+              <a:schemeClr val="lt1"/>
+            </a:fontRef>
+          </p:style>
+          <p:txBody>
+            <a:bodyPr rtlCol="0" anchor="ctr"/>
+            <a:lstStyle/>
+            <a:p>
+              <a:pPr algn="ctr"/>
+              <a:endParaRPr lang="en-GB"/>
+            </a:p>
+          </p:txBody>
+        </p:sp>
+      </p:grpSp>
+      <p:sp>
+        <p:nvSpPr>
+          <p:cNvPr id="112" name="Rectangle 111">
+            <a:extLst>
+              <a:ext uri="{FF2B5EF4-FFF2-40B4-BE49-F238E27FC236}">
+                <a16:creationId xmlns:a16="http://schemas.microsoft.com/office/drawing/2014/main" id="{73581C06-6724-1245-AFD0-122B3CFA0381}"/>
+              </a:ext>
+            </a:extLst>
+          </p:cNvPr>
+          <p:cNvSpPr/>
+          <p:nvPr/>
+        </p:nvSpPr>
+        <p:spPr>
+          <a:xfrm rot="5400000">
+            <a:off x="6709579" y="825326"/>
+            <a:ext cx="1219137" cy="220497"/>
+          </a:xfrm>
+          <a:prstGeom prst="rect">
+            <a:avLst/>
+          </a:prstGeom>
+          <a:solidFill>
+            <a:schemeClr val="accent6">
+              <a:lumMod val="60000"/>
+              <a:lumOff val="40000"/>
+            </a:schemeClr>
+          </a:solidFill>
+          <a:ln w="3175">
+            <a:solidFill>
+              <a:schemeClr val="tx1"/>
+            </a:solidFill>
+          </a:ln>
+        </p:spPr>
+        <p:style>
+          <a:lnRef idx="2">
+            <a:schemeClr val="accent1">
+              <a:shade val="50000"/>
+            </a:schemeClr>
+          </a:lnRef>
+          <a:fillRef idx="1">
+            <a:schemeClr val="accent1"/>
+          </a:fillRef>
+          <a:effectRef idx="0">
+            <a:schemeClr val="accent1"/>
+          </a:effectRef>
+          <a:fontRef idx="minor">
+            <a:schemeClr val="lt1"/>
+          </a:fontRef>
+        </p:style>
+        <p:txBody>
+          <a:bodyPr rtlCol="0" anchor="ctr"/>
+          <a:lstStyle/>
+          <a:p>
+            <a:pPr algn="ctr"/>
+            <a:endParaRPr lang="en-GB" dirty="0"/>
+          </a:p>
+        </p:txBody>
+      </p:sp>
+      <p:sp>
+        <p:nvSpPr>
+          <p:cNvPr id="113" name="Rectangle 112">
+            <a:extLst>
+              <a:ext uri="{FF2B5EF4-FFF2-40B4-BE49-F238E27FC236}">
+                <a16:creationId xmlns:a16="http://schemas.microsoft.com/office/drawing/2014/main" id="{E96E18B0-A99D-DC44-9564-FE9452D1C28D}"/>
+              </a:ext>
+            </a:extLst>
+          </p:cNvPr>
+          <p:cNvSpPr/>
+          <p:nvPr/>
+        </p:nvSpPr>
+        <p:spPr>
+          <a:xfrm>
+            <a:off x="7631256" y="88535"/>
+            <a:ext cx="3898135" cy="220497"/>
+          </a:xfrm>
+          <a:prstGeom prst="rect">
+            <a:avLst/>
+          </a:prstGeom>
+          <a:solidFill>
+            <a:schemeClr val="accent6">
+              <a:lumMod val="60000"/>
+              <a:lumOff val="40000"/>
+            </a:schemeClr>
+          </a:solidFill>
+          <a:ln w="3175">
+            <a:solidFill>
+              <a:schemeClr val="tx1"/>
+            </a:solidFill>
+          </a:ln>
+        </p:spPr>
+        <p:style>
+          <a:lnRef idx="2">
+            <a:schemeClr val="accent1">
+              <a:shade val="50000"/>
+            </a:schemeClr>
+          </a:lnRef>
+          <a:fillRef idx="1">
+            <a:schemeClr val="accent1"/>
+          </a:fillRef>
+          <a:effectRef idx="0">
+            <a:schemeClr val="accent1"/>
+          </a:effectRef>
+          <a:fontRef idx="minor">
+            <a:schemeClr val="lt1"/>
+          </a:fontRef>
+        </p:style>
+        <p:txBody>
+          <a:bodyPr rtlCol="0" anchor="ctr"/>
+          <a:lstStyle/>
+          <a:p>
+            <a:pPr algn="ctr"/>
+            <a:endParaRPr lang="en-GB" dirty="0"/>
+          </a:p>
+        </p:txBody>
+      </p:sp>
+      <p:sp>
+        <p:nvSpPr>
+          <p:cNvPr id="114" name="Rectangle 113">
+            <a:extLst>
+              <a:ext uri="{FF2B5EF4-FFF2-40B4-BE49-F238E27FC236}">
+                <a16:creationId xmlns:a16="http://schemas.microsoft.com/office/drawing/2014/main" id="{F339D860-EADB-8C4F-AF23-B748CD73E04D}"/>
+              </a:ext>
+            </a:extLst>
+          </p:cNvPr>
+          <p:cNvSpPr/>
+          <p:nvPr/>
+        </p:nvSpPr>
+        <p:spPr>
+          <a:xfrm rot="5400000">
+            <a:off x="5608273" y="2293806"/>
+            <a:ext cx="1130882" cy="220497"/>
+          </a:xfrm>
+          <a:prstGeom prst="rect">
+            <a:avLst/>
+          </a:prstGeom>
+          <a:solidFill>
+            <a:schemeClr val="accent6">
+              <a:lumMod val="60000"/>
+              <a:lumOff val="40000"/>
+            </a:schemeClr>
+          </a:solidFill>
+          <a:ln w="3175">
+            <a:solidFill>
+              <a:schemeClr val="tx1"/>
+            </a:solidFill>
+          </a:ln>
+        </p:spPr>
+        <p:style>
+          <a:lnRef idx="2">
+            <a:schemeClr val="accent1">
+              <a:shade val="50000"/>
+            </a:schemeClr>
+          </a:lnRef>
+          <a:fillRef idx="1">
+            <a:schemeClr val="accent1"/>
+          </a:fillRef>
+          <a:effectRef idx="0">
+            <a:schemeClr val="accent1"/>
+          </a:effectRef>
+          <a:fontRef idx="minor">
+            <a:schemeClr val="lt1"/>
+          </a:fontRef>
+        </p:style>
+        <p:txBody>
+          <a:bodyPr rtlCol="0" anchor="ctr"/>
+          <a:lstStyle/>
+          <a:p>
+            <a:pPr algn="ctr"/>
+            <a:endParaRPr lang="en-GB" dirty="0"/>
+          </a:p>
+        </p:txBody>
+      </p:sp>
+      <p:sp>
+        <p:nvSpPr>
+          <p:cNvPr id="115" name="Rectangle 114">
+            <a:extLst>
+              <a:ext uri="{FF2B5EF4-FFF2-40B4-BE49-F238E27FC236}">
+                <a16:creationId xmlns:a16="http://schemas.microsoft.com/office/drawing/2014/main" id="{C0EA47F7-3026-6043-96F5-2603A5FB5B6C}"/>
+              </a:ext>
+            </a:extLst>
+          </p:cNvPr>
+          <p:cNvSpPr/>
+          <p:nvPr/>
+        </p:nvSpPr>
+        <p:spPr>
+          <a:xfrm rot="5400000">
+            <a:off x="11281579" y="817375"/>
+            <a:ext cx="1219137" cy="220497"/>
+          </a:xfrm>
+          <a:prstGeom prst="rect">
+            <a:avLst/>
+          </a:prstGeom>
+          <a:solidFill>
+            <a:schemeClr val="accent6">
+              <a:lumMod val="60000"/>
+              <a:lumOff val="40000"/>
+            </a:schemeClr>
+          </a:solidFill>
+          <a:ln w="3175">
+            <a:solidFill>
+              <a:schemeClr val="tx1"/>
+            </a:solidFill>
+          </a:ln>
+        </p:spPr>
+        <p:style>
+          <a:lnRef idx="2">
+            <a:schemeClr val="accent1">
+              <a:shade val="50000"/>
+            </a:schemeClr>
+          </a:lnRef>
+          <a:fillRef idx="1">
+            <a:schemeClr val="accent1"/>
+          </a:fillRef>
+          <a:effectRef idx="0">
+            <a:schemeClr val="accent1"/>
+          </a:effectRef>
+          <a:fontRef idx="minor">
+            <a:schemeClr val="lt1"/>
+          </a:fontRef>
+        </p:style>
+        <p:txBody>
+          <a:bodyPr rtlCol="0" anchor="ctr"/>
+          <a:lstStyle/>
+          <a:p>
+            <a:pPr algn="ctr"/>
+            <a:endParaRPr lang="en-GB" dirty="0"/>
+          </a:p>
+        </p:txBody>
+      </p:sp>
+      <p:sp>
+        <p:nvSpPr>
+          <p:cNvPr id="116" name="Rectangle 115">
+            <a:extLst>
+              <a:ext uri="{FF2B5EF4-FFF2-40B4-BE49-F238E27FC236}">
+                <a16:creationId xmlns:a16="http://schemas.microsoft.com/office/drawing/2014/main" id="{BDF6EDA2-FB94-9240-89E7-238865FC8A5F}"/>
+              </a:ext>
+            </a:extLst>
+          </p:cNvPr>
+          <p:cNvSpPr/>
+          <p:nvPr/>
+        </p:nvSpPr>
+        <p:spPr>
+          <a:xfrm rot="5400000">
+            <a:off x="12101855" y="3837574"/>
+            <a:ext cx="2234317" cy="220497"/>
+          </a:xfrm>
+          <a:prstGeom prst="rect">
+            <a:avLst/>
+          </a:prstGeom>
+          <a:solidFill>
+            <a:schemeClr val="accent6">
+              <a:lumMod val="60000"/>
+              <a:lumOff val="40000"/>
+            </a:schemeClr>
+          </a:solidFill>
+          <a:ln w="3175">
+            <a:solidFill>
+              <a:schemeClr val="tx1"/>
+            </a:solidFill>
+          </a:ln>
+        </p:spPr>
+        <p:style>
+          <a:lnRef idx="2">
+            <a:schemeClr val="accent1">
+              <a:shade val="50000"/>
+            </a:schemeClr>
+          </a:lnRef>
+          <a:fillRef idx="1">
+            <a:schemeClr val="accent1"/>
+          </a:fillRef>
+          <a:effectRef idx="0">
+            <a:schemeClr val="accent1"/>
+          </a:effectRef>
+          <a:fontRef idx="minor">
+            <a:schemeClr val="lt1"/>
+          </a:fontRef>
+        </p:style>
+        <p:txBody>
+          <a:bodyPr rtlCol="0" anchor="ctr"/>
+          <a:lstStyle/>
+          <a:p>
+            <a:pPr algn="ctr"/>
+            <a:endParaRPr lang="en-GB" dirty="0"/>
+          </a:p>
+        </p:txBody>
+      </p:sp>
+      <p:sp>
+        <p:nvSpPr>
+          <p:cNvPr id="118" name="Rectangle 117">
+            <a:extLst>
+              <a:ext uri="{FF2B5EF4-FFF2-40B4-BE49-F238E27FC236}">
+                <a16:creationId xmlns:a16="http://schemas.microsoft.com/office/drawing/2014/main" id="{FA1C8030-8EAF-5F45-8373-B953409D0E46}"/>
+              </a:ext>
+            </a:extLst>
+          </p:cNvPr>
+          <p:cNvSpPr/>
+          <p:nvPr/>
+        </p:nvSpPr>
+        <p:spPr>
+          <a:xfrm>
+            <a:off x="7661003" y="6562023"/>
+            <a:ext cx="3898135" cy="220497"/>
+          </a:xfrm>
+          <a:prstGeom prst="rect">
+            <a:avLst/>
+          </a:prstGeom>
+          <a:solidFill>
+            <a:schemeClr val="accent6">
+              <a:lumMod val="60000"/>
+              <a:lumOff val="40000"/>
+            </a:schemeClr>
+          </a:solidFill>
+          <a:ln w="3175">
+            <a:solidFill>
+              <a:schemeClr val="tx1"/>
+            </a:solidFill>
+          </a:ln>
+        </p:spPr>
+        <p:style>
+          <a:lnRef idx="2">
+            <a:schemeClr val="accent1">
+              <a:shade val="50000"/>
+            </a:schemeClr>
+          </a:lnRef>
+          <a:fillRef idx="1">
+            <a:schemeClr val="accent1"/>
+          </a:fillRef>
+          <a:effectRef idx="0">
+            <a:schemeClr val="accent1"/>
+          </a:effectRef>
+          <a:fontRef idx="minor">
+            <a:schemeClr val="lt1"/>
+          </a:fontRef>
+        </p:style>
+        <p:txBody>
+          <a:bodyPr rtlCol="0" anchor="ctr"/>
+          <a:lstStyle/>
+          <a:p>
+            <a:pPr algn="ctr"/>
+            <a:endParaRPr lang="en-GB" dirty="0"/>
+          </a:p>
+        </p:txBody>
+      </p:sp>
+      <p:sp>
+        <p:nvSpPr>
+          <p:cNvPr id="119" name="Rectangle 118">
+            <a:extLst>
+              <a:ext uri="{FF2B5EF4-FFF2-40B4-BE49-F238E27FC236}">
+                <a16:creationId xmlns:a16="http://schemas.microsoft.com/office/drawing/2014/main" id="{73D8CECC-1064-9845-BEBF-B286E294DB32}"/>
+              </a:ext>
+            </a:extLst>
+          </p:cNvPr>
+          <p:cNvSpPr/>
+          <p:nvPr/>
+        </p:nvSpPr>
+        <p:spPr>
+          <a:xfrm rot="5400000">
+            <a:off x="11304854" y="5799679"/>
+            <a:ext cx="1172580" cy="220497"/>
+          </a:xfrm>
+          <a:prstGeom prst="rect">
+            <a:avLst/>
+          </a:prstGeom>
+          <a:solidFill>
+            <a:schemeClr val="accent6">
+              <a:lumMod val="60000"/>
+              <a:lumOff val="40000"/>
+            </a:schemeClr>
+          </a:solidFill>
+          <a:ln w="3175">
+            <a:solidFill>
+              <a:schemeClr val="tx1"/>
+            </a:solidFill>
+          </a:ln>
+        </p:spPr>
+        <p:style>
+          <a:lnRef idx="2">
+            <a:schemeClr val="accent1">
+              <a:shade val="50000"/>
+            </a:schemeClr>
+          </a:lnRef>
+          <a:fillRef idx="1">
+            <a:schemeClr val="accent1"/>
+          </a:fillRef>
+          <a:effectRef idx="0">
+            <a:schemeClr val="accent1"/>
+          </a:effectRef>
+          <a:fontRef idx="minor">
+            <a:schemeClr val="lt1"/>
+          </a:fontRef>
+        </p:style>
+        <p:txBody>
+          <a:bodyPr rtlCol="0" anchor="ctr"/>
+          <a:lstStyle/>
+          <a:p>
+            <a:pPr algn="ctr"/>
+            <a:endParaRPr lang="en-GB" dirty="0"/>
+          </a:p>
+        </p:txBody>
+      </p:sp>
+      <p:sp>
+        <p:nvSpPr>
+          <p:cNvPr id="120" name="Rectangle 119">
+            <a:extLst>
+              <a:ext uri="{FF2B5EF4-FFF2-40B4-BE49-F238E27FC236}">
+                <a16:creationId xmlns:a16="http://schemas.microsoft.com/office/drawing/2014/main" id="{FECB6017-F565-144B-9337-55C79B9D28D5}"/>
+              </a:ext>
+            </a:extLst>
+          </p:cNvPr>
+          <p:cNvSpPr/>
+          <p:nvPr/>
+        </p:nvSpPr>
+        <p:spPr>
+          <a:xfrm rot="5400000">
+            <a:off x="6740805" y="5791727"/>
+            <a:ext cx="1172580" cy="220497"/>
+          </a:xfrm>
+          <a:prstGeom prst="rect">
+            <a:avLst/>
+          </a:prstGeom>
+          <a:solidFill>
+            <a:schemeClr val="accent6">
+              <a:lumMod val="60000"/>
+              <a:lumOff val="40000"/>
+            </a:schemeClr>
+          </a:solidFill>
+          <a:ln w="3175">
+            <a:solidFill>
+              <a:schemeClr val="tx1"/>
+            </a:solidFill>
+          </a:ln>
+        </p:spPr>
+        <p:style>
+          <a:lnRef idx="2">
+            <a:schemeClr val="accent1">
+              <a:shade val="50000"/>
+            </a:schemeClr>
+          </a:lnRef>
+          <a:fillRef idx="1">
+            <a:schemeClr val="accent1"/>
+          </a:fillRef>
+          <a:effectRef idx="0">
+            <a:schemeClr val="accent1"/>
+          </a:effectRef>
+          <a:fontRef idx="minor">
+            <a:schemeClr val="lt1"/>
+          </a:fontRef>
+        </p:style>
+        <p:txBody>
+          <a:bodyPr rtlCol="0" anchor="ctr"/>
+          <a:lstStyle/>
+          <a:p>
+            <a:pPr algn="ctr"/>
+            <a:endParaRPr lang="en-GB" dirty="0"/>
+          </a:p>
+        </p:txBody>
+      </p:sp>
+    </p:spTree>
+    <p:extLst>
+      <p:ext uri="{BB962C8B-B14F-4D97-AF65-F5344CB8AC3E}">
+        <p14:creationId xmlns:p14="http://schemas.microsoft.com/office/powerpoint/2010/main" val="236771519"/>
+      </p:ext>
+    </p:extLst>
+  </p:cSld>
+  <p:clrMapOvr>
+    <a:masterClrMapping/>
+  </p:clrMapOvr>
+</p:sld>
+</file>
+
+<file path=ppt/slides/slide4.xml><?xml version="1.0" encoding="utf-8"?>
+<p:sld xmlns:a="http://schemas.openxmlformats.org/drawingml/2006/main" xmlns:r="http://schemas.openxmlformats.org/officeDocument/2006/relationships" xmlns:p="http://schemas.openxmlformats.org/presentationml/2006/main">
+  <p:cSld>
+    <p:spTree>
+      <p:nvGrpSpPr>
+        <p:cNvPr id="1" name=""/>
+        <p:cNvGrpSpPr/>
+        <p:nvPr/>
+      </p:nvGrpSpPr>
+      <p:grpSpPr>
+        <a:xfrm>
+          <a:off x="0" y="0"/>
+          <a:ext cx="0" cy="0"/>
+          <a:chOff x="0" y="0"/>
+          <a:chExt cx="0" cy="0"/>
+        </a:xfrm>
+      </p:grpSpPr>
+      <p:sp>
+        <p:nvSpPr>
+          <p:cNvPr id="4" name="Rectangle 3">
+            <a:extLst>
+              <a:ext uri="{FF2B5EF4-FFF2-40B4-BE49-F238E27FC236}">
+                <a16:creationId xmlns:a16="http://schemas.microsoft.com/office/drawing/2014/main" id="{09D82166-DC02-A44B-9977-363DB8DB67D3}"/>
+              </a:ext>
+            </a:extLst>
+          </p:cNvPr>
+          <p:cNvSpPr/>
+          <p:nvPr/>
+        </p:nvSpPr>
+        <p:spPr>
+          <a:xfrm>
+            <a:off x="1507926" y="2976579"/>
+            <a:ext cx="6732899" cy="904843"/>
+          </a:xfrm>
+          <a:prstGeom prst="rect">
+            <a:avLst/>
+          </a:prstGeom>
+          <a:solidFill>
+            <a:schemeClr val="bg2">
+              <a:lumMod val="90000"/>
+            </a:schemeClr>
+          </a:solidFill>
+          <a:ln>
+            <a:solidFill>
+              <a:schemeClr val="tx1"/>
+            </a:solidFill>
+          </a:ln>
+        </p:spPr>
+        <p:style>
+          <a:lnRef idx="2">
+            <a:schemeClr val="accent1">
+              <a:shade val="50000"/>
+            </a:schemeClr>
+          </a:lnRef>
+          <a:fillRef idx="1">
+            <a:schemeClr val="accent1"/>
+          </a:fillRef>
+          <a:effectRef idx="0">
+            <a:schemeClr val="accent1"/>
+          </a:effectRef>
+          <a:fontRef idx="minor">
+            <a:schemeClr val="lt1"/>
+          </a:fontRef>
+        </p:style>
+        <p:txBody>
+          <a:bodyPr rtlCol="0" anchor="ctr"/>
+          <a:lstStyle/>
+          <a:p>
+            <a:pPr algn="ctr"/>
+            <a:endParaRPr lang="en-GB" sz="5953"/>
+          </a:p>
+        </p:txBody>
+      </p:sp>
+      <p:sp>
+        <p:nvSpPr>
+          <p:cNvPr id="5" name="Rectangle 4">
+            <a:extLst>
+              <a:ext uri="{FF2B5EF4-FFF2-40B4-BE49-F238E27FC236}">
+                <a16:creationId xmlns:a16="http://schemas.microsoft.com/office/drawing/2014/main" id="{FDA5EC09-2C19-7147-B1D5-647143FCF7E4}"/>
+              </a:ext>
+            </a:extLst>
+          </p:cNvPr>
+          <p:cNvSpPr/>
+          <p:nvPr/>
+        </p:nvSpPr>
+        <p:spPr>
+          <a:xfrm>
+            <a:off x="7205200" y="1548685"/>
+            <a:ext cx="4809748" cy="3760631"/>
+          </a:xfrm>
+          <a:prstGeom prst="rect">
+            <a:avLst/>
+          </a:prstGeom>
+          <a:solidFill>
+            <a:schemeClr val="bg2">
+              <a:lumMod val="90000"/>
+            </a:schemeClr>
+          </a:solidFill>
+          <a:ln w="19050">
+            <a:solidFill>
+              <a:schemeClr val="tx1"/>
+            </a:solidFill>
+          </a:ln>
+        </p:spPr>
+        <p:style>
+          <a:lnRef idx="2">
+            <a:schemeClr val="accent1">
+              <a:shade val="50000"/>
+            </a:schemeClr>
+          </a:lnRef>
+          <a:fillRef idx="1">
+            <a:schemeClr val="accent1"/>
+          </a:fillRef>
+          <a:effectRef idx="0">
+            <a:schemeClr val="accent1"/>
+          </a:effectRef>
+          <a:fontRef idx="minor">
+            <a:schemeClr val="lt1"/>
+          </a:fontRef>
+        </p:style>
+        <p:txBody>
+          <a:bodyPr rtlCol="0" anchor="ctr"/>
+          <a:lstStyle/>
+          <a:p>
+            <a:pPr algn="ctr"/>
+            <a:endParaRPr lang="en-GB" sz="5953"/>
+          </a:p>
+        </p:txBody>
+      </p:sp>
+      <p:sp>
+        <p:nvSpPr>
+          <p:cNvPr id="10" name="Round Same-side Corner of Rectangle 9">
+            <a:extLst>
+              <a:ext uri="{FF2B5EF4-FFF2-40B4-BE49-F238E27FC236}">
+                <a16:creationId xmlns:a16="http://schemas.microsoft.com/office/drawing/2014/main" id="{BD5DA999-337C-6A4B-8AC9-278A9380A6EF}"/>
+              </a:ext>
+            </a:extLst>
+          </p:cNvPr>
+          <p:cNvSpPr/>
+          <p:nvPr/>
+        </p:nvSpPr>
+        <p:spPr>
+          <a:xfrm>
+            <a:off x="2522257" y="1548686"/>
+            <a:ext cx="2146852" cy="1427893"/>
+          </a:xfrm>
+          <a:prstGeom prst="round2SameRect">
+            <a:avLst/>
+          </a:prstGeom>
+          <a:solidFill>
+            <a:schemeClr val="accent1">
+              <a:lumMod val="60000"/>
+              <a:lumOff val="40000"/>
+            </a:schemeClr>
+          </a:solidFill>
+          <a:ln w="19050">
+            <a:solidFill>
+              <a:schemeClr val="tx1"/>
+            </a:solidFill>
+          </a:ln>
+        </p:spPr>
+        <p:style>
+          <a:lnRef idx="2">
+            <a:schemeClr val="accent1">
+              <a:shade val="50000"/>
+            </a:schemeClr>
+          </a:lnRef>
+          <a:fillRef idx="1">
+            <a:schemeClr val="accent1"/>
+          </a:fillRef>
+          <a:effectRef idx="0">
+            <a:schemeClr val="accent1"/>
+          </a:effectRef>
+          <a:fontRef idx="minor">
+            <a:schemeClr val="lt1"/>
+          </a:fontRef>
+        </p:style>
+        <p:txBody>
+          <a:bodyPr rtlCol="0" anchor="ctr"/>
+          <a:lstStyle/>
+          <a:p>
+            <a:pPr algn="ctr"/>
+            <a:endParaRPr lang="en-GB" sz="5953"/>
+          </a:p>
+        </p:txBody>
+      </p:sp>
+      <p:sp>
+        <p:nvSpPr>
+          <p:cNvPr id="11" name="Round Same-side Corner of Rectangle 10">
+            <a:extLst>
+              <a:ext uri="{FF2B5EF4-FFF2-40B4-BE49-F238E27FC236}">
+                <a16:creationId xmlns:a16="http://schemas.microsoft.com/office/drawing/2014/main" id="{879FECEE-6BE6-D345-9D43-92271BD6080A}"/>
+              </a:ext>
+            </a:extLst>
+          </p:cNvPr>
+          <p:cNvSpPr/>
+          <p:nvPr/>
+        </p:nvSpPr>
+        <p:spPr>
+          <a:xfrm rot="10800000">
+            <a:off x="2522257" y="3881422"/>
+            <a:ext cx="2146852" cy="1427893"/>
+          </a:xfrm>
+          <a:prstGeom prst="round2SameRect">
+            <a:avLst/>
+          </a:prstGeom>
+          <a:solidFill>
+            <a:schemeClr val="accent1">
+              <a:lumMod val="60000"/>
+              <a:lumOff val="40000"/>
+            </a:schemeClr>
+          </a:solidFill>
+          <a:ln w="19050">
+            <a:solidFill>
+              <a:schemeClr val="tx1"/>
+            </a:solidFill>
+          </a:ln>
+        </p:spPr>
+        <p:style>
+          <a:lnRef idx="2">
+            <a:schemeClr val="accent1">
+              <a:shade val="50000"/>
+            </a:schemeClr>
+          </a:lnRef>
+          <a:fillRef idx="1">
+            <a:schemeClr val="accent1"/>
+          </a:fillRef>
+          <a:effectRef idx="0">
+            <a:schemeClr val="accent1"/>
+          </a:effectRef>
+          <a:fontRef idx="minor">
+            <a:schemeClr val="lt1"/>
+          </a:fontRef>
+        </p:style>
+        <p:txBody>
+          <a:bodyPr rtlCol="0" anchor="ctr"/>
+          <a:lstStyle/>
+          <a:p>
+            <a:pPr algn="ctr"/>
+            <a:endParaRPr lang="en-GB" sz="5953"/>
+          </a:p>
+        </p:txBody>
+      </p:sp>
+      <p:sp>
+        <p:nvSpPr>
+          <p:cNvPr id="12" name="Round Single Corner of Rectangle 11">
+            <a:extLst>
+              <a:ext uri="{FF2B5EF4-FFF2-40B4-BE49-F238E27FC236}">
+                <a16:creationId xmlns:a16="http://schemas.microsoft.com/office/drawing/2014/main" id="{65282325-3419-084B-8A61-83F3C3BCEBEC}"/>
+              </a:ext>
+            </a:extLst>
+          </p:cNvPr>
+          <p:cNvSpPr/>
+          <p:nvPr/>
+        </p:nvSpPr>
+        <p:spPr>
+          <a:xfrm rot="16200000">
+            <a:off x="5922322" y="1693698"/>
+            <a:ext cx="1427893" cy="1137867"/>
+          </a:xfrm>
+          <a:prstGeom prst="round1Rect">
+            <a:avLst/>
+          </a:prstGeom>
+          <a:solidFill>
+            <a:schemeClr val="accent1">
+              <a:lumMod val="60000"/>
+              <a:lumOff val="40000"/>
+            </a:schemeClr>
+          </a:solidFill>
+          <a:ln w="19050">
+            <a:solidFill>
+              <a:schemeClr val="tx1"/>
+            </a:solidFill>
+          </a:ln>
+        </p:spPr>
+        <p:style>
+          <a:lnRef idx="2">
+            <a:schemeClr val="accent1">
+              <a:shade val="50000"/>
+            </a:schemeClr>
+          </a:lnRef>
+          <a:fillRef idx="1">
+            <a:schemeClr val="accent1"/>
+          </a:fillRef>
+          <a:effectRef idx="0">
+            <a:schemeClr val="accent1"/>
+          </a:effectRef>
+          <a:fontRef idx="minor">
+            <a:schemeClr val="lt1"/>
+          </a:fontRef>
+        </p:style>
+        <p:txBody>
+          <a:bodyPr rtlCol="0" anchor="ctr"/>
+          <a:lstStyle/>
+          <a:p>
+            <a:pPr algn="ctr"/>
+            <a:endParaRPr lang="en-GB" sz="5953"/>
+          </a:p>
+        </p:txBody>
+      </p:sp>
+      <p:sp>
+        <p:nvSpPr>
+          <p:cNvPr id="13" name="Round Same-side Corner of Rectangle 12">
+            <a:extLst>
+              <a:ext uri="{FF2B5EF4-FFF2-40B4-BE49-F238E27FC236}">
+                <a16:creationId xmlns:a16="http://schemas.microsoft.com/office/drawing/2014/main" id="{184CCEAD-EF81-9A40-B397-C0C3BEDB8751}"/>
+              </a:ext>
+            </a:extLst>
+          </p:cNvPr>
+          <p:cNvSpPr/>
+          <p:nvPr/>
+        </p:nvSpPr>
+        <p:spPr>
+          <a:xfrm>
+            <a:off x="7205200" y="71250"/>
+            <a:ext cx="4809748" cy="1476000"/>
+          </a:xfrm>
+          <a:prstGeom prst="round2SameRect">
+            <a:avLst/>
+          </a:prstGeom>
+          <a:solidFill>
+            <a:schemeClr val="accent1">
+              <a:lumMod val="60000"/>
+              <a:lumOff val="40000"/>
+            </a:schemeClr>
+          </a:solidFill>
+          <a:ln w="19050">
+            <a:solidFill>
+              <a:schemeClr val="tx1"/>
+            </a:solidFill>
+          </a:ln>
+        </p:spPr>
+        <p:style>
+          <a:lnRef idx="2">
+            <a:schemeClr val="accent1">
+              <a:shade val="50000"/>
+            </a:schemeClr>
+          </a:lnRef>
+          <a:fillRef idx="1">
+            <a:schemeClr val="accent1"/>
+          </a:fillRef>
+          <a:effectRef idx="0">
+            <a:schemeClr val="accent1"/>
+          </a:effectRef>
+          <a:fontRef idx="minor">
+            <a:schemeClr val="lt1"/>
+          </a:fontRef>
+        </p:style>
+        <p:txBody>
+          <a:bodyPr rtlCol="0" anchor="ctr"/>
+          <a:lstStyle/>
+          <a:p>
+            <a:pPr algn="ctr"/>
+            <a:endParaRPr lang="en-GB" sz="5953"/>
+          </a:p>
+        </p:txBody>
+      </p:sp>
+      <p:sp>
+        <p:nvSpPr>
+          <p:cNvPr id="14" name="Round Same-side Corner of Rectangle 13">
+            <a:extLst>
+              <a:ext uri="{FF2B5EF4-FFF2-40B4-BE49-F238E27FC236}">
+                <a16:creationId xmlns:a16="http://schemas.microsoft.com/office/drawing/2014/main" id="{349ED258-9DCC-7243-B9AA-A981F811D6F7}"/>
+              </a:ext>
+            </a:extLst>
+          </p:cNvPr>
+          <p:cNvSpPr/>
+          <p:nvPr/>
+        </p:nvSpPr>
+        <p:spPr>
+          <a:xfrm rot="5400000">
+            <a:off x="11326441" y="3286825"/>
+            <a:ext cx="2710800" cy="1332000"/>
+          </a:xfrm>
+          <a:prstGeom prst="round2SameRect">
+            <a:avLst/>
+          </a:prstGeom>
+          <a:solidFill>
+            <a:schemeClr val="accent1">
+              <a:lumMod val="60000"/>
+              <a:lumOff val="40000"/>
+            </a:schemeClr>
+          </a:solidFill>
+          <a:ln w="19050">
+            <a:solidFill>
+              <a:schemeClr val="tx1"/>
+            </a:solidFill>
+          </a:ln>
+        </p:spPr>
+        <p:style>
+          <a:lnRef idx="2">
+            <a:schemeClr val="accent1">
+              <a:shade val="50000"/>
+            </a:schemeClr>
+          </a:lnRef>
+          <a:fillRef idx="1">
+            <a:schemeClr val="accent1"/>
+          </a:fillRef>
+          <a:effectRef idx="0">
+            <a:schemeClr val="accent1"/>
+          </a:effectRef>
+          <a:fontRef idx="minor">
+            <a:schemeClr val="lt1"/>
+          </a:fontRef>
+        </p:style>
+        <p:txBody>
+          <a:bodyPr rtlCol="0" anchor="ctr"/>
+          <a:lstStyle/>
+          <a:p>
+            <a:pPr algn="ctr"/>
+            <a:endParaRPr lang="en-GB" sz="5953"/>
+          </a:p>
+        </p:txBody>
+      </p:sp>
+      <p:sp>
+        <p:nvSpPr>
+          <p:cNvPr id="15" name="Round Same-side Corner of Rectangle 14">
+            <a:extLst>
+              <a:ext uri="{FF2B5EF4-FFF2-40B4-BE49-F238E27FC236}">
+                <a16:creationId xmlns:a16="http://schemas.microsoft.com/office/drawing/2014/main" id="{41B74938-826F-DB4B-8DCD-336CFD4B558E}"/>
+              </a:ext>
+            </a:extLst>
+          </p:cNvPr>
+          <p:cNvSpPr/>
+          <p:nvPr/>
+        </p:nvSpPr>
+        <p:spPr>
+          <a:xfrm rot="10800000">
+            <a:off x="7205198" y="5310748"/>
+            <a:ext cx="4809747" cy="1476000"/>
+          </a:xfrm>
+          <a:prstGeom prst="round2SameRect">
+            <a:avLst/>
+          </a:prstGeom>
+          <a:solidFill>
+            <a:schemeClr val="accent1">
+              <a:lumMod val="60000"/>
+              <a:lumOff val="40000"/>
+            </a:schemeClr>
+          </a:solidFill>
+          <a:ln w="19050">
+            <a:solidFill>
+              <a:schemeClr val="tx1"/>
+            </a:solidFill>
+          </a:ln>
+        </p:spPr>
+        <p:style>
+          <a:lnRef idx="2">
+            <a:schemeClr val="accent1">
+              <a:shade val="50000"/>
+            </a:schemeClr>
+          </a:lnRef>
+          <a:fillRef idx="1">
+            <a:schemeClr val="accent1"/>
+          </a:fillRef>
+          <a:effectRef idx="0">
+            <a:schemeClr val="accent1"/>
+          </a:effectRef>
+          <a:fontRef idx="minor">
+            <a:schemeClr val="lt1"/>
+          </a:fontRef>
+        </p:style>
+        <p:txBody>
+          <a:bodyPr rtlCol="0" anchor="ctr"/>
+          <a:lstStyle/>
+          <a:p>
+            <a:pPr algn="ctr"/>
+            <a:endParaRPr lang="en-GB" sz="5953"/>
+          </a:p>
+        </p:txBody>
+      </p:sp>
+      <p:sp>
+        <p:nvSpPr>
+          <p:cNvPr id="34" name="Round Same-side Corner of Rectangle 33">
+            <a:extLst>
+              <a:ext uri="{FF2B5EF4-FFF2-40B4-BE49-F238E27FC236}">
+                <a16:creationId xmlns:a16="http://schemas.microsoft.com/office/drawing/2014/main" id="{403161E5-8BC9-6148-9452-4F8203E4BD3F}"/>
+              </a:ext>
+            </a:extLst>
+          </p:cNvPr>
+          <p:cNvSpPr/>
+          <p:nvPr/>
+        </p:nvSpPr>
+        <p:spPr>
+          <a:xfrm rot="16200000">
+            <a:off x="1272268" y="3389489"/>
+            <a:ext cx="406400" cy="79021"/>
+          </a:xfrm>
+          <a:prstGeom prst="round2SameRect">
+            <a:avLst>
+              <a:gd name="adj1" fmla="val 50000"/>
+              <a:gd name="adj2" fmla="val 0"/>
+            </a:avLst>
+          </a:prstGeom>
+          <a:solidFill>
+            <a:schemeClr val="tx1"/>
+          </a:solidFill>
+          <a:ln>
+            <a:noFill/>
+          </a:ln>
+        </p:spPr>
+        <p:style>
+          <a:lnRef idx="2">
+            <a:schemeClr val="accent1">
+              <a:shade val="50000"/>
+            </a:schemeClr>
+          </a:lnRef>
+          <a:fillRef idx="1">
+            <a:schemeClr val="accent1"/>
+          </a:fillRef>
+          <a:effectRef idx="0">
+            <a:schemeClr val="accent1"/>
+          </a:effectRef>
+          <a:fontRef idx="minor">
+            <a:schemeClr val="lt1"/>
+          </a:fontRef>
+        </p:style>
+        <p:txBody>
+          <a:bodyPr rtlCol="0" anchor="ctr"/>
+          <a:lstStyle/>
+          <a:p>
+            <a:pPr algn="ctr"/>
+            <a:endParaRPr lang="en-GB" sz="5953"/>
+          </a:p>
+        </p:txBody>
+      </p:sp>
+      <p:sp>
+        <p:nvSpPr>
+          <p:cNvPr id="35" name="Round Same-side Corner of Rectangle 34">
+            <a:extLst>
+              <a:ext uri="{FF2B5EF4-FFF2-40B4-BE49-F238E27FC236}">
+                <a16:creationId xmlns:a16="http://schemas.microsoft.com/office/drawing/2014/main" id="{C5B579BB-BE3A-F94B-BD80-93695D8496E3}"/>
+              </a:ext>
+            </a:extLst>
+          </p:cNvPr>
+          <p:cNvSpPr/>
+          <p:nvPr/>
+        </p:nvSpPr>
+        <p:spPr>
+          <a:xfrm rot="10800000">
+            <a:off x="3392482" y="2976578"/>
+            <a:ext cx="406400" cy="79021"/>
+          </a:xfrm>
+          <a:prstGeom prst="round2SameRect">
+            <a:avLst>
+              <a:gd name="adj1" fmla="val 50000"/>
+              <a:gd name="adj2" fmla="val 0"/>
+            </a:avLst>
+          </a:prstGeom>
+          <a:solidFill>
+            <a:schemeClr val="tx1">
+              <a:lumMod val="65000"/>
+              <a:lumOff val="35000"/>
+            </a:schemeClr>
+          </a:solidFill>
+          <a:ln>
+            <a:noFill/>
+          </a:ln>
+        </p:spPr>
+        <p:style>
+          <a:lnRef idx="2">
+            <a:schemeClr val="accent1">
+              <a:shade val="50000"/>
+            </a:schemeClr>
+          </a:lnRef>
+          <a:fillRef idx="1">
+            <a:schemeClr val="accent1"/>
+          </a:fillRef>
+          <a:effectRef idx="0">
+            <a:schemeClr val="accent1"/>
+          </a:effectRef>
+          <a:fontRef idx="minor">
+            <a:schemeClr val="lt1"/>
+          </a:fontRef>
+        </p:style>
+        <p:txBody>
+          <a:bodyPr rtlCol="0" anchor="ctr"/>
+          <a:lstStyle/>
+          <a:p>
+            <a:pPr algn="ctr"/>
+            <a:endParaRPr lang="en-GB" sz="5953"/>
+          </a:p>
+        </p:txBody>
+      </p:sp>
+      <p:sp>
+        <p:nvSpPr>
+          <p:cNvPr id="36" name="Round Same-side Corner of Rectangle 35">
+            <a:extLst>
+              <a:ext uri="{FF2B5EF4-FFF2-40B4-BE49-F238E27FC236}">
+                <a16:creationId xmlns:a16="http://schemas.microsoft.com/office/drawing/2014/main" id="{9420DDCB-F257-6949-B58E-5E91FFBEDE71}"/>
+              </a:ext>
+            </a:extLst>
+          </p:cNvPr>
+          <p:cNvSpPr/>
+          <p:nvPr/>
+        </p:nvSpPr>
+        <p:spPr>
+          <a:xfrm>
+            <a:off x="3392482" y="3802401"/>
+            <a:ext cx="406400" cy="79021"/>
+          </a:xfrm>
+          <a:prstGeom prst="round2SameRect">
+            <a:avLst>
+              <a:gd name="adj1" fmla="val 50000"/>
+              <a:gd name="adj2" fmla="val 0"/>
+            </a:avLst>
+          </a:prstGeom>
+          <a:solidFill>
+            <a:schemeClr val="tx1">
+              <a:lumMod val="65000"/>
+              <a:lumOff val="35000"/>
+            </a:schemeClr>
+          </a:solidFill>
+          <a:ln>
+            <a:noFill/>
+          </a:ln>
+        </p:spPr>
+        <p:style>
+          <a:lnRef idx="2">
+            <a:schemeClr val="accent1">
+              <a:shade val="50000"/>
+            </a:schemeClr>
+          </a:lnRef>
+          <a:fillRef idx="1">
+            <a:schemeClr val="accent1"/>
+          </a:fillRef>
+          <a:effectRef idx="0">
+            <a:schemeClr val="accent1"/>
+          </a:effectRef>
+          <a:fontRef idx="minor">
+            <a:schemeClr val="lt1"/>
+          </a:fontRef>
+        </p:style>
+        <p:txBody>
+          <a:bodyPr rtlCol="0" anchor="ctr"/>
+          <a:lstStyle/>
+          <a:p>
+            <a:pPr algn="ctr"/>
+            <a:endParaRPr lang="en-GB" sz="5953"/>
+          </a:p>
+        </p:txBody>
+      </p:sp>
+      <p:sp>
+        <p:nvSpPr>
+          <p:cNvPr id="37" name="Round Same-side Corner of Rectangle 36">
+            <a:extLst>
+              <a:ext uri="{FF2B5EF4-FFF2-40B4-BE49-F238E27FC236}">
+                <a16:creationId xmlns:a16="http://schemas.microsoft.com/office/drawing/2014/main" id="{B4D2E83C-7E4E-DB4D-9232-F5290A58F407}"/>
+              </a:ext>
+            </a:extLst>
+          </p:cNvPr>
+          <p:cNvSpPr/>
+          <p:nvPr/>
+        </p:nvSpPr>
+        <p:spPr>
+          <a:xfrm rot="5400000">
+            <a:off x="7041510" y="2223120"/>
+            <a:ext cx="406400" cy="79021"/>
+          </a:xfrm>
+          <a:prstGeom prst="round2SameRect">
+            <a:avLst>
+              <a:gd name="adj1" fmla="val 50000"/>
+              <a:gd name="adj2" fmla="val 0"/>
+            </a:avLst>
+          </a:prstGeom>
+          <a:solidFill>
+            <a:schemeClr val="tx1">
+              <a:lumMod val="65000"/>
+              <a:lumOff val="35000"/>
+            </a:schemeClr>
+          </a:solidFill>
+          <a:ln>
+            <a:noFill/>
+          </a:ln>
+        </p:spPr>
+        <p:style>
+          <a:lnRef idx="2">
+            <a:schemeClr val="accent1">
+              <a:shade val="50000"/>
+            </a:schemeClr>
+          </a:lnRef>
+          <a:fillRef idx="1">
+            <a:schemeClr val="accent1"/>
+          </a:fillRef>
+          <a:effectRef idx="0">
+            <a:schemeClr val="accent1"/>
+          </a:effectRef>
+          <a:fontRef idx="minor">
+            <a:schemeClr val="lt1"/>
+          </a:fontRef>
+        </p:style>
+        <p:txBody>
+          <a:bodyPr rtlCol="0" anchor="ctr"/>
+          <a:lstStyle/>
+          <a:p>
+            <a:pPr algn="ctr"/>
+            <a:endParaRPr lang="en-GB" sz="5953"/>
+          </a:p>
+        </p:txBody>
+      </p:sp>
+      <p:sp>
+        <p:nvSpPr>
+          <p:cNvPr id="38" name="Round Same-side Corner of Rectangle 37">
+            <a:extLst>
+              <a:ext uri="{FF2B5EF4-FFF2-40B4-BE49-F238E27FC236}">
+                <a16:creationId xmlns:a16="http://schemas.microsoft.com/office/drawing/2014/main" id="{607CE0F3-B5D0-704B-A120-DA55E9EF8BDD}"/>
+              </a:ext>
+            </a:extLst>
+          </p:cNvPr>
+          <p:cNvSpPr/>
+          <p:nvPr/>
+        </p:nvSpPr>
+        <p:spPr>
+          <a:xfrm rot="10800000">
+            <a:off x="9406872" y="1548684"/>
+            <a:ext cx="406400" cy="79021"/>
+          </a:xfrm>
+          <a:prstGeom prst="round2SameRect">
+            <a:avLst>
+              <a:gd name="adj1" fmla="val 50000"/>
+              <a:gd name="adj2" fmla="val 0"/>
+            </a:avLst>
+          </a:prstGeom>
+          <a:solidFill>
+            <a:schemeClr val="tx1">
+              <a:lumMod val="65000"/>
+              <a:lumOff val="35000"/>
+            </a:schemeClr>
+          </a:solidFill>
+          <a:ln>
+            <a:noFill/>
+          </a:ln>
+        </p:spPr>
+        <p:style>
+          <a:lnRef idx="2">
+            <a:schemeClr val="accent1">
+              <a:shade val="50000"/>
+            </a:schemeClr>
+          </a:lnRef>
+          <a:fillRef idx="1">
+            <a:schemeClr val="accent1"/>
+          </a:fillRef>
+          <a:effectRef idx="0">
+            <a:schemeClr val="accent1"/>
+          </a:effectRef>
+          <a:fontRef idx="minor">
+            <a:schemeClr val="lt1"/>
+          </a:fontRef>
+        </p:style>
+        <p:txBody>
+          <a:bodyPr rtlCol="0" anchor="ctr"/>
+          <a:lstStyle/>
+          <a:p>
+            <a:pPr algn="ctr"/>
+            <a:endParaRPr lang="en-GB" sz="5953"/>
+          </a:p>
+        </p:txBody>
+      </p:sp>
+      <p:sp>
+        <p:nvSpPr>
+          <p:cNvPr id="39" name="Round Same-side Corner of Rectangle 38">
+            <a:extLst>
+              <a:ext uri="{FF2B5EF4-FFF2-40B4-BE49-F238E27FC236}">
+                <a16:creationId xmlns:a16="http://schemas.microsoft.com/office/drawing/2014/main" id="{4B8F9B0A-B02F-9B43-85A9-0A8DDC898CC0}"/>
+              </a:ext>
+            </a:extLst>
+          </p:cNvPr>
+          <p:cNvSpPr/>
+          <p:nvPr/>
+        </p:nvSpPr>
+        <p:spPr>
+          <a:xfrm rot="16200000">
+            <a:off x="11772238" y="3913858"/>
+            <a:ext cx="406400" cy="79021"/>
+          </a:xfrm>
+          <a:prstGeom prst="round2SameRect">
+            <a:avLst>
+              <a:gd name="adj1" fmla="val 50000"/>
+              <a:gd name="adj2" fmla="val 0"/>
+            </a:avLst>
+          </a:prstGeom>
+          <a:solidFill>
+            <a:schemeClr val="tx1">
+              <a:lumMod val="65000"/>
+              <a:lumOff val="35000"/>
+            </a:schemeClr>
+          </a:solidFill>
+          <a:ln>
+            <a:noFill/>
+          </a:ln>
+        </p:spPr>
+        <p:style>
+          <a:lnRef idx="2">
+            <a:schemeClr val="accent1">
+              <a:shade val="50000"/>
+            </a:schemeClr>
+          </a:lnRef>
+          <a:fillRef idx="1">
+            <a:schemeClr val="accent1"/>
+          </a:fillRef>
+          <a:effectRef idx="0">
+            <a:schemeClr val="accent1"/>
+          </a:effectRef>
+          <a:fontRef idx="minor">
+            <a:schemeClr val="lt1"/>
+          </a:fontRef>
+        </p:style>
+        <p:txBody>
+          <a:bodyPr rtlCol="0" anchor="ctr"/>
+          <a:lstStyle/>
+          <a:p>
+            <a:pPr algn="ctr"/>
+            <a:endParaRPr lang="en-GB" sz="5953"/>
+          </a:p>
+        </p:txBody>
+      </p:sp>
+      <p:sp>
+        <p:nvSpPr>
+          <p:cNvPr id="40" name="Round Same-side Corner of Rectangle 39">
+            <a:extLst>
+              <a:ext uri="{FF2B5EF4-FFF2-40B4-BE49-F238E27FC236}">
+                <a16:creationId xmlns:a16="http://schemas.microsoft.com/office/drawing/2014/main" id="{68F89FF6-5D9F-F446-9B0D-BDC26C0FD8BE}"/>
+              </a:ext>
+            </a:extLst>
+          </p:cNvPr>
+          <p:cNvSpPr/>
+          <p:nvPr/>
+        </p:nvSpPr>
+        <p:spPr>
+          <a:xfrm>
+            <a:off x="9406872" y="5230292"/>
+            <a:ext cx="406400" cy="79021"/>
+          </a:xfrm>
+          <a:prstGeom prst="round2SameRect">
+            <a:avLst>
+              <a:gd name="adj1" fmla="val 50000"/>
+              <a:gd name="adj2" fmla="val 0"/>
+            </a:avLst>
+          </a:prstGeom>
+          <a:solidFill>
+            <a:schemeClr val="tx1">
+              <a:lumMod val="65000"/>
+              <a:lumOff val="35000"/>
+            </a:schemeClr>
+          </a:solidFill>
+          <a:ln>
+            <a:noFill/>
+          </a:ln>
+        </p:spPr>
+        <p:style>
+          <a:lnRef idx="2">
+            <a:schemeClr val="accent1">
+              <a:shade val="50000"/>
+            </a:schemeClr>
+          </a:lnRef>
+          <a:fillRef idx="1">
+            <a:schemeClr val="accent1"/>
+          </a:fillRef>
+          <a:effectRef idx="0">
+            <a:schemeClr val="accent1"/>
+          </a:effectRef>
+          <a:fontRef idx="minor">
+            <a:schemeClr val="lt1"/>
+          </a:fontRef>
+        </p:style>
+        <p:txBody>
+          <a:bodyPr rtlCol="0" anchor="ctr"/>
+          <a:lstStyle/>
+          <a:p>
+            <a:pPr algn="ctr"/>
+            <a:endParaRPr lang="en-GB" sz="5953"/>
+          </a:p>
+        </p:txBody>
+      </p:sp>
+      <p:sp>
+        <p:nvSpPr>
+          <p:cNvPr id="41" name="Rectangle 40">
+            <a:extLst>
+              <a:ext uri="{FF2B5EF4-FFF2-40B4-BE49-F238E27FC236}">
+                <a16:creationId xmlns:a16="http://schemas.microsoft.com/office/drawing/2014/main" id="{00CBAB00-45E3-084C-BEC1-3FEC4B05869B}"/>
+              </a:ext>
+            </a:extLst>
+          </p:cNvPr>
+          <p:cNvSpPr/>
+          <p:nvPr/>
+        </p:nvSpPr>
+        <p:spPr>
+          <a:xfrm>
+            <a:off x="7046001" y="2997200"/>
+            <a:ext cx="273147" cy="863600"/>
+          </a:xfrm>
+          <a:prstGeom prst="rect">
+            <a:avLst/>
+          </a:prstGeom>
+          <a:solidFill>
+            <a:schemeClr val="bg2">
+              <a:lumMod val="90000"/>
+            </a:schemeClr>
+          </a:solidFill>
+          <a:ln w="19050">
+            <a:solidFill>
+              <a:schemeClr val="bg2">
+                <a:lumMod val="90000"/>
+              </a:schemeClr>
+            </a:solidFill>
+          </a:ln>
+        </p:spPr>
+        <p:style>
+          <a:lnRef idx="2">
+            <a:schemeClr val="accent1">
+              <a:shade val="50000"/>
+            </a:schemeClr>
+          </a:lnRef>
+          <a:fillRef idx="1">
+            <a:schemeClr val="accent1"/>
+          </a:fillRef>
+          <a:effectRef idx="0">
+            <a:schemeClr val="accent1"/>
+          </a:effectRef>
+          <a:fontRef idx="minor">
+            <a:schemeClr val="lt1"/>
+          </a:fontRef>
+        </p:style>
+        <p:txBody>
+          <a:bodyPr rtlCol="0" anchor="ctr"/>
+          <a:lstStyle/>
+          <a:p>
+            <a:pPr algn="ctr"/>
+            <a:endParaRPr lang="en-GB" sz="5953"/>
+          </a:p>
+        </p:txBody>
+      </p:sp>
+      <p:sp>
+        <p:nvSpPr>
+          <p:cNvPr id="42" name="Round Same-side Corner of Rectangle 41">
+            <a:extLst>
+              <a:ext uri="{FF2B5EF4-FFF2-40B4-BE49-F238E27FC236}">
+                <a16:creationId xmlns:a16="http://schemas.microsoft.com/office/drawing/2014/main" id="{0ABC7E02-8054-2B42-87E3-E0666B8D2174}"/>
+              </a:ext>
+            </a:extLst>
+          </p:cNvPr>
+          <p:cNvSpPr/>
+          <p:nvPr/>
+        </p:nvSpPr>
+        <p:spPr>
+          <a:xfrm rot="16200000">
+            <a:off x="6962489" y="4537225"/>
+            <a:ext cx="406400" cy="79021"/>
+          </a:xfrm>
+          <a:prstGeom prst="round2SameRect">
+            <a:avLst>
+              <a:gd name="adj1" fmla="val 50000"/>
+              <a:gd name="adj2" fmla="val 0"/>
+            </a:avLst>
+          </a:prstGeom>
+          <a:solidFill>
+            <a:schemeClr val="tx1"/>
+          </a:solidFill>
+          <a:ln>
+            <a:noFill/>
+          </a:ln>
+        </p:spPr>
+        <p:style>
+          <a:lnRef idx="2">
+            <a:schemeClr val="accent1">
+              <a:shade val="50000"/>
+            </a:schemeClr>
+          </a:lnRef>
+          <a:fillRef idx="1">
+            <a:schemeClr val="accent1"/>
+          </a:fillRef>
+          <a:effectRef idx="0">
+            <a:schemeClr val="accent1"/>
+          </a:effectRef>
+          <a:fontRef idx="minor">
+            <a:schemeClr val="lt1"/>
+          </a:fontRef>
+        </p:style>
+        <p:txBody>
+          <a:bodyPr rtlCol="0" anchor="ctr"/>
+          <a:lstStyle/>
+          <a:p>
+            <a:pPr algn="ctr"/>
+            <a:endParaRPr lang="en-GB" sz="5953"/>
+          </a:p>
+        </p:txBody>
+      </p:sp>
+      <p:grpSp>
+        <p:nvGrpSpPr>
+          <p:cNvPr id="74" name="Group 73">
+            <a:extLst>
+              <a:ext uri="{FF2B5EF4-FFF2-40B4-BE49-F238E27FC236}">
+                <a16:creationId xmlns:a16="http://schemas.microsoft.com/office/drawing/2014/main" id="{8C1962F6-ACEE-E645-9486-11F664BE8051}"/>
+              </a:ext>
+            </a:extLst>
+          </p:cNvPr>
+          <p:cNvGrpSpPr/>
+          <p:nvPr/>
+        </p:nvGrpSpPr>
+        <p:grpSpPr>
+          <a:xfrm>
+            <a:off x="3110944" y="1560741"/>
+            <a:ext cx="970060" cy="447008"/>
+            <a:chOff x="3069203" y="1560741"/>
+            <a:chExt cx="970060" cy="447008"/>
+          </a:xfrm>
+        </p:grpSpPr>
+        <p:sp>
+          <p:nvSpPr>
+            <p:cNvPr id="66" name="Rectangle 65">
+              <a:extLst>
+                <a:ext uri="{FF2B5EF4-FFF2-40B4-BE49-F238E27FC236}">
+                  <a16:creationId xmlns:a16="http://schemas.microsoft.com/office/drawing/2014/main" id="{0BDBBFB8-0A77-AC44-9015-A2E15B98C979}"/>
+                </a:ext>
+              </a:extLst>
+            </p:cNvPr>
+            <p:cNvSpPr/>
+            <p:nvPr/>
+          </p:nvSpPr>
+          <p:spPr>
+            <a:xfrm>
+              <a:off x="3069203" y="1560741"/>
+              <a:ext cx="970060" cy="220497"/>
+            </a:xfrm>
+            <a:prstGeom prst="rect">
+              <a:avLst/>
+            </a:prstGeom>
+            <a:solidFill>
+              <a:schemeClr val="accent6">
+                <a:lumMod val="60000"/>
+                <a:lumOff val="40000"/>
+              </a:schemeClr>
+            </a:solidFill>
+            <a:ln w="3175">
+              <a:solidFill>
+                <a:schemeClr val="tx1"/>
+              </a:solidFill>
+            </a:ln>
+          </p:spPr>
+          <p:style>
+            <a:lnRef idx="2">
+              <a:schemeClr val="accent1">
+                <a:shade val="50000"/>
+              </a:schemeClr>
+            </a:lnRef>
+            <a:fillRef idx="1">
+              <a:schemeClr val="accent1"/>
+            </a:fillRef>
+            <a:effectRef idx="0">
+              <a:schemeClr val="accent1"/>
+            </a:effectRef>
+            <a:fontRef idx="minor">
+              <a:schemeClr val="lt1"/>
+            </a:fontRef>
+          </p:style>
+          <p:txBody>
+            <a:bodyPr rtlCol="0" anchor="ctr"/>
+            <a:lstStyle/>
+            <a:p>
+              <a:pPr algn="ctr"/>
+              <a:endParaRPr lang="en-GB" dirty="0"/>
+            </a:p>
+          </p:txBody>
+        </p:sp>
+        <p:sp>
+          <p:nvSpPr>
+            <p:cNvPr id="67" name="Oval 66">
+              <a:extLst>
+                <a:ext uri="{FF2B5EF4-FFF2-40B4-BE49-F238E27FC236}">
+                  <a16:creationId xmlns:a16="http://schemas.microsoft.com/office/drawing/2014/main" id="{2F0DCFFE-267A-4349-B6B1-90130FEEE100}"/>
+                </a:ext>
+              </a:extLst>
+            </p:cNvPr>
+            <p:cNvSpPr/>
+            <p:nvPr/>
+          </p:nvSpPr>
+          <p:spPr>
+            <a:xfrm>
+              <a:off x="3143531" y="1838614"/>
+              <a:ext cx="169135" cy="169135"/>
+            </a:xfrm>
+            <a:prstGeom prst="ellipse">
+              <a:avLst/>
+            </a:prstGeom>
+            <a:solidFill>
+              <a:schemeClr val="accent6">
+                <a:lumMod val="60000"/>
+                <a:lumOff val="40000"/>
+              </a:schemeClr>
+            </a:solidFill>
+            <a:ln w="6350">
+              <a:solidFill>
+                <a:schemeClr val="tx1"/>
+              </a:solidFill>
+            </a:ln>
+          </p:spPr>
+          <p:style>
+            <a:lnRef idx="2">
+              <a:schemeClr val="accent1">
+                <a:shade val="50000"/>
+              </a:schemeClr>
+            </a:lnRef>
+            <a:fillRef idx="1">
+              <a:schemeClr val="accent1"/>
+            </a:fillRef>
+            <a:effectRef idx="0">
+              <a:schemeClr val="accent1"/>
+            </a:effectRef>
+            <a:fontRef idx="minor">
+              <a:schemeClr val="lt1"/>
+            </a:fontRef>
+          </p:style>
+          <p:txBody>
+            <a:bodyPr rtlCol="0" anchor="ctr" anchorCtr="0"/>
+            <a:lstStyle/>
+            <a:p>
+              <a:pPr algn="ctr"/>
+              <a:endParaRPr lang="en-GB" dirty="0"/>
+            </a:p>
+          </p:txBody>
+        </p:sp>
+        <p:sp>
+          <p:nvSpPr>
+            <p:cNvPr id="68" name="Oval 67">
+              <a:extLst>
+                <a:ext uri="{FF2B5EF4-FFF2-40B4-BE49-F238E27FC236}">
+                  <a16:creationId xmlns:a16="http://schemas.microsoft.com/office/drawing/2014/main" id="{D570056B-BAB1-034D-84D4-389450FC0F04}"/>
+                </a:ext>
+              </a:extLst>
+            </p:cNvPr>
+            <p:cNvSpPr/>
+            <p:nvPr/>
+          </p:nvSpPr>
+          <p:spPr>
+            <a:xfrm>
+              <a:off x="3469534" y="1838614"/>
+              <a:ext cx="169135" cy="169135"/>
+            </a:xfrm>
+            <a:prstGeom prst="ellipse">
+              <a:avLst/>
+            </a:prstGeom>
+            <a:solidFill>
+              <a:schemeClr val="accent6">
+                <a:lumMod val="60000"/>
+                <a:lumOff val="40000"/>
+              </a:schemeClr>
+            </a:solidFill>
+            <a:ln w="6350">
+              <a:solidFill>
+                <a:schemeClr val="tx1"/>
+              </a:solidFill>
+            </a:ln>
+          </p:spPr>
+          <p:style>
+            <a:lnRef idx="2">
+              <a:schemeClr val="accent1">
+                <a:shade val="50000"/>
+              </a:schemeClr>
+            </a:lnRef>
+            <a:fillRef idx="1">
+              <a:schemeClr val="accent1"/>
+            </a:fillRef>
+            <a:effectRef idx="0">
+              <a:schemeClr val="accent1"/>
+            </a:effectRef>
+            <a:fontRef idx="minor">
+              <a:schemeClr val="lt1"/>
+            </a:fontRef>
+          </p:style>
+          <p:txBody>
+            <a:bodyPr rtlCol="0" anchor="ctr" anchorCtr="0"/>
+            <a:lstStyle/>
+            <a:p>
+              <a:pPr algn="ctr"/>
+              <a:endParaRPr lang="en-GB" dirty="0"/>
+            </a:p>
+          </p:txBody>
+        </p:sp>
+        <p:sp>
+          <p:nvSpPr>
+            <p:cNvPr id="69" name="Oval 68">
+              <a:extLst>
+                <a:ext uri="{FF2B5EF4-FFF2-40B4-BE49-F238E27FC236}">
+                  <a16:creationId xmlns:a16="http://schemas.microsoft.com/office/drawing/2014/main" id="{BDB8316E-9F96-DB41-B54F-6B127D9C00F2}"/>
+                </a:ext>
+              </a:extLst>
+            </p:cNvPr>
+            <p:cNvSpPr/>
+            <p:nvPr/>
+          </p:nvSpPr>
+          <p:spPr>
+            <a:xfrm>
+              <a:off x="3795537" y="1838614"/>
+              <a:ext cx="169135" cy="169135"/>
+            </a:xfrm>
+            <a:prstGeom prst="ellipse">
+              <a:avLst/>
+            </a:prstGeom>
+            <a:solidFill>
+              <a:schemeClr val="accent6">
+                <a:lumMod val="60000"/>
+                <a:lumOff val="40000"/>
+              </a:schemeClr>
+            </a:solidFill>
+            <a:ln w="6350">
+              <a:solidFill>
+                <a:schemeClr val="tx1"/>
+              </a:solidFill>
+            </a:ln>
+          </p:spPr>
+          <p:style>
+            <a:lnRef idx="2">
+              <a:schemeClr val="accent1">
+                <a:shade val="50000"/>
+              </a:schemeClr>
+            </a:lnRef>
+            <a:fillRef idx="1">
+              <a:schemeClr val="accent1"/>
+            </a:fillRef>
+            <a:effectRef idx="0">
+              <a:schemeClr val="accent1"/>
+            </a:effectRef>
+            <a:fontRef idx="minor">
+              <a:schemeClr val="lt1"/>
+            </a:fontRef>
+          </p:style>
+          <p:txBody>
+            <a:bodyPr rtlCol="0" anchor="ctr" anchorCtr="0"/>
+            <a:lstStyle/>
+            <a:p>
+              <a:pPr algn="ctr"/>
+              <a:endParaRPr lang="en-GB" dirty="0"/>
+            </a:p>
+          </p:txBody>
+        </p:sp>
+      </p:grpSp>
+      <p:grpSp>
+        <p:nvGrpSpPr>
+          <p:cNvPr id="75" name="Group 74">
+            <a:extLst>
+              <a:ext uri="{FF2B5EF4-FFF2-40B4-BE49-F238E27FC236}">
+                <a16:creationId xmlns:a16="http://schemas.microsoft.com/office/drawing/2014/main" id="{502D5129-0E34-D945-B31B-BFE016E2EE48}"/>
+              </a:ext>
+            </a:extLst>
+          </p:cNvPr>
+          <p:cNvGrpSpPr/>
+          <p:nvPr/>
+        </p:nvGrpSpPr>
+        <p:grpSpPr>
+          <a:xfrm rot="16200000">
+            <a:off x="2266637" y="2260962"/>
+            <a:ext cx="970060" cy="447008"/>
+            <a:chOff x="3069203" y="1560741"/>
+            <a:chExt cx="970060" cy="447008"/>
+          </a:xfrm>
+        </p:grpSpPr>
+        <p:sp>
+          <p:nvSpPr>
+            <p:cNvPr id="76" name="Rectangle 75">
+              <a:extLst>
+                <a:ext uri="{FF2B5EF4-FFF2-40B4-BE49-F238E27FC236}">
+                  <a16:creationId xmlns:a16="http://schemas.microsoft.com/office/drawing/2014/main" id="{949F3D42-6C1C-2A49-9CCE-71CEEBE4598D}"/>
+                </a:ext>
+              </a:extLst>
+            </p:cNvPr>
+            <p:cNvSpPr/>
+            <p:nvPr/>
+          </p:nvSpPr>
+          <p:spPr>
+            <a:xfrm>
+              <a:off x="3069203" y="1560741"/>
+              <a:ext cx="970060" cy="220497"/>
+            </a:xfrm>
+            <a:prstGeom prst="rect">
+              <a:avLst/>
+            </a:prstGeom>
+            <a:solidFill>
+              <a:schemeClr val="accent6">
+                <a:lumMod val="60000"/>
+                <a:lumOff val="40000"/>
+              </a:schemeClr>
+            </a:solidFill>
+            <a:ln w="3175">
+              <a:solidFill>
+                <a:schemeClr val="tx1"/>
+              </a:solidFill>
+            </a:ln>
+          </p:spPr>
+          <p:style>
+            <a:lnRef idx="2">
+              <a:schemeClr val="accent1">
+                <a:shade val="50000"/>
+              </a:schemeClr>
+            </a:lnRef>
+            <a:fillRef idx="1">
+              <a:schemeClr val="accent1"/>
+            </a:fillRef>
+            <a:effectRef idx="0">
+              <a:schemeClr val="accent1"/>
+            </a:effectRef>
+            <a:fontRef idx="minor">
+              <a:schemeClr val="lt1"/>
+            </a:fontRef>
+          </p:style>
+          <p:txBody>
+            <a:bodyPr rtlCol="0" anchor="ctr"/>
+            <a:lstStyle/>
+            <a:p>
+              <a:pPr algn="ctr"/>
+              <a:endParaRPr lang="en-GB" dirty="0"/>
+            </a:p>
+          </p:txBody>
+        </p:sp>
+        <p:sp>
+          <p:nvSpPr>
+            <p:cNvPr id="77" name="Oval 76">
+              <a:extLst>
+                <a:ext uri="{FF2B5EF4-FFF2-40B4-BE49-F238E27FC236}">
+                  <a16:creationId xmlns:a16="http://schemas.microsoft.com/office/drawing/2014/main" id="{41938EAC-85F8-A144-BCEC-6C27E065CAD6}"/>
+                </a:ext>
+              </a:extLst>
+            </p:cNvPr>
+            <p:cNvSpPr/>
+            <p:nvPr/>
+          </p:nvSpPr>
+          <p:spPr>
+            <a:xfrm>
+              <a:off x="3143531" y="1838614"/>
+              <a:ext cx="169135" cy="169135"/>
+            </a:xfrm>
+            <a:prstGeom prst="ellipse">
+              <a:avLst/>
+            </a:prstGeom>
+            <a:solidFill>
+              <a:schemeClr val="accent6">
+                <a:lumMod val="60000"/>
+                <a:lumOff val="40000"/>
+              </a:schemeClr>
+            </a:solidFill>
+            <a:ln w="6350">
+              <a:solidFill>
+                <a:schemeClr val="tx1"/>
+              </a:solidFill>
+            </a:ln>
+          </p:spPr>
+          <p:style>
+            <a:lnRef idx="2">
+              <a:schemeClr val="accent1">
+                <a:shade val="50000"/>
+              </a:schemeClr>
+            </a:lnRef>
+            <a:fillRef idx="1">
+              <a:schemeClr val="accent1"/>
+            </a:fillRef>
+            <a:effectRef idx="0">
+              <a:schemeClr val="accent1"/>
+            </a:effectRef>
+            <a:fontRef idx="minor">
+              <a:schemeClr val="lt1"/>
+            </a:fontRef>
+          </p:style>
+          <p:txBody>
+            <a:bodyPr rtlCol="0" anchor="ctr" anchorCtr="0"/>
+            <a:lstStyle/>
+            <a:p>
+              <a:pPr algn="ctr"/>
+              <a:endParaRPr lang="en-GB" dirty="0"/>
+            </a:p>
+          </p:txBody>
+        </p:sp>
+        <p:sp>
+          <p:nvSpPr>
+            <p:cNvPr id="78" name="Oval 77">
+              <a:extLst>
+                <a:ext uri="{FF2B5EF4-FFF2-40B4-BE49-F238E27FC236}">
+                  <a16:creationId xmlns:a16="http://schemas.microsoft.com/office/drawing/2014/main" id="{AE9F53D6-EC3F-8A44-B273-55E56C25A2F8}"/>
+                </a:ext>
+              </a:extLst>
+            </p:cNvPr>
+            <p:cNvSpPr/>
+            <p:nvPr/>
+          </p:nvSpPr>
+          <p:spPr>
+            <a:xfrm>
+              <a:off x="3469534" y="1838614"/>
+              <a:ext cx="169135" cy="169135"/>
+            </a:xfrm>
+            <a:prstGeom prst="ellipse">
+              <a:avLst/>
+            </a:prstGeom>
+            <a:solidFill>
+              <a:schemeClr val="accent6">
+                <a:lumMod val="60000"/>
+                <a:lumOff val="40000"/>
+              </a:schemeClr>
+            </a:solidFill>
+            <a:ln w="6350">
+              <a:solidFill>
+                <a:schemeClr val="tx1"/>
+              </a:solidFill>
+            </a:ln>
+          </p:spPr>
+          <p:style>
+            <a:lnRef idx="2">
+              <a:schemeClr val="accent1">
+                <a:shade val="50000"/>
+              </a:schemeClr>
+            </a:lnRef>
+            <a:fillRef idx="1">
+              <a:schemeClr val="accent1"/>
+            </a:fillRef>
+            <a:effectRef idx="0">
+              <a:schemeClr val="accent1"/>
+            </a:effectRef>
+            <a:fontRef idx="minor">
+              <a:schemeClr val="lt1"/>
+            </a:fontRef>
+          </p:style>
+          <p:txBody>
+            <a:bodyPr rtlCol="0" anchor="ctr" anchorCtr="0"/>
+            <a:lstStyle/>
+            <a:p>
+              <a:pPr algn="ctr"/>
+              <a:endParaRPr lang="en-GB" dirty="0"/>
+            </a:p>
+          </p:txBody>
+        </p:sp>
+        <p:sp>
+          <p:nvSpPr>
+            <p:cNvPr id="79" name="Oval 78">
+              <a:extLst>
+                <a:ext uri="{FF2B5EF4-FFF2-40B4-BE49-F238E27FC236}">
+                  <a16:creationId xmlns:a16="http://schemas.microsoft.com/office/drawing/2014/main" id="{22BAF5B7-25D5-1A47-91D3-7A4AC0B43F07}"/>
+                </a:ext>
+              </a:extLst>
+            </p:cNvPr>
+            <p:cNvSpPr/>
+            <p:nvPr/>
+          </p:nvSpPr>
+          <p:spPr>
+            <a:xfrm>
+              <a:off x="3795537" y="1838614"/>
+              <a:ext cx="169135" cy="169135"/>
+            </a:xfrm>
+            <a:prstGeom prst="ellipse">
+              <a:avLst/>
+            </a:prstGeom>
+            <a:solidFill>
+              <a:schemeClr val="accent6">
+                <a:lumMod val="60000"/>
+                <a:lumOff val="40000"/>
+              </a:schemeClr>
+            </a:solidFill>
+            <a:ln w="6350">
+              <a:solidFill>
+                <a:schemeClr val="tx1"/>
+              </a:solidFill>
+            </a:ln>
+          </p:spPr>
+          <p:style>
+            <a:lnRef idx="2">
+              <a:schemeClr val="accent1">
+                <a:shade val="50000"/>
+              </a:schemeClr>
+            </a:lnRef>
+            <a:fillRef idx="1">
+              <a:schemeClr val="accent1"/>
+            </a:fillRef>
+            <a:effectRef idx="0">
+              <a:schemeClr val="accent1"/>
+            </a:effectRef>
+            <a:fontRef idx="minor">
+              <a:schemeClr val="lt1"/>
+            </a:fontRef>
+          </p:style>
+          <p:txBody>
+            <a:bodyPr rtlCol="0" anchor="ctr" anchorCtr="0"/>
+            <a:lstStyle/>
+            <a:p>
+              <a:pPr algn="ctr"/>
+              <a:endParaRPr lang="en-GB" dirty="0"/>
+            </a:p>
+          </p:txBody>
+        </p:sp>
+      </p:grpSp>
+      <p:grpSp>
+        <p:nvGrpSpPr>
+          <p:cNvPr id="80" name="Group 79">
+            <a:extLst>
+              <a:ext uri="{FF2B5EF4-FFF2-40B4-BE49-F238E27FC236}">
+                <a16:creationId xmlns:a16="http://schemas.microsoft.com/office/drawing/2014/main" id="{F3289B85-E22F-FC49-8D9E-89F92866805F}"/>
+              </a:ext>
+            </a:extLst>
+          </p:cNvPr>
+          <p:cNvGrpSpPr/>
+          <p:nvPr/>
+        </p:nvGrpSpPr>
+        <p:grpSpPr>
+          <a:xfrm rot="5400000">
+            <a:off x="3955251" y="2260962"/>
+            <a:ext cx="970060" cy="447008"/>
+            <a:chOff x="3069203" y="1560741"/>
+            <a:chExt cx="970060" cy="447008"/>
+          </a:xfrm>
+        </p:grpSpPr>
+        <p:sp>
+          <p:nvSpPr>
+            <p:cNvPr id="81" name="Rectangle 80">
+              <a:extLst>
+                <a:ext uri="{FF2B5EF4-FFF2-40B4-BE49-F238E27FC236}">
+                  <a16:creationId xmlns:a16="http://schemas.microsoft.com/office/drawing/2014/main" id="{496223FD-17FE-7445-8D92-06CE6F6BD282}"/>
+                </a:ext>
+              </a:extLst>
+            </p:cNvPr>
+            <p:cNvSpPr/>
+            <p:nvPr/>
+          </p:nvSpPr>
+          <p:spPr>
+            <a:xfrm>
+              <a:off x="3069203" y="1560741"/>
+              <a:ext cx="970060" cy="220497"/>
+            </a:xfrm>
+            <a:prstGeom prst="rect">
+              <a:avLst/>
+            </a:prstGeom>
+            <a:solidFill>
+              <a:schemeClr val="accent6">
+                <a:lumMod val="60000"/>
+                <a:lumOff val="40000"/>
+              </a:schemeClr>
+            </a:solidFill>
+            <a:ln w="3175">
+              <a:solidFill>
+                <a:schemeClr val="tx1"/>
+              </a:solidFill>
+            </a:ln>
+          </p:spPr>
+          <p:style>
+            <a:lnRef idx="2">
+              <a:schemeClr val="accent1">
+                <a:shade val="50000"/>
+              </a:schemeClr>
+            </a:lnRef>
+            <a:fillRef idx="1">
+              <a:schemeClr val="accent1"/>
+            </a:fillRef>
+            <a:effectRef idx="0">
+              <a:schemeClr val="accent1"/>
+            </a:effectRef>
+            <a:fontRef idx="minor">
+              <a:schemeClr val="lt1"/>
+            </a:fontRef>
+          </p:style>
+          <p:txBody>
+            <a:bodyPr rtlCol="0" anchor="ctr"/>
+            <a:lstStyle/>
+            <a:p>
+              <a:pPr algn="ctr"/>
+              <a:endParaRPr lang="en-GB" dirty="0"/>
+            </a:p>
+          </p:txBody>
+        </p:sp>
+        <p:sp>
+          <p:nvSpPr>
+            <p:cNvPr id="82" name="Oval 81">
+              <a:extLst>
+                <a:ext uri="{FF2B5EF4-FFF2-40B4-BE49-F238E27FC236}">
+                  <a16:creationId xmlns:a16="http://schemas.microsoft.com/office/drawing/2014/main" id="{5189BA35-183C-D04C-83FA-9E90622BA4CA}"/>
+                </a:ext>
+              </a:extLst>
+            </p:cNvPr>
+            <p:cNvSpPr/>
+            <p:nvPr/>
+          </p:nvSpPr>
+          <p:spPr>
+            <a:xfrm>
+              <a:off x="3143531" y="1838614"/>
+              <a:ext cx="169135" cy="169135"/>
+            </a:xfrm>
+            <a:prstGeom prst="ellipse">
+              <a:avLst/>
+            </a:prstGeom>
+            <a:solidFill>
+              <a:schemeClr val="accent6">
+                <a:lumMod val="60000"/>
+                <a:lumOff val="40000"/>
+              </a:schemeClr>
+            </a:solidFill>
+            <a:ln w="6350">
+              <a:solidFill>
+                <a:schemeClr val="tx1"/>
+              </a:solidFill>
+            </a:ln>
+          </p:spPr>
+          <p:style>
+            <a:lnRef idx="2">
+              <a:schemeClr val="accent1">
+                <a:shade val="50000"/>
+              </a:schemeClr>
+            </a:lnRef>
+            <a:fillRef idx="1">
+              <a:schemeClr val="accent1"/>
+            </a:fillRef>
+            <a:effectRef idx="0">
+              <a:schemeClr val="accent1"/>
+            </a:effectRef>
+            <a:fontRef idx="minor">
+              <a:schemeClr val="lt1"/>
+            </a:fontRef>
+          </p:style>
+          <p:txBody>
+            <a:bodyPr rtlCol="0" anchor="ctr" anchorCtr="0"/>
+            <a:lstStyle/>
+            <a:p>
+              <a:pPr algn="ctr"/>
+              <a:endParaRPr lang="en-GB" dirty="0"/>
+            </a:p>
+          </p:txBody>
+        </p:sp>
+        <p:sp>
+          <p:nvSpPr>
+            <p:cNvPr id="83" name="Oval 82">
+              <a:extLst>
+                <a:ext uri="{FF2B5EF4-FFF2-40B4-BE49-F238E27FC236}">
+                  <a16:creationId xmlns:a16="http://schemas.microsoft.com/office/drawing/2014/main" id="{F9E7022E-27D2-F145-B1F6-0E61FEEC09BE}"/>
+                </a:ext>
+              </a:extLst>
+            </p:cNvPr>
+            <p:cNvSpPr/>
+            <p:nvPr/>
+          </p:nvSpPr>
+          <p:spPr>
+            <a:xfrm>
+              <a:off x="3469534" y="1838614"/>
+              <a:ext cx="169135" cy="169135"/>
+            </a:xfrm>
+            <a:prstGeom prst="ellipse">
+              <a:avLst/>
+            </a:prstGeom>
+            <a:solidFill>
+              <a:schemeClr val="accent6">
+                <a:lumMod val="60000"/>
+                <a:lumOff val="40000"/>
+              </a:schemeClr>
+            </a:solidFill>
+            <a:ln w="6350">
+              <a:solidFill>
+                <a:schemeClr val="tx1"/>
+              </a:solidFill>
+            </a:ln>
+          </p:spPr>
+          <p:style>
+            <a:lnRef idx="2">
+              <a:schemeClr val="accent1">
+                <a:shade val="50000"/>
+              </a:schemeClr>
+            </a:lnRef>
+            <a:fillRef idx="1">
+              <a:schemeClr val="accent1"/>
+            </a:fillRef>
+            <a:effectRef idx="0">
+              <a:schemeClr val="accent1"/>
+            </a:effectRef>
+            <a:fontRef idx="minor">
+              <a:schemeClr val="lt1"/>
+            </a:fontRef>
+          </p:style>
+          <p:txBody>
+            <a:bodyPr rtlCol="0" anchor="ctr" anchorCtr="0"/>
+            <a:lstStyle/>
+            <a:p>
+              <a:pPr algn="ctr"/>
+              <a:endParaRPr lang="en-GB" dirty="0"/>
+            </a:p>
+          </p:txBody>
+        </p:sp>
+        <p:sp>
+          <p:nvSpPr>
+            <p:cNvPr id="84" name="Oval 83">
+              <a:extLst>
+                <a:ext uri="{FF2B5EF4-FFF2-40B4-BE49-F238E27FC236}">
+                  <a16:creationId xmlns:a16="http://schemas.microsoft.com/office/drawing/2014/main" id="{745FD0C1-0FE0-2943-AACB-20FF5DE149BA}"/>
+                </a:ext>
+              </a:extLst>
+            </p:cNvPr>
+            <p:cNvSpPr/>
+            <p:nvPr/>
+          </p:nvSpPr>
+          <p:spPr>
+            <a:xfrm>
+              <a:off x="3795537" y="1838614"/>
+              <a:ext cx="169135" cy="169135"/>
+            </a:xfrm>
+            <a:prstGeom prst="ellipse">
+              <a:avLst/>
+            </a:prstGeom>
+            <a:solidFill>
+              <a:schemeClr val="accent6">
+                <a:lumMod val="60000"/>
+                <a:lumOff val="40000"/>
+              </a:schemeClr>
+            </a:solidFill>
+            <a:ln w="6350">
+              <a:solidFill>
+                <a:schemeClr val="tx1"/>
+              </a:solidFill>
+            </a:ln>
+          </p:spPr>
+          <p:style>
+            <a:lnRef idx="2">
+              <a:schemeClr val="accent1">
+                <a:shade val="50000"/>
+              </a:schemeClr>
+            </a:lnRef>
+            <a:fillRef idx="1">
+              <a:schemeClr val="accent1"/>
+            </a:fillRef>
+            <a:effectRef idx="0">
+              <a:schemeClr val="accent1"/>
+            </a:effectRef>
+            <a:fontRef idx="minor">
+              <a:schemeClr val="lt1"/>
+            </a:fontRef>
+          </p:style>
+          <p:txBody>
+            <a:bodyPr rtlCol="0" anchor="ctr" anchorCtr="0"/>
+            <a:lstStyle/>
+            <a:p>
+              <a:pPr algn="ctr"/>
+              <a:endParaRPr lang="en-GB" dirty="0"/>
+            </a:p>
+          </p:txBody>
+        </p:sp>
+      </p:grpSp>
+      <p:grpSp>
+        <p:nvGrpSpPr>
+          <p:cNvPr id="110" name="Group 109">
+            <a:extLst>
+              <a:ext uri="{FF2B5EF4-FFF2-40B4-BE49-F238E27FC236}">
+                <a16:creationId xmlns:a16="http://schemas.microsoft.com/office/drawing/2014/main" id="{6D5FA05F-86CA-7E40-A6A8-7FC6F4A6931D}"/>
+              </a:ext>
+            </a:extLst>
+          </p:cNvPr>
+          <p:cNvGrpSpPr/>
+          <p:nvPr/>
+        </p:nvGrpSpPr>
+        <p:grpSpPr>
+          <a:xfrm>
+            <a:off x="2698169" y="4261732"/>
+            <a:ext cx="656238" cy="667272"/>
+            <a:chOff x="2809630" y="4246449"/>
+            <a:chExt cx="656238" cy="667272"/>
+          </a:xfrm>
+        </p:grpSpPr>
+        <p:sp>
+          <p:nvSpPr>
+            <p:cNvPr id="100" name="Rectangle 99">
+              <a:extLst>
+                <a:ext uri="{FF2B5EF4-FFF2-40B4-BE49-F238E27FC236}">
+                  <a16:creationId xmlns:a16="http://schemas.microsoft.com/office/drawing/2014/main" id="{ECDCA315-6700-AC47-BA36-5005C730EBDD}"/>
+                </a:ext>
+              </a:extLst>
+            </p:cNvPr>
+            <p:cNvSpPr/>
+            <p:nvPr/>
+          </p:nvSpPr>
+          <p:spPr>
+            <a:xfrm>
+              <a:off x="2809630" y="4469849"/>
+              <a:ext cx="656238" cy="220497"/>
+            </a:xfrm>
+            <a:prstGeom prst="rect">
+              <a:avLst/>
+            </a:prstGeom>
+            <a:solidFill>
+              <a:schemeClr val="accent6">
+                <a:lumMod val="60000"/>
+                <a:lumOff val="40000"/>
+              </a:schemeClr>
+            </a:solidFill>
+            <a:ln w="3175">
+              <a:solidFill>
+                <a:schemeClr val="tx1"/>
+              </a:solidFill>
+            </a:ln>
+          </p:spPr>
+          <p:style>
+            <a:lnRef idx="2">
+              <a:schemeClr val="accent1">
+                <a:shade val="50000"/>
+              </a:schemeClr>
+            </a:lnRef>
+            <a:fillRef idx="1">
+              <a:schemeClr val="accent1"/>
+            </a:fillRef>
+            <a:effectRef idx="0">
+              <a:schemeClr val="accent1"/>
+            </a:effectRef>
+            <a:fontRef idx="minor">
+              <a:schemeClr val="lt1"/>
+            </a:fontRef>
+          </p:style>
+          <p:txBody>
+            <a:bodyPr rtlCol="0" anchor="ctr"/>
+            <a:lstStyle/>
+            <a:p>
+              <a:pPr algn="ctr"/>
+              <a:endParaRPr lang="en-GB" dirty="0"/>
+            </a:p>
+          </p:txBody>
+        </p:sp>
+        <p:sp>
+          <p:nvSpPr>
+            <p:cNvPr id="101" name="Oval 100">
+              <a:extLst>
+                <a:ext uri="{FF2B5EF4-FFF2-40B4-BE49-F238E27FC236}">
+                  <a16:creationId xmlns:a16="http://schemas.microsoft.com/office/drawing/2014/main" id="{2760AB84-BD6C-1F49-9B1A-AB435A350102}"/>
+                </a:ext>
+              </a:extLst>
+            </p:cNvPr>
+            <p:cNvSpPr/>
+            <p:nvPr/>
+          </p:nvSpPr>
+          <p:spPr>
+            <a:xfrm>
+              <a:off x="2903037" y="4246449"/>
+              <a:ext cx="169135" cy="169135"/>
+            </a:xfrm>
+            <a:prstGeom prst="ellipse">
+              <a:avLst/>
+            </a:prstGeom>
+            <a:solidFill>
+              <a:schemeClr val="accent6">
+                <a:lumMod val="60000"/>
+                <a:lumOff val="40000"/>
+              </a:schemeClr>
+            </a:solidFill>
+            <a:ln w="6350">
+              <a:solidFill>
+                <a:schemeClr val="tx1"/>
+              </a:solidFill>
+            </a:ln>
+          </p:spPr>
+          <p:style>
+            <a:lnRef idx="2">
+              <a:schemeClr val="accent1">
+                <a:shade val="50000"/>
+              </a:schemeClr>
+            </a:lnRef>
+            <a:fillRef idx="1">
+              <a:schemeClr val="accent1"/>
+            </a:fillRef>
+            <a:effectRef idx="0">
+              <a:schemeClr val="accent1"/>
+            </a:effectRef>
+            <a:fontRef idx="minor">
+              <a:schemeClr val="lt1"/>
+            </a:fontRef>
+          </p:style>
+          <p:txBody>
+            <a:bodyPr rtlCol="0" anchor="ctr"/>
+            <a:lstStyle/>
+            <a:p>
+              <a:pPr algn="ctr"/>
+              <a:endParaRPr lang="en-GB"/>
+            </a:p>
+          </p:txBody>
+        </p:sp>
+        <p:sp>
+          <p:nvSpPr>
+            <p:cNvPr id="102" name="Oval 101">
+              <a:extLst>
+                <a:ext uri="{FF2B5EF4-FFF2-40B4-BE49-F238E27FC236}">
+                  <a16:creationId xmlns:a16="http://schemas.microsoft.com/office/drawing/2014/main" id="{21A82474-3B87-9941-A308-8BF8BADBBFC1}"/>
+                </a:ext>
+              </a:extLst>
+            </p:cNvPr>
+            <p:cNvSpPr/>
+            <p:nvPr/>
+          </p:nvSpPr>
+          <p:spPr>
+            <a:xfrm>
+              <a:off x="3209306" y="4246449"/>
+              <a:ext cx="169135" cy="169135"/>
+            </a:xfrm>
+            <a:prstGeom prst="ellipse">
+              <a:avLst/>
+            </a:prstGeom>
+            <a:solidFill>
+              <a:schemeClr val="accent6">
+                <a:lumMod val="60000"/>
+                <a:lumOff val="40000"/>
+              </a:schemeClr>
+            </a:solidFill>
+            <a:ln w="6350">
+              <a:solidFill>
+                <a:schemeClr val="tx1"/>
+              </a:solidFill>
+            </a:ln>
+          </p:spPr>
+          <p:style>
+            <a:lnRef idx="2">
+              <a:schemeClr val="accent1">
+                <a:shade val="50000"/>
+              </a:schemeClr>
+            </a:lnRef>
+            <a:fillRef idx="1">
+              <a:schemeClr val="accent1"/>
+            </a:fillRef>
+            <a:effectRef idx="0">
+              <a:schemeClr val="accent1"/>
+            </a:effectRef>
+            <a:fontRef idx="minor">
+              <a:schemeClr val="lt1"/>
+            </a:fontRef>
+          </p:style>
+          <p:txBody>
+            <a:bodyPr rtlCol="0" anchor="ctr"/>
+            <a:lstStyle/>
+            <a:p>
+              <a:pPr algn="ctr"/>
+              <a:endParaRPr lang="en-GB"/>
+            </a:p>
+          </p:txBody>
+        </p:sp>
+        <p:sp>
+          <p:nvSpPr>
+            <p:cNvPr id="103" name="Oval 102">
+              <a:extLst>
+                <a:ext uri="{FF2B5EF4-FFF2-40B4-BE49-F238E27FC236}">
+                  <a16:creationId xmlns:a16="http://schemas.microsoft.com/office/drawing/2014/main" id="{F38158A7-E67E-BF43-BF75-095DFB2A7E32}"/>
+                </a:ext>
+              </a:extLst>
+            </p:cNvPr>
+            <p:cNvSpPr/>
+            <p:nvPr/>
+          </p:nvSpPr>
+          <p:spPr>
+            <a:xfrm>
+              <a:off x="3209305" y="4744586"/>
+              <a:ext cx="169135" cy="169135"/>
+            </a:xfrm>
+            <a:prstGeom prst="ellipse">
+              <a:avLst/>
+            </a:prstGeom>
+            <a:solidFill>
+              <a:schemeClr val="accent6">
+                <a:lumMod val="60000"/>
+                <a:lumOff val="40000"/>
+              </a:schemeClr>
+            </a:solidFill>
+            <a:ln w="6350">
+              <a:solidFill>
+                <a:schemeClr val="tx1"/>
+              </a:solidFill>
+            </a:ln>
+          </p:spPr>
+          <p:style>
+            <a:lnRef idx="2">
+              <a:schemeClr val="accent1">
+                <a:shade val="50000"/>
+              </a:schemeClr>
+            </a:lnRef>
+            <a:fillRef idx="1">
+              <a:schemeClr val="accent1"/>
+            </a:fillRef>
+            <a:effectRef idx="0">
+              <a:schemeClr val="accent1"/>
+            </a:effectRef>
+            <a:fontRef idx="minor">
+              <a:schemeClr val="lt1"/>
+            </a:fontRef>
+          </p:style>
+          <p:txBody>
+            <a:bodyPr rtlCol="0" anchor="ctr"/>
+            <a:lstStyle/>
+            <a:p>
+              <a:pPr algn="ctr"/>
+              <a:endParaRPr lang="en-GB" dirty="0"/>
+            </a:p>
+          </p:txBody>
+        </p:sp>
+        <p:sp>
+          <p:nvSpPr>
+            <p:cNvPr id="104" name="Oval 103">
+              <a:extLst>
+                <a:ext uri="{FF2B5EF4-FFF2-40B4-BE49-F238E27FC236}">
+                  <a16:creationId xmlns:a16="http://schemas.microsoft.com/office/drawing/2014/main" id="{024E6049-2612-D24F-91AB-CDDCAC39D72F}"/>
+                </a:ext>
+              </a:extLst>
+            </p:cNvPr>
+            <p:cNvSpPr/>
+            <p:nvPr/>
+          </p:nvSpPr>
+          <p:spPr>
+            <a:xfrm>
+              <a:off x="2908943" y="4737417"/>
+              <a:ext cx="169135" cy="169135"/>
+            </a:xfrm>
+            <a:prstGeom prst="ellipse">
+              <a:avLst/>
+            </a:prstGeom>
+            <a:solidFill>
+              <a:schemeClr val="accent6">
+                <a:lumMod val="60000"/>
+                <a:lumOff val="40000"/>
+              </a:schemeClr>
+            </a:solidFill>
+            <a:ln w="6350">
+              <a:solidFill>
+                <a:schemeClr val="tx1"/>
+              </a:solidFill>
+            </a:ln>
+          </p:spPr>
+          <p:style>
+            <a:lnRef idx="2">
+              <a:schemeClr val="accent1">
+                <a:shade val="50000"/>
+              </a:schemeClr>
+            </a:lnRef>
+            <a:fillRef idx="1">
+              <a:schemeClr val="accent1"/>
+            </a:fillRef>
+            <a:effectRef idx="0">
+              <a:schemeClr val="accent1"/>
+            </a:effectRef>
+            <a:fontRef idx="minor">
+              <a:schemeClr val="lt1"/>
+            </a:fontRef>
+          </p:style>
+          <p:txBody>
+            <a:bodyPr rtlCol="0" anchor="ctr"/>
+            <a:lstStyle/>
+            <a:p>
+              <a:pPr algn="ctr"/>
+              <a:endParaRPr lang="en-GB"/>
+            </a:p>
+          </p:txBody>
+        </p:sp>
+      </p:grpSp>
+      <p:grpSp>
+        <p:nvGrpSpPr>
+          <p:cNvPr id="111" name="Group 110">
+            <a:extLst>
+              <a:ext uri="{FF2B5EF4-FFF2-40B4-BE49-F238E27FC236}">
+                <a16:creationId xmlns:a16="http://schemas.microsoft.com/office/drawing/2014/main" id="{B380D72E-9E71-3643-A1AB-A405495DB30C}"/>
+              </a:ext>
+            </a:extLst>
+          </p:cNvPr>
+          <p:cNvGrpSpPr/>
+          <p:nvPr/>
+        </p:nvGrpSpPr>
+        <p:grpSpPr>
+          <a:xfrm>
+            <a:off x="3770457" y="4261732"/>
+            <a:ext cx="656238" cy="667272"/>
+            <a:chOff x="3708127" y="4246449"/>
+            <a:chExt cx="656238" cy="667272"/>
+          </a:xfrm>
+        </p:grpSpPr>
+        <p:sp>
+          <p:nvSpPr>
+            <p:cNvPr id="105" name="Rectangle 104">
+              <a:extLst>
+                <a:ext uri="{FF2B5EF4-FFF2-40B4-BE49-F238E27FC236}">
+                  <a16:creationId xmlns:a16="http://schemas.microsoft.com/office/drawing/2014/main" id="{A827C44B-A394-6642-955B-3D00ECE09F11}"/>
+                </a:ext>
+              </a:extLst>
+            </p:cNvPr>
+            <p:cNvSpPr/>
+            <p:nvPr/>
+          </p:nvSpPr>
+          <p:spPr>
+            <a:xfrm>
+              <a:off x="3708127" y="4469849"/>
+              <a:ext cx="656238" cy="220497"/>
+            </a:xfrm>
+            <a:prstGeom prst="rect">
+              <a:avLst/>
+            </a:prstGeom>
+            <a:solidFill>
+              <a:schemeClr val="accent6">
+                <a:lumMod val="60000"/>
+                <a:lumOff val="40000"/>
+              </a:schemeClr>
+            </a:solidFill>
+            <a:ln w="3175">
+              <a:solidFill>
+                <a:schemeClr val="tx1"/>
+              </a:solidFill>
+            </a:ln>
+          </p:spPr>
+          <p:style>
+            <a:lnRef idx="2">
+              <a:schemeClr val="accent1">
+                <a:shade val="50000"/>
+              </a:schemeClr>
+            </a:lnRef>
+            <a:fillRef idx="1">
+              <a:schemeClr val="accent1"/>
+            </a:fillRef>
+            <a:effectRef idx="0">
+              <a:schemeClr val="accent1"/>
+            </a:effectRef>
+            <a:fontRef idx="minor">
+              <a:schemeClr val="lt1"/>
+            </a:fontRef>
+          </p:style>
+          <p:txBody>
+            <a:bodyPr rtlCol="0" anchor="ctr"/>
+            <a:lstStyle/>
+            <a:p>
+              <a:pPr algn="ctr"/>
+              <a:endParaRPr lang="en-GB" dirty="0"/>
+            </a:p>
+          </p:txBody>
+        </p:sp>
+        <p:sp>
+          <p:nvSpPr>
+            <p:cNvPr id="106" name="Oval 105">
+              <a:extLst>
+                <a:ext uri="{FF2B5EF4-FFF2-40B4-BE49-F238E27FC236}">
+                  <a16:creationId xmlns:a16="http://schemas.microsoft.com/office/drawing/2014/main" id="{3B834945-8E09-2F46-BA35-E2454A16F76C}"/>
+                </a:ext>
+              </a:extLst>
+            </p:cNvPr>
+            <p:cNvSpPr/>
+            <p:nvPr/>
+          </p:nvSpPr>
+          <p:spPr>
+            <a:xfrm>
+              <a:off x="3801534" y="4246449"/>
+              <a:ext cx="169135" cy="169135"/>
+            </a:xfrm>
+            <a:prstGeom prst="ellipse">
+              <a:avLst/>
+            </a:prstGeom>
+            <a:solidFill>
+              <a:schemeClr val="accent6">
+                <a:lumMod val="60000"/>
+                <a:lumOff val="40000"/>
+              </a:schemeClr>
+            </a:solidFill>
+            <a:ln w="6350">
+              <a:solidFill>
+                <a:schemeClr val="tx1"/>
+              </a:solidFill>
+            </a:ln>
+          </p:spPr>
+          <p:style>
+            <a:lnRef idx="2">
+              <a:schemeClr val="accent1">
+                <a:shade val="50000"/>
+              </a:schemeClr>
+            </a:lnRef>
+            <a:fillRef idx="1">
+              <a:schemeClr val="accent1"/>
+            </a:fillRef>
+            <a:effectRef idx="0">
+              <a:schemeClr val="accent1"/>
+            </a:effectRef>
+            <a:fontRef idx="minor">
+              <a:schemeClr val="lt1"/>
+            </a:fontRef>
+          </p:style>
+          <p:txBody>
+            <a:bodyPr rtlCol="0" anchor="ctr"/>
+            <a:lstStyle/>
+            <a:p>
+              <a:pPr algn="ctr"/>
+              <a:endParaRPr lang="en-GB"/>
+            </a:p>
+          </p:txBody>
+        </p:sp>
+        <p:sp>
+          <p:nvSpPr>
+            <p:cNvPr id="107" name="Oval 106">
+              <a:extLst>
+                <a:ext uri="{FF2B5EF4-FFF2-40B4-BE49-F238E27FC236}">
+                  <a16:creationId xmlns:a16="http://schemas.microsoft.com/office/drawing/2014/main" id="{6330EBC8-332E-FF48-BED5-8313F6C5A3CC}"/>
+                </a:ext>
+              </a:extLst>
+            </p:cNvPr>
+            <p:cNvSpPr/>
+            <p:nvPr/>
+          </p:nvSpPr>
+          <p:spPr>
+            <a:xfrm>
+              <a:off x="4107803" y="4246449"/>
+              <a:ext cx="169135" cy="169135"/>
+            </a:xfrm>
+            <a:prstGeom prst="ellipse">
+              <a:avLst/>
+            </a:prstGeom>
+            <a:solidFill>
+              <a:schemeClr val="accent6">
+                <a:lumMod val="60000"/>
+                <a:lumOff val="40000"/>
+              </a:schemeClr>
+            </a:solidFill>
+            <a:ln w="6350">
+              <a:solidFill>
+                <a:schemeClr val="tx1"/>
+              </a:solidFill>
+            </a:ln>
+          </p:spPr>
+          <p:style>
+            <a:lnRef idx="2">
+              <a:schemeClr val="accent1">
+                <a:shade val="50000"/>
+              </a:schemeClr>
+            </a:lnRef>
+            <a:fillRef idx="1">
+              <a:schemeClr val="accent1"/>
+            </a:fillRef>
+            <a:effectRef idx="0">
+              <a:schemeClr val="accent1"/>
+            </a:effectRef>
+            <a:fontRef idx="minor">
+              <a:schemeClr val="lt1"/>
+            </a:fontRef>
+          </p:style>
+          <p:txBody>
+            <a:bodyPr rtlCol="0" anchor="ctr"/>
+            <a:lstStyle/>
+            <a:p>
+              <a:pPr algn="ctr"/>
+              <a:endParaRPr lang="en-GB"/>
+            </a:p>
+          </p:txBody>
+        </p:sp>
+        <p:sp>
+          <p:nvSpPr>
+            <p:cNvPr id="108" name="Oval 107">
+              <a:extLst>
+                <a:ext uri="{FF2B5EF4-FFF2-40B4-BE49-F238E27FC236}">
+                  <a16:creationId xmlns:a16="http://schemas.microsoft.com/office/drawing/2014/main" id="{7A656AB9-5EDF-7345-B806-05261F48E11A}"/>
+                </a:ext>
+              </a:extLst>
+            </p:cNvPr>
+            <p:cNvSpPr/>
+            <p:nvPr/>
+          </p:nvSpPr>
+          <p:spPr>
+            <a:xfrm>
+              <a:off x="4107802" y="4744586"/>
+              <a:ext cx="169135" cy="169135"/>
+            </a:xfrm>
+            <a:prstGeom prst="ellipse">
+              <a:avLst/>
+            </a:prstGeom>
+            <a:solidFill>
+              <a:schemeClr val="accent6">
+                <a:lumMod val="60000"/>
+                <a:lumOff val="40000"/>
+              </a:schemeClr>
+            </a:solidFill>
+            <a:ln w="6350">
+              <a:solidFill>
+                <a:schemeClr val="tx1"/>
+              </a:solidFill>
+            </a:ln>
+          </p:spPr>
+          <p:style>
+            <a:lnRef idx="2">
+              <a:schemeClr val="accent1">
+                <a:shade val="50000"/>
+              </a:schemeClr>
+            </a:lnRef>
+            <a:fillRef idx="1">
+              <a:schemeClr val="accent1"/>
+            </a:fillRef>
+            <a:effectRef idx="0">
+              <a:schemeClr val="accent1"/>
+            </a:effectRef>
+            <a:fontRef idx="minor">
+              <a:schemeClr val="lt1"/>
+            </a:fontRef>
+          </p:style>
+          <p:txBody>
+            <a:bodyPr rtlCol="0" anchor="ctr"/>
+            <a:lstStyle/>
+            <a:p>
+              <a:pPr algn="ctr"/>
+              <a:endParaRPr lang="en-GB" dirty="0"/>
+            </a:p>
+          </p:txBody>
+        </p:sp>
+        <p:sp>
+          <p:nvSpPr>
+            <p:cNvPr id="109" name="Oval 108">
+              <a:extLst>
+                <a:ext uri="{FF2B5EF4-FFF2-40B4-BE49-F238E27FC236}">
+                  <a16:creationId xmlns:a16="http://schemas.microsoft.com/office/drawing/2014/main" id="{63D46340-7B34-D241-89EC-78CA36E0207C}"/>
+                </a:ext>
+              </a:extLst>
+            </p:cNvPr>
+            <p:cNvSpPr/>
+            <p:nvPr/>
+          </p:nvSpPr>
+          <p:spPr>
+            <a:xfrm>
+              <a:off x="3807440" y="4737417"/>
+              <a:ext cx="169135" cy="169135"/>
+            </a:xfrm>
+            <a:prstGeom prst="ellipse">
+              <a:avLst/>
+            </a:prstGeom>
+            <a:solidFill>
+              <a:schemeClr val="accent6">
+                <a:lumMod val="60000"/>
+                <a:lumOff val="40000"/>
+              </a:schemeClr>
+            </a:solidFill>
+            <a:ln w="6350">
+              <a:solidFill>
+                <a:schemeClr val="tx1"/>
+              </a:solidFill>
+            </a:ln>
+          </p:spPr>
+          <p:style>
+            <a:lnRef idx="2">
+              <a:schemeClr val="accent1">
+                <a:shade val="50000"/>
+              </a:schemeClr>
+            </a:lnRef>
+            <a:fillRef idx="1">
+              <a:schemeClr val="accent1"/>
+            </a:fillRef>
+            <a:effectRef idx="0">
+              <a:schemeClr val="accent1"/>
+            </a:effectRef>
+            <a:fontRef idx="minor">
+              <a:schemeClr val="lt1"/>
+            </a:fontRef>
+          </p:style>
+          <p:txBody>
+            <a:bodyPr rtlCol="0" anchor="ctr"/>
+            <a:lstStyle/>
+            <a:p>
+              <a:pPr algn="ctr"/>
+              <a:endParaRPr lang="en-GB"/>
+            </a:p>
+          </p:txBody>
+        </p:sp>
+      </p:grpSp>
+      <p:sp>
+        <p:nvSpPr>
+          <p:cNvPr id="112" name="Rectangle 111">
+            <a:extLst>
+              <a:ext uri="{FF2B5EF4-FFF2-40B4-BE49-F238E27FC236}">
+                <a16:creationId xmlns:a16="http://schemas.microsoft.com/office/drawing/2014/main" id="{73581C06-6724-1245-AFD0-122B3CFA0381}"/>
+              </a:ext>
+            </a:extLst>
+          </p:cNvPr>
+          <p:cNvSpPr/>
+          <p:nvPr/>
+        </p:nvSpPr>
+        <p:spPr>
+          <a:xfrm rot="5400000">
+            <a:off x="6709579" y="825326"/>
+            <a:ext cx="1219137" cy="220497"/>
+          </a:xfrm>
+          <a:prstGeom prst="rect">
+            <a:avLst/>
+          </a:prstGeom>
+          <a:solidFill>
+            <a:schemeClr val="accent6">
+              <a:lumMod val="60000"/>
+              <a:lumOff val="40000"/>
+            </a:schemeClr>
+          </a:solidFill>
+          <a:ln w="3175">
+            <a:solidFill>
+              <a:schemeClr val="tx1"/>
+            </a:solidFill>
+          </a:ln>
+        </p:spPr>
+        <p:style>
+          <a:lnRef idx="2">
+            <a:schemeClr val="accent1">
+              <a:shade val="50000"/>
+            </a:schemeClr>
+          </a:lnRef>
+          <a:fillRef idx="1">
+            <a:schemeClr val="accent1"/>
+          </a:fillRef>
+          <a:effectRef idx="0">
+            <a:schemeClr val="accent1"/>
+          </a:effectRef>
+          <a:fontRef idx="minor">
+            <a:schemeClr val="lt1"/>
+          </a:fontRef>
+        </p:style>
+        <p:txBody>
+          <a:bodyPr rtlCol="0" anchor="ctr"/>
+          <a:lstStyle/>
+          <a:p>
+            <a:pPr algn="ctr"/>
+            <a:endParaRPr lang="en-GB" dirty="0"/>
+          </a:p>
+        </p:txBody>
+      </p:sp>
+      <p:sp>
+        <p:nvSpPr>
+          <p:cNvPr id="113" name="Rectangle 112">
+            <a:extLst>
+              <a:ext uri="{FF2B5EF4-FFF2-40B4-BE49-F238E27FC236}">
+                <a16:creationId xmlns:a16="http://schemas.microsoft.com/office/drawing/2014/main" id="{E96E18B0-A99D-DC44-9564-FE9452D1C28D}"/>
+              </a:ext>
+            </a:extLst>
+          </p:cNvPr>
+          <p:cNvSpPr/>
+          <p:nvPr/>
+        </p:nvSpPr>
+        <p:spPr>
+          <a:xfrm>
+            <a:off x="7631256" y="88535"/>
+            <a:ext cx="3898135" cy="220497"/>
+          </a:xfrm>
+          <a:prstGeom prst="rect">
+            <a:avLst/>
+          </a:prstGeom>
+          <a:solidFill>
+            <a:schemeClr val="accent6">
+              <a:lumMod val="60000"/>
+              <a:lumOff val="40000"/>
+            </a:schemeClr>
+          </a:solidFill>
+          <a:ln w="3175">
+            <a:solidFill>
+              <a:schemeClr val="tx1"/>
+            </a:solidFill>
+          </a:ln>
+        </p:spPr>
+        <p:style>
+          <a:lnRef idx="2">
+            <a:schemeClr val="accent1">
+              <a:shade val="50000"/>
+            </a:schemeClr>
+          </a:lnRef>
+          <a:fillRef idx="1">
+            <a:schemeClr val="accent1"/>
+          </a:fillRef>
+          <a:effectRef idx="0">
+            <a:schemeClr val="accent1"/>
+          </a:effectRef>
+          <a:fontRef idx="minor">
+            <a:schemeClr val="lt1"/>
+          </a:fontRef>
+        </p:style>
+        <p:txBody>
+          <a:bodyPr rtlCol="0" anchor="ctr"/>
+          <a:lstStyle/>
+          <a:p>
+            <a:pPr algn="ctr"/>
+            <a:endParaRPr lang="en-GB" dirty="0"/>
+          </a:p>
+        </p:txBody>
+      </p:sp>
+      <p:sp>
+        <p:nvSpPr>
+          <p:cNvPr id="114" name="Rectangle 113">
+            <a:extLst>
+              <a:ext uri="{FF2B5EF4-FFF2-40B4-BE49-F238E27FC236}">
+                <a16:creationId xmlns:a16="http://schemas.microsoft.com/office/drawing/2014/main" id="{F339D860-EADB-8C4F-AF23-B748CD73E04D}"/>
+              </a:ext>
+            </a:extLst>
+          </p:cNvPr>
+          <p:cNvSpPr/>
+          <p:nvPr/>
+        </p:nvSpPr>
+        <p:spPr>
+          <a:xfrm rot="5400000">
+            <a:off x="5608273" y="2293806"/>
+            <a:ext cx="1130882" cy="220497"/>
+          </a:xfrm>
+          <a:prstGeom prst="rect">
+            <a:avLst/>
+          </a:prstGeom>
+          <a:solidFill>
+            <a:schemeClr val="accent6">
+              <a:lumMod val="60000"/>
+              <a:lumOff val="40000"/>
+            </a:schemeClr>
+          </a:solidFill>
+          <a:ln w="3175">
+            <a:solidFill>
+              <a:schemeClr val="tx1"/>
+            </a:solidFill>
+          </a:ln>
+        </p:spPr>
+        <p:style>
+          <a:lnRef idx="2">
+            <a:schemeClr val="accent1">
+              <a:shade val="50000"/>
+            </a:schemeClr>
+          </a:lnRef>
+          <a:fillRef idx="1">
+            <a:schemeClr val="accent1"/>
+          </a:fillRef>
+          <a:effectRef idx="0">
+            <a:schemeClr val="accent1"/>
+          </a:effectRef>
+          <a:fontRef idx="minor">
+            <a:schemeClr val="lt1"/>
+          </a:fontRef>
+        </p:style>
+        <p:txBody>
+          <a:bodyPr rtlCol="0" anchor="ctr"/>
+          <a:lstStyle/>
+          <a:p>
+            <a:pPr algn="ctr"/>
+            <a:endParaRPr lang="en-GB" dirty="0"/>
+          </a:p>
+        </p:txBody>
+      </p:sp>
+      <p:sp>
+        <p:nvSpPr>
+          <p:cNvPr id="115" name="Rectangle 114">
+            <a:extLst>
+              <a:ext uri="{FF2B5EF4-FFF2-40B4-BE49-F238E27FC236}">
+                <a16:creationId xmlns:a16="http://schemas.microsoft.com/office/drawing/2014/main" id="{C0EA47F7-3026-6043-96F5-2603A5FB5B6C}"/>
+              </a:ext>
+            </a:extLst>
+          </p:cNvPr>
+          <p:cNvSpPr/>
+          <p:nvPr/>
+        </p:nvSpPr>
+        <p:spPr>
+          <a:xfrm rot="5400000">
+            <a:off x="11281579" y="817375"/>
+            <a:ext cx="1219137" cy="220497"/>
+          </a:xfrm>
+          <a:prstGeom prst="rect">
+            <a:avLst/>
+          </a:prstGeom>
+          <a:solidFill>
+            <a:schemeClr val="accent6">
+              <a:lumMod val="60000"/>
+              <a:lumOff val="40000"/>
+            </a:schemeClr>
+          </a:solidFill>
+          <a:ln w="3175">
+            <a:solidFill>
+              <a:schemeClr val="tx1"/>
+            </a:solidFill>
+          </a:ln>
+        </p:spPr>
+        <p:style>
+          <a:lnRef idx="2">
+            <a:schemeClr val="accent1">
+              <a:shade val="50000"/>
+            </a:schemeClr>
+          </a:lnRef>
+          <a:fillRef idx="1">
+            <a:schemeClr val="accent1"/>
+          </a:fillRef>
+          <a:effectRef idx="0">
+            <a:schemeClr val="accent1"/>
+          </a:effectRef>
+          <a:fontRef idx="minor">
+            <a:schemeClr val="lt1"/>
+          </a:fontRef>
+        </p:style>
+        <p:txBody>
+          <a:bodyPr rtlCol="0" anchor="ctr"/>
+          <a:lstStyle/>
+          <a:p>
+            <a:pPr algn="ctr"/>
+            <a:endParaRPr lang="en-GB" dirty="0"/>
+          </a:p>
+        </p:txBody>
+      </p:sp>
+      <p:sp>
+        <p:nvSpPr>
+          <p:cNvPr id="116" name="Rectangle 115">
+            <a:extLst>
+              <a:ext uri="{FF2B5EF4-FFF2-40B4-BE49-F238E27FC236}">
+                <a16:creationId xmlns:a16="http://schemas.microsoft.com/office/drawing/2014/main" id="{BDF6EDA2-FB94-9240-89E7-238865FC8A5F}"/>
+              </a:ext>
+            </a:extLst>
+          </p:cNvPr>
+          <p:cNvSpPr/>
+          <p:nvPr/>
+        </p:nvSpPr>
+        <p:spPr>
+          <a:xfrm rot="5400000">
+            <a:off x="12101855" y="3837574"/>
+            <a:ext cx="2234317" cy="220497"/>
+          </a:xfrm>
+          <a:prstGeom prst="rect">
+            <a:avLst/>
+          </a:prstGeom>
+          <a:solidFill>
+            <a:schemeClr val="accent6">
+              <a:lumMod val="60000"/>
+              <a:lumOff val="40000"/>
+            </a:schemeClr>
+          </a:solidFill>
+          <a:ln w="3175">
+            <a:solidFill>
+              <a:schemeClr val="tx1"/>
+            </a:solidFill>
+          </a:ln>
+        </p:spPr>
+        <p:style>
+          <a:lnRef idx="2">
+            <a:schemeClr val="accent1">
+              <a:shade val="50000"/>
+            </a:schemeClr>
+          </a:lnRef>
+          <a:fillRef idx="1">
+            <a:schemeClr val="accent1"/>
+          </a:fillRef>
+          <a:effectRef idx="0">
+            <a:schemeClr val="accent1"/>
+          </a:effectRef>
+          <a:fontRef idx="minor">
+            <a:schemeClr val="lt1"/>
+          </a:fontRef>
+        </p:style>
+        <p:txBody>
+          <a:bodyPr rtlCol="0" anchor="ctr"/>
+          <a:lstStyle/>
+          <a:p>
+            <a:pPr algn="ctr"/>
+            <a:endParaRPr lang="en-GB" dirty="0"/>
+          </a:p>
+        </p:txBody>
+      </p:sp>
+      <p:sp>
+        <p:nvSpPr>
+          <p:cNvPr id="118" name="Rectangle 117">
+            <a:extLst>
+              <a:ext uri="{FF2B5EF4-FFF2-40B4-BE49-F238E27FC236}">
+                <a16:creationId xmlns:a16="http://schemas.microsoft.com/office/drawing/2014/main" id="{FA1C8030-8EAF-5F45-8373-B953409D0E46}"/>
+              </a:ext>
+            </a:extLst>
+          </p:cNvPr>
+          <p:cNvSpPr/>
+          <p:nvPr/>
+        </p:nvSpPr>
+        <p:spPr>
+          <a:xfrm>
+            <a:off x="7661003" y="6562023"/>
+            <a:ext cx="3898135" cy="220497"/>
+          </a:xfrm>
+          <a:prstGeom prst="rect">
+            <a:avLst/>
+          </a:prstGeom>
+          <a:solidFill>
+            <a:schemeClr val="accent6">
+              <a:lumMod val="60000"/>
+              <a:lumOff val="40000"/>
+            </a:schemeClr>
+          </a:solidFill>
+          <a:ln w="3175">
+            <a:solidFill>
+              <a:schemeClr val="tx1"/>
+            </a:solidFill>
+          </a:ln>
+        </p:spPr>
+        <p:style>
+          <a:lnRef idx="2">
+            <a:schemeClr val="accent1">
+              <a:shade val="50000"/>
+            </a:schemeClr>
+          </a:lnRef>
+          <a:fillRef idx="1">
+            <a:schemeClr val="accent1"/>
+          </a:fillRef>
+          <a:effectRef idx="0">
+            <a:schemeClr val="accent1"/>
+          </a:effectRef>
+          <a:fontRef idx="minor">
+            <a:schemeClr val="lt1"/>
+          </a:fontRef>
+        </p:style>
+        <p:txBody>
+          <a:bodyPr rtlCol="0" anchor="ctr"/>
+          <a:lstStyle/>
+          <a:p>
+            <a:pPr algn="ctr"/>
+            <a:endParaRPr lang="en-GB" dirty="0"/>
+          </a:p>
+        </p:txBody>
+      </p:sp>
+      <p:sp>
+        <p:nvSpPr>
+          <p:cNvPr id="119" name="Rectangle 118">
+            <a:extLst>
+              <a:ext uri="{FF2B5EF4-FFF2-40B4-BE49-F238E27FC236}">
+                <a16:creationId xmlns:a16="http://schemas.microsoft.com/office/drawing/2014/main" id="{73D8CECC-1064-9845-BEBF-B286E294DB32}"/>
+              </a:ext>
+            </a:extLst>
+          </p:cNvPr>
+          <p:cNvSpPr/>
+          <p:nvPr/>
+        </p:nvSpPr>
+        <p:spPr>
+          <a:xfrm rot="5400000">
+            <a:off x="11304854" y="5799679"/>
+            <a:ext cx="1172580" cy="220497"/>
+          </a:xfrm>
+          <a:prstGeom prst="rect">
+            <a:avLst/>
+          </a:prstGeom>
+          <a:solidFill>
+            <a:schemeClr val="accent6">
+              <a:lumMod val="60000"/>
+              <a:lumOff val="40000"/>
+            </a:schemeClr>
+          </a:solidFill>
+          <a:ln w="3175">
+            <a:solidFill>
+              <a:schemeClr val="tx1"/>
+            </a:solidFill>
+          </a:ln>
+        </p:spPr>
+        <p:style>
+          <a:lnRef idx="2">
+            <a:schemeClr val="accent1">
+              <a:shade val="50000"/>
+            </a:schemeClr>
+          </a:lnRef>
+          <a:fillRef idx="1">
+            <a:schemeClr val="accent1"/>
+          </a:fillRef>
+          <a:effectRef idx="0">
+            <a:schemeClr val="accent1"/>
+          </a:effectRef>
+          <a:fontRef idx="minor">
+            <a:schemeClr val="lt1"/>
+          </a:fontRef>
+        </p:style>
+        <p:txBody>
+          <a:bodyPr rtlCol="0" anchor="ctr"/>
+          <a:lstStyle/>
+          <a:p>
+            <a:pPr algn="ctr"/>
+            <a:endParaRPr lang="en-GB" dirty="0"/>
+          </a:p>
+        </p:txBody>
+      </p:sp>
+      <p:sp>
+        <p:nvSpPr>
+          <p:cNvPr id="120" name="Rectangle 119">
+            <a:extLst>
+              <a:ext uri="{FF2B5EF4-FFF2-40B4-BE49-F238E27FC236}">
+                <a16:creationId xmlns:a16="http://schemas.microsoft.com/office/drawing/2014/main" id="{FECB6017-F565-144B-9337-55C79B9D28D5}"/>
+              </a:ext>
+            </a:extLst>
+          </p:cNvPr>
+          <p:cNvSpPr/>
+          <p:nvPr/>
+        </p:nvSpPr>
+        <p:spPr>
+          <a:xfrm rot="5400000">
+            <a:off x="6740805" y="5791727"/>
+            <a:ext cx="1172580" cy="220497"/>
+          </a:xfrm>
+          <a:prstGeom prst="rect">
+            <a:avLst/>
+          </a:prstGeom>
+          <a:solidFill>
+            <a:schemeClr val="accent6">
+              <a:lumMod val="60000"/>
+              <a:lumOff val="40000"/>
+            </a:schemeClr>
+          </a:solidFill>
+          <a:ln w="3175">
+            <a:solidFill>
+              <a:schemeClr val="tx1"/>
+            </a:solidFill>
+          </a:ln>
+        </p:spPr>
+        <p:style>
+          <a:lnRef idx="2">
+            <a:schemeClr val="accent1">
+              <a:shade val="50000"/>
+            </a:schemeClr>
+          </a:lnRef>
+          <a:fillRef idx="1">
+            <a:schemeClr val="accent1"/>
+          </a:fillRef>
+          <a:effectRef idx="0">
+            <a:schemeClr val="accent1"/>
+          </a:effectRef>
+          <a:fontRef idx="minor">
+            <a:schemeClr val="lt1"/>
+          </a:fontRef>
+        </p:style>
+        <p:txBody>
+          <a:bodyPr rtlCol="0" anchor="ctr"/>
+          <a:lstStyle/>
+          <a:p>
+            <a:pPr algn="ctr"/>
+            <a:endParaRPr lang="en-GB" dirty="0"/>
+          </a:p>
+        </p:txBody>
+      </p:sp>
     </p:spTree>
     <p:extLst>
       <p:ext uri="{BB962C8B-B14F-4D97-AF65-F5344CB8AC3E}">
@@ -8643,7 +14883,7 @@
 </p:sld>
 </file>
 
-<file path=ppt/slides/slide3.xml><?xml version="1.0" encoding="utf-8"?>
+<file path=ppt/slides/slide5.xml><?xml version="1.0" encoding="utf-8"?>
 <p:sld xmlns:a="http://schemas.openxmlformats.org/drawingml/2006/main" xmlns:r="http://schemas.openxmlformats.org/officeDocument/2006/relationships" xmlns:p="http://schemas.openxmlformats.org/presentationml/2006/main">
   <p:cSld>
     <p:spTree>
